--- a/Presentation/Presentation.pptx
+++ b/Presentation/Presentation.pptx
@@ -8,15 +8,15 @@
     <p:sldId id="256" r:id="rId2"/>
     <p:sldId id="257" r:id="rId3"/>
     <p:sldId id="258" r:id="rId4"/>
-    <p:sldId id="259" r:id="rId5"/>
-    <p:sldId id="260" r:id="rId6"/>
-    <p:sldId id="261" r:id="rId7"/>
-    <p:sldId id="262" r:id="rId8"/>
-    <p:sldId id="263" r:id="rId9"/>
-    <p:sldId id="264" r:id="rId10"/>
-    <p:sldId id="265" r:id="rId11"/>
-    <p:sldId id="266" r:id="rId12"/>
-    <p:sldId id="267" r:id="rId13"/>
+    <p:sldId id="272" r:id="rId5"/>
+    <p:sldId id="259" r:id="rId6"/>
+    <p:sldId id="260" r:id="rId7"/>
+    <p:sldId id="261" r:id="rId8"/>
+    <p:sldId id="262" r:id="rId9"/>
+    <p:sldId id="263" r:id="rId10"/>
+    <p:sldId id="264" r:id="rId11"/>
+    <p:sldId id="265" r:id="rId12"/>
+    <p:sldId id="266" r:id="rId13"/>
     <p:sldId id="268" r:id="rId14"/>
     <p:sldId id="269" r:id="rId15"/>
     <p:sldId id="270" r:id="rId16"/>
@@ -3778,7 +3778,11 @@
           <a:bodyPr/>
           <a:lstStyle/>
           <a:p>
-            <a:endParaRPr lang="en-US"/>
+            <a:r>
+              <a:rPr lang="en-US" dirty="0" smtClean="0"/>
+              <a:t>Analysis 1</a:t>
+            </a:r>
+            <a:endParaRPr lang="en-US" dirty="0"/>
           </a:p>
         </p:txBody>
       </p:sp>
@@ -3797,14 +3801,18 @@
           <a:bodyPr/>
           <a:lstStyle/>
           <a:p>
-            <a:endParaRPr lang="en-US"/>
+            <a:r>
+              <a:rPr lang="en-US" dirty="0" smtClean="0"/>
+              <a:t>Use Case Diagram</a:t>
+            </a:r>
+            <a:endParaRPr lang="en-US" dirty="0"/>
           </a:p>
         </p:txBody>
       </p:sp>
     </p:spTree>
     <p:extLst>
       <p:ext uri="{BB962C8B-B14F-4D97-AF65-F5344CB8AC3E}">
-        <p14:creationId xmlns:p14="http://schemas.microsoft.com/office/powerpoint/2010/main" val="610290186"/>
+        <p14:creationId xmlns:p14="http://schemas.microsoft.com/office/powerpoint/2010/main" val="2483841844"/>
       </p:ext>
     </p:extLst>
   </p:cSld>
@@ -3846,7 +3854,11 @@
           <a:bodyPr/>
           <a:lstStyle/>
           <a:p>
-            <a:endParaRPr lang="en-US"/>
+            <a:r>
+              <a:rPr lang="en-US" dirty="0" smtClean="0"/>
+              <a:t>Analysis 2</a:t>
+            </a:r>
+            <a:endParaRPr lang="en-US" dirty="0"/>
           </a:p>
         </p:txBody>
       </p:sp>
@@ -3865,14 +3877,20 @@
           <a:bodyPr/>
           <a:lstStyle/>
           <a:p>
-            <a:endParaRPr lang="en-US"/>
+            <a:r>
+              <a:rPr lang="en-US" dirty="0" smtClean="0"/>
+              <a:t>State Machine</a:t>
+            </a:r>
+          </a:p>
+          <a:p>
+            <a:endParaRPr lang="en-US" dirty="0"/>
           </a:p>
         </p:txBody>
       </p:sp>
     </p:spTree>
     <p:extLst>
       <p:ext uri="{BB962C8B-B14F-4D97-AF65-F5344CB8AC3E}">
-        <p14:creationId xmlns:p14="http://schemas.microsoft.com/office/powerpoint/2010/main" val="3726645878"/>
+        <p14:creationId xmlns:p14="http://schemas.microsoft.com/office/powerpoint/2010/main" val="610290186"/>
       </p:ext>
     </p:extLst>
   </p:cSld>
@@ -3914,7 +3932,11 @@
           <a:bodyPr/>
           <a:lstStyle/>
           <a:p>
-            <a:endParaRPr lang="en-US"/>
+            <a:r>
+              <a:rPr lang="en-US" dirty="0" smtClean="0"/>
+              <a:t>Analysis 3</a:t>
+            </a:r>
+            <a:endParaRPr lang="en-US" dirty="0"/>
           </a:p>
         </p:txBody>
       </p:sp>
@@ -3933,14 +3955,18 @@
           <a:bodyPr/>
           <a:lstStyle/>
           <a:p>
-            <a:endParaRPr lang="en-US"/>
+            <a:r>
+              <a:rPr lang="en-US" dirty="0" smtClean="0"/>
+              <a:t>Use Case Specifications</a:t>
+            </a:r>
+            <a:endParaRPr lang="en-US" dirty="0"/>
           </a:p>
         </p:txBody>
       </p:sp>
     </p:spTree>
     <p:extLst>
       <p:ext uri="{BB962C8B-B14F-4D97-AF65-F5344CB8AC3E}">
-        <p14:creationId xmlns:p14="http://schemas.microsoft.com/office/powerpoint/2010/main" val="2840502078"/>
+        <p14:creationId xmlns:p14="http://schemas.microsoft.com/office/powerpoint/2010/main" val="3726645878"/>
       </p:ext>
     </p:extLst>
   </p:cSld>
@@ -3982,7 +4008,11 @@
           <a:bodyPr/>
           <a:lstStyle/>
           <a:p>
-            <a:endParaRPr lang="en-US"/>
+            <a:r>
+              <a:rPr lang="en-US" dirty="0" smtClean="0"/>
+              <a:t>Design 1</a:t>
+            </a:r>
+            <a:endParaRPr lang="en-US" dirty="0"/>
           </a:p>
         </p:txBody>
       </p:sp>
@@ -4050,7 +4080,11 @@
           <a:bodyPr/>
           <a:lstStyle/>
           <a:p>
-            <a:endParaRPr lang="en-US"/>
+            <a:r>
+              <a:rPr lang="en-US" dirty="0" smtClean="0"/>
+              <a:t>Design 2</a:t>
+            </a:r>
+            <a:endParaRPr lang="en-US" dirty="0"/>
           </a:p>
         </p:txBody>
       </p:sp>
@@ -4118,7 +4152,11 @@
           <a:bodyPr/>
           <a:lstStyle/>
           <a:p>
-            <a:endParaRPr lang="en-US"/>
+            <a:r>
+              <a:rPr lang="en-US" dirty="0" smtClean="0"/>
+              <a:t>Future Plans</a:t>
+            </a:r>
+            <a:endParaRPr lang="en-US" dirty="0"/>
           </a:p>
         </p:txBody>
       </p:sp>
@@ -4186,7 +4224,11 @@
           <a:bodyPr/>
           <a:lstStyle/>
           <a:p>
-            <a:endParaRPr lang="en-US"/>
+            <a:r>
+              <a:rPr lang="en-US" dirty="0" smtClean="0"/>
+              <a:t>Closing Remarks</a:t>
+            </a:r>
+            <a:endParaRPr lang="en-US" dirty="0"/>
           </a:p>
         </p:txBody>
       </p:sp>
@@ -4365,10 +4407,16 @@
         </p:nvSpPr>
         <p:spPr/>
         <p:txBody>
-          <a:bodyPr/>
-          <a:lstStyle/>
-          <a:p>
-            <a:endParaRPr lang="en-US"/>
+          <a:bodyPr>
+            <a:normAutofit/>
+          </a:bodyPr>
+          <a:lstStyle/>
+          <a:p>
+            <a:r>
+              <a:rPr lang="en-US" dirty="0" smtClean="0"/>
+              <a:t>Planning 1</a:t>
+            </a:r>
+            <a:endParaRPr lang="en-US" dirty="0"/>
           </a:p>
         </p:txBody>
       </p:sp>
@@ -4387,7 +4435,11 @@
           <a:bodyPr/>
           <a:lstStyle/>
           <a:p>
-            <a:endParaRPr lang="en-US"/>
+            <a:r>
+              <a:rPr lang="en-US" dirty="0" smtClean="0"/>
+              <a:t>The process model</a:t>
+            </a:r>
+            <a:endParaRPr lang="en-US" dirty="0"/>
           </a:p>
         </p:txBody>
       </p:sp>
@@ -4436,7 +4488,11 @@
           <a:bodyPr/>
           <a:lstStyle/>
           <a:p>
-            <a:endParaRPr lang="en-US"/>
+            <a:r>
+              <a:rPr lang="en-US" dirty="0" smtClean="0"/>
+              <a:t>Problem Overview</a:t>
+            </a:r>
+            <a:endParaRPr lang="en-US" dirty="0"/>
           </a:p>
         </p:txBody>
       </p:sp>
@@ -4455,6 +4511,14 @@
           <a:bodyPr/>
           <a:lstStyle/>
           <a:p>
+            <a:r>
+              <a:rPr lang="en-US" dirty="0" smtClean="0"/>
+              <a:t>Ahmed, you </a:t>
+            </a:r>
+            <a:r>
+              <a:rPr lang="en-US" smtClean="0"/>
+              <a:t>got this</a:t>
+            </a:r>
             <a:endParaRPr lang="en-US"/>
           </a:p>
         </p:txBody>
@@ -4462,7 +4526,7 @@
     </p:spTree>
     <p:extLst>
       <p:ext uri="{BB962C8B-B14F-4D97-AF65-F5344CB8AC3E}">
-        <p14:creationId xmlns:p14="http://schemas.microsoft.com/office/powerpoint/2010/main" val="1790221816"/>
+        <p14:creationId xmlns:p14="http://schemas.microsoft.com/office/powerpoint/2010/main" val="1326059528"/>
       </p:ext>
     </p:extLst>
   </p:cSld>
@@ -4504,7 +4568,11 @@
           <a:bodyPr/>
           <a:lstStyle/>
           <a:p>
-            <a:endParaRPr lang="en-US"/>
+            <a:r>
+              <a:rPr lang="en-US" dirty="0" smtClean="0"/>
+              <a:t>Planning 2</a:t>
+            </a:r>
+            <a:endParaRPr lang="en-US" dirty="0"/>
           </a:p>
         </p:txBody>
       </p:sp>
@@ -4523,14 +4591,18 @@
           <a:bodyPr/>
           <a:lstStyle/>
           <a:p>
-            <a:endParaRPr lang="en-US"/>
+            <a:r>
+              <a:rPr lang="en-US" dirty="0" smtClean="0"/>
+              <a:t>Gantt Chart goes here</a:t>
+            </a:r>
+            <a:endParaRPr lang="en-US" dirty="0"/>
           </a:p>
         </p:txBody>
       </p:sp>
     </p:spTree>
     <p:extLst>
       <p:ext uri="{BB962C8B-B14F-4D97-AF65-F5344CB8AC3E}">
-        <p14:creationId xmlns:p14="http://schemas.microsoft.com/office/powerpoint/2010/main" val="1267928927"/>
+        <p14:creationId xmlns:p14="http://schemas.microsoft.com/office/powerpoint/2010/main" val="1790221816"/>
       </p:ext>
     </p:extLst>
   </p:cSld>
@@ -4569,10 +4641,16 @@
         </p:nvSpPr>
         <p:spPr/>
         <p:txBody>
-          <a:bodyPr/>
-          <a:lstStyle/>
-          <a:p>
-            <a:endParaRPr lang="en-US"/>
+          <a:bodyPr>
+            <a:normAutofit/>
+          </a:bodyPr>
+          <a:lstStyle/>
+          <a:p>
+            <a:r>
+              <a:rPr lang="en-US" dirty="0" smtClean="0"/>
+              <a:t>Requirements 1</a:t>
+            </a:r>
+            <a:endParaRPr lang="en-US" dirty="0"/>
           </a:p>
         </p:txBody>
       </p:sp>
@@ -4598,7 +4676,7 @@
     </p:spTree>
     <p:extLst>
       <p:ext uri="{BB962C8B-B14F-4D97-AF65-F5344CB8AC3E}">
-        <p14:creationId xmlns:p14="http://schemas.microsoft.com/office/powerpoint/2010/main" val="1315807786"/>
+        <p14:creationId xmlns:p14="http://schemas.microsoft.com/office/powerpoint/2010/main" val="1267928927"/>
       </p:ext>
     </p:extLst>
   </p:cSld>
@@ -4640,7 +4718,11 @@
           <a:bodyPr/>
           <a:lstStyle/>
           <a:p>
-            <a:endParaRPr lang="en-US"/>
+            <a:r>
+              <a:rPr lang="en-US" dirty="0" smtClean="0"/>
+              <a:t>Requirements 2</a:t>
+            </a:r>
+            <a:endParaRPr lang="en-US" dirty="0"/>
           </a:p>
         </p:txBody>
       </p:sp>
@@ -4666,7 +4748,7 @@
     </p:spTree>
     <p:extLst>
       <p:ext uri="{BB962C8B-B14F-4D97-AF65-F5344CB8AC3E}">
-        <p14:creationId xmlns:p14="http://schemas.microsoft.com/office/powerpoint/2010/main" val="1377163205"/>
+        <p14:creationId xmlns:p14="http://schemas.microsoft.com/office/powerpoint/2010/main" val="1315807786"/>
       </p:ext>
     </p:extLst>
   </p:cSld>
@@ -4708,7 +4790,11 @@
           <a:bodyPr/>
           <a:lstStyle/>
           <a:p>
-            <a:endParaRPr lang="en-US"/>
+            <a:r>
+              <a:rPr lang="en-US" dirty="0" smtClean="0"/>
+              <a:t>Requirements 3</a:t>
+            </a:r>
+            <a:endParaRPr lang="en-US" dirty="0"/>
           </a:p>
         </p:txBody>
       </p:sp>
@@ -4734,7 +4820,7 @@
     </p:spTree>
     <p:extLst>
       <p:ext uri="{BB962C8B-B14F-4D97-AF65-F5344CB8AC3E}">
-        <p14:creationId xmlns:p14="http://schemas.microsoft.com/office/powerpoint/2010/main" val="2930921673"/>
+        <p14:creationId xmlns:p14="http://schemas.microsoft.com/office/powerpoint/2010/main" val="1377163205"/>
       </p:ext>
     </p:extLst>
   </p:cSld>
@@ -4776,7 +4862,11 @@
           <a:bodyPr/>
           <a:lstStyle/>
           <a:p>
-            <a:endParaRPr lang="en-US"/>
+            <a:r>
+              <a:rPr lang="en-US" dirty="0" smtClean="0"/>
+              <a:t>Requirements 4</a:t>
+            </a:r>
+            <a:endParaRPr lang="en-US" dirty="0"/>
           </a:p>
         </p:txBody>
       </p:sp>
@@ -4802,7 +4892,7 @@
     </p:spTree>
     <p:extLst>
       <p:ext uri="{BB962C8B-B14F-4D97-AF65-F5344CB8AC3E}">
-        <p14:creationId xmlns:p14="http://schemas.microsoft.com/office/powerpoint/2010/main" val="2483841844"/>
+        <p14:creationId xmlns:p14="http://schemas.microsoft.com/office/powerpoint/2010/main" val="2930921673"/>
       </p:ext>
     </p:extLst>
   </p:cSld>

--- a/Presentation/Presentation.pptx
+++ b/Presentation/Presentation.pptx
@@ -7,20 +7,17 @@
   <p:sldIdLst>
     <p:sldId id="256" r:id="rId2"/>
     <p:sldId id="257" r:id="rId3"/>
-    <p:sldId id="258" r:id="rId4"/>
-    <p:sldId id="272" r:id="rId5"/>
+    <p:sldId id="272" r:id="rId4"/>
+    <p:sldId id="258" r:id="rId5"/>
     <p:sldId id="259" r:id="rId6"/>
-    <p:sldId id="260" r:id="rId7"/>
-    <p:sldId id="261" r:id="rId8"/>
-    <p:sldId id="262" r:id="rId9"/>
-    <p:sldId id="263" r:id="rId10"/>
-    <p:sldId id="264" r:id="rId11"/>
-    <p:sldId id="265" r:id="rId12"/>
-    <p:sldId id="266" r:id="rId13"/>
-    <p:sldId id="268" r:id="rId14"/>
-    <p:sldId id="269" r:id="rId15"/>
-    <p:sldId id="270" r:id="rId16"/>
-    <p:sldId id="271" r:id="rId17"/>
+    <p:sldId id="273" r:id="rId7"/>
+    <p:sldId id="260" r:id="rId8"/>
+    <p:sldId id="261" r:id="rId9"/>
+    <p:sldId id="264" r:id="rId10"/>
+    <p:sldId id="265" r:id="rId11"/>
+    <p:sldId id="266" r:id="rId12"/>
+    <p:sldId id="268" r:id="rId13"/>
+    <p:sldId id="271" r:id="rId14"/>
   </p:sldIdLst>
   <p:sldSz cx="9144000" cy="6858000" type="screen4x3"/>
   <p:notesSz cx="6858000" cy="9144000"/>
@@ -3743,6 +3740,13 @@
   <p:clrMapOvr>
     <a:masterClrMapping/>
   </p:clrMapOvr>
+  <p:timing>
+    <p:tnLst>
+      <p:par>
+        <p:cTn xmlns:p14="http://schemas.microsoft.com/office/powerpoint/2010/main" id="1" dur="indefinite" restart="never" nodeType="tmRoot"/>
+      </p:par>
+    </p:tnLst>
+  </p:timing>
 </p:sld>
 </file>
 
@@ -3780,7 +3784,7 @@
           <a:p>
             <a:r>
               <a:rPr lang="en-US" dirty="0" smtClean="0"/>
-              <a:t>Analysis 1</a:t>
+              <a:t>State Machine</a:t>
             </a:r>
             <a:endParaRPr lang="en-US" dirty="0"/>
           </a:p>
@@ -3801,10 +3805,9 @@
           <a:bodyPr/>
           <a:lstStyle/>
           <a:p>
-            <a:r>
-              <a:rPr lang="en-US" dirty="0" smtClean="0"/>
-              <a:t>Use Case Diagram</a:t>
-            </a:r>
+            <a:pPr marL="36576" indent="0">
+              <a:buNone/>
+            </a:pPr>
             <a:endParaRPr lang="en-US" dirty="0"/>
           </a:p>
         </p:txBody>
@@ -3812,13 +3815,20 @@
     </p:spTree>
     <p:extLst>
       <p:ext uri="{BB962C8B-B14F-4D97-AF65-F5344CB8AC3E}">
-        <p14:creationId xmlns:p14="http://schemas.microsoft.com/office/powerpoint/2010/main" val="2483841844"/>
+        <p14:creationId xmlns:p14="http://schemas.microsoft.com/office/powerpoint/2010/main" val="610290186"/>
       </p:ext>
     </p:extLst>
   </p:cSld>
   <p:clrMapOvr>
     <a:masterClrMapping/>
   </p:clrMapOvr>
+  <p:timing>
+    <p:tnLst>
+      <p:par>
+        <p:cTn xmlns:p14="http://schemas.microsoft.com/office/powerpoint/2010/main" id="1" dur="indefinite" restart="never" nodeType="tmRoot"/>
+      </p:par>
+    </p:tnLst>
+  </p:timing>
 </p:sld>
 </file>
 
@@ -3856,7 +3866,7 @@
           <a:p>
             <a:r>
               <a:rPr lang="en-US" dirty="0" smtClean="0"/>
-              <a:t>Analysis 2</a:t>
+              <a:t>Use Case Specifications</a:t>
             </a:r>
             <a:endParaRPr lang="en-US" dirty="0"/>
           </a:p>
@@ -3879,10 +3889,8 @@
           <a:p>
             <a:r>
               <a:rPr lang="en-US" dirty="0" smtClean="0"/>
-              <a:t>State Machine</a:t>
-            </a:r>
-          </a:p>
-          <a:p>
+              <a:t>Use Case Specifications</a:t>
+            </a:r>
             <a:endParaRPr lang="en-US" dirty="0"/>
           </a:p>
         </p:txBody>
@@ -3890,13 +3898,20 @@
     </p:spTree>
     <p:extLst>
       <p:ext uri="{BB962C8B-B14F-4D97-AF65-F5344CB8AC3E}">
-        <p14:creationId xmlns:p14="http://schemas.microsoft.com/office/powerpoint/2010/main" val="610290186"/>
+        <p14:creationId xmlns:p14="http://schemas.microsoft.com/office/powerpoint/2010/main" val="3726645878"/>
       </p:ext>
     </p:extLst>
   </p:cSld>
   <p:clrMapOvr>
     <a:masterClrMapping/>
   </p:clrMapOvr>
+  <p:timing>
+    <p:tnLst>
+      <p:par>
+        <p:cTn xmlns:p14="http://schemas.microsoft.com/office/powerpoint/2010/main" id="1" dur="indefinite" restart="never" nodeType="tmRoot"/>
+      </p:par>
+    </p:tnLst>
+  </p:timing>
 </p:sld>
 </file>
 
@@ -3934,7 +3949,7 @@
           <a:p>
             <a:r>
               <a:rPr lang="en-US" dirty="0" smtClean="0"/>
-              <a:t>Analysis 3</a:t>
+              <a:t>Design 1</a:t>
             </a:r>
             <a:endParaRPr lang="en-US" dirty="0"/>
           </a:p>
@@ -3955,9 +3970,30 @@
           <a:bodyPr/>
           <a:lstStyle/>
           <a:p>
+            <a:endParaRPr lang="en-US" dirty="0" smtClean="0"/>
+          </a:p>
+          <a:p>
             <a:r>
               <a:rPr lang="en-US" dirty="0" smtClean="0"/>
-              <a:t>Use Case Specifications</a:t>
+              <a:t>Consumption of fuel as a function of acceleration plus a constant</a:t>
+            </a:r>
+          </a:p>
+          <a:p>
+            <a:r>
+              <a:rPr lang="en-US" dirty="0" smtClean="0"/>
+              <a:t>Use files to log data sets</a:t>
+            </a:r>
+          </a:p>
+          <a:p>
+            <a:r>
+              <a:rPr lang="en-US" dirty="0" smtClean="0"/>
+              <a:t>Cap car speed</a:t>
+            </a:r>
+          </a:p>
+          <a:p>
+            <a:r>
+              <a:rPr lang="en-US" dirty="0" smtClean="0"/>
+              <a:t>Acceleration is capped and is based off the delta between current and desired speed</a:t>
             </a:r>
             <a:endParaRPr lang="en-US" dirty="0"/>
           </a:p>
@@ -3966,13 +4002,20 @@
     </p:spTree>
     <p:extLst>
       <p:ext uri="{BB962C8B-B14F-4D97-AF65-F5344CB8AC3E}">
-        <p14:creationId xmlns:p14="http://schemas.microsoft.com/office/powerpoint/2010/main" val="3726645878"/>
+        <p14:creationId xmlns:p14="http://schemas.microsoft.com/office/powerpoint/2010/main" val="3953020879"/>
       </p:ext>
     </p:extLst>
   </p:cSld>
   <p:clrMapOvr>
     <a:masterClrMapping/>
   </p:clrMapOvr>
+  <p:timing>
+    <p:tnLst>
+      <p:par>
+        <p:cTn xmlns:p14="http://schemas.microsoft.com/office/powerpoint/2010/main" id="1" dur="indefinite" restart="never" nodeType="tmRoot"/>
+      </p:par>
+    </p:tnLst>
+  </p:timing>
 </p:sld>
 </file>
 
@@ -4010,7 +4053,7 @@
           <a:p>
             <a:r>
               <a:rPr lang="en-US" dirty="0" smtClean="0"/>
-              <a:t>Design 1</a:t>
+              <a:t>Closing Remarks</a:t>
             </a:r>
             <a:endParaRPr lang="en-US" dirty="0"/>
           </a:p>
@@ -4031,223 +4074,23 @@
           <a:bodyPr/>
           <a:lstStyle/>
           <a:p>
-            <a:endParaRPr lang="en-US"/>
-          </a:p>
-        </p:txBody>
-      </p:sp>
-    </p:spTree>
-    <p:extLst>
-      <p:ext uri="{BB962C8B-B14F-4D97-AF65-F5344CB8AC3E}">
-        <p14:creationId xmlns:p14="http://schemas.microsoft.com/office/powerpoint/2010/main" val="3953020879"/>
-      </p:ext>
-    </p:extLst>
-  </p:cSld>
-  <p:clrMapOvr>
-    <a:masterClrMapping/>
-  </p:clrMapOvr>
-</p:sld>
-</file>
-
-<file path=ppt/slides/slide14.xml><?xml version="1.0" encoding="utf-8"?>
-<p:sld xmlns:a="http://schemas.openxmlformats.org/drawingml/2006/main" xmlns:r="http://schemas.openxmlformats.org/officeDocument/2006/relationships" xmlns:p="http://schemas.openxmlformats.org/presentationml/2006/main">
-  <p:cSld>
-    <p:spTree>
-      <p:nvGrpSpPr>
-        <p:cNvPr id="1" name=""/>
-        <p:cNvGrpSpPr/>
-        <p:nvPr/>
-      </p:nvGrpSpPr>
-      <p:grpSpPr>
-        <a:xfrm>
-          <a:off x="0" y="0"/>
-          <a:ext cx="0" cy="0"/>
-          <a:chOff x="0" y="0"/>
-          <a:chExt cx="0" cy="0"/>
-        </a:xfrm>
-      </p:grpSpPr>
-      <p:sp>
-        <p:nvSpPr>
-          <p:cNvPr id="2" name="Title 1"/>
-          <p:cNvSpPr>
-            <a:spLocks noGrp="1"/>
-          </p:cNvSpPr>
-          <p:nvPr>
-            <p:ph type="title"/>
-          </p:nvPr>
-        </p:nvSpPr>
-        <p:spPr/>
-        <p:txBody>
-          <a:bodyPr/>
-          <a:lstStyle/>
-          <a:p>
             <a:r>
               <a:rPr lang="en-US" dirty="0" smtClean="0"/>
-              <a:t>Design 2</a:t>
+              <a:t>Questions?</a:t>
+            </a:r>
+          </a:p>
+          <a:p>
+            <a:r>
+              <a:rPr lang="en-US" dirty="0" smtClean="0"/>
+              <a:t>Rotten tomatoes?</a:t>
+            </a:r>
+          </a:p>
+          <a:p>
+            <a:r>
+              <a:rPr lang="en-US" dirty="0" smtClean="0"/>
+              <a:t>Moral conundrums?</a:t>
             </a:r>
             <a:endParaRPr lang="en-US" dirty="0"/>
-          </a:p>
-        </p:txBody>
-      </p:sp>
-      <p:sp>
-        <p:nvSpPr>
-          <p:cNvPr id="3" name="Content Placeholder 2"/>
-          <p:cNvSpPr>
-            <a:spLocks noGrp="1"/>
-          </p:cNvSpPr>
-          <p:nvPr>
-            <p:ph idx="1"/>
-          </p:nvPr>
-        </p:nvSpPr>
-        <p:spPr/>
-        <p:txBody>
-          <a:bodyPr/>
-          <a:lstStyle/>
-          <a:p>
-            <a:endParaRPr lang="en-US"/>
-          </a:p>
-        </p:txBody>
-      </p:sp>
-    </p:spTree>
-    <p:extLst>
-      <p:ext uri="{BB962C8B-B14F-4D97-AF65-F5344CB8AC3E}">
-        <p14:creationId xmlns:p14="http://schemas.microsoft.com/office/powerpoint/2010/main" val="117445801"/>
-      </p:ext>
-    </p:extLst>
-  </p:cSld>
-  <p:clrMapOvr>
-    <a:masterClrMapping/>
-  </p:clrMapOvr>
-</p:sld>
-</file>
-
-<file path=ppt/slides/slide15.xml><?xml version="1.0" encoding="utf-8"?>
-<p:sld xmlns:a="http://schemas.openxmlformats.org/drawingml/2006/main" xmlns:r="http://schemas.openxmlformats.org/officeDocument/2006/relationships" xmlns:p="http://schemas.openxmlformats.org/presentationml/2006/main">
-  <p:cSld>
-    <p:spTree>
-      <p:nvGrpSpPr>
-        <p:cNvPr id="1" name=""/>
-        <p:cNvGrpSpPr/>
-        <p:nvPr/>
-      </p:nvGrpSpPr>
-      <p:grpSpPr>
-        <a:xfrm>
-          <a:off x="0" y="0"/>
-          <a:ext cx="0" cy="0"/>
-          <a:chOff x="0" y="0"/>
-          <a:chExt cx="0" cy="0"/>
-        </a:xfrm>
-      </p:grpSpPr>
-      <p:sp>
-        <p:nvSpPr>
-          <p:cNvPr id="2" name="Title 1"/>
-          <p:cNvSpPr>
-            <a:spLocks noGrp="1"/>
-          </p:cNvSpPr>
-          <p:nvPr>
-            <p:ph type="title"/>
-          </p:nvPr>
-        </p:nvSpPr>
-        <p:spPr/>
-        <p:txBody>
-          <a:bodyPr/>
-          <a:lstStyle/>
-          <a:p>
-            <a:r>
-              <a:rPr lang="en-US" dirty="0" smtClean="0"/>
-              <a:t>Future Plans</a:t>
-            </a:r>
-            <a:endParaRPr lang="en-US" dirty="0"/>
-          </a:p>
-        </p:txBody>
-      </p:sp>
-      <p:sp>
-        <p:nvSpPr>
-          <p:cNvPr id="3" name="Content Placeholder 2"/>
-          <p:cNvSpPr>
-            <a:spLocks noGrp="1"/>
-          </p:cNvSpPr>
-          <p:nvPr>
-            <p:ph idx="1"/>
-          </p:nvPr>
-        </p:nvSpPr>
-        <p:spPr/>
-        <p:txBody>
-          <a:bodyPr/>
-          <a:lstStyle/>
-          <a:p>
-            <a:endParaRPr lang="en-US"/>
-          </a:p>
-        </p:txBody>
-      </p:sp>
-    </p:spTree>
-    <p:extLst>
-      <p:ext uri="{BB962C8B-B14F-4D97-AF65-F5344CB8AC3E}">
-        <p14:creationId xmlns:p14="http://schemas.microsoft.com/office/powerpoint/2010/main" val="943079606"/>
-      </p:ext>
-    </p:extLst>
-  </p:cSld>
-  <p:clrMapOvr>
-    <a:masterClrMapping/>
-  </p:clrMapOvr>
-</p:sld>
-</file>
-
-<file path=ppt/slides/slide16.xml><?xml version="1.0" encoding="utf-8"?>
-<p:sld xmlns:a="http://schemas.openxmlformats.org/drawingml/2006/main" xmlns:r="http://schemas.openxmlformats.org/officeDocument/2006/relationships" xmlns:p="http://schemas.openxmlformats.org/presentationml/2006/main">
-  <p:cSld>
-    <p:spTree>
-      <p:nvGrpSpPr>
-        <p:cNvPr id="1" name=""/>
-        <p:cNvGrpSpPr/>
-        <p:nvPr/>
-      </p:nvGrpSpPr>
-      <p:grpSpPr>
-        <a:xfrm>
-          <a:off x="0" y="0"/>
-          <a:ext cx="0" cy="0"/>
-          <a:chOff x="0" y="0"/>
-          <a:chExt cx="0" cy="0"/>
-        </a:xfrm>
-      </p:grpSpPr>
-      <p:sp>
-        <p:nvSpPr>
-          <p:cNvPr id="2" name="Title 1"/>
-          <p:cNvSpPr>
-            <a:spLocks noGrp="1"/>
-          </p:cNvSpPr>
-          <p:nvPr>
-            <p:ph type="title"/>
-          </p:nvPr>
-        </p:nvSpPr>
-        <p:spPr/>
-        <p:txBody>
-          <a:bodyPr/>
-          <a:lstStyle/>
-          <a:p>
-            <a:r>
-              <a:rPr lang="en-US" dirty="0" smtClean="0"/>
-              <a:t>Closing Remarks</a:t>
-            </a:r>
-            <a:endParaRPr lang="en-US" dirty="0"/>
-          </a:p>
-        </p:txBody>
-      </p:sp>
-      <p:sp>
-        <p:nvSpPr>
-          <p:cNvPr id="3" name="Content Placeholder 2"/>
-          <p:cNvSpPr>
-            <a:spLocks noGrp="1"/>
-          </p:cNvSpPr>
-          <p:nvPr>
-            <p:ph idx="1"/>
-          </p:nvPr>
-        </p:nvSpPr>
-        <p:spPr/>
-        <p:txBody>
-          <a:bodyPr/>
-          <a:lstStyle/>
-          <a:p>
-            <a:endParaRPr lang="en-US"/>
           </a:p>
         </p:txBody>
       </p:sp>
@@ -4261,6 +4104,13 @@
   <p:clrMapOvr>
     <a:masterClrMapping/>
   </p:clrMapOvr>
+  <p:timing>
+    <p:tnLst>
+      <p:par>
+        <p:cTn xmlns:p14="http://schemas.microsoft.com/office/powerpoint/2010/main" id="1" dur="indefinite" restart="never" nodeType="tmRoot"/>
+      </p:par>
+    </p:tnLst>
+  </p:timing>
 </p:sld>
 </file>
 
@@ -4375,6 +4225,13 @@
   <p:clrMapOvr>
     <a:masterClrMapping/>
   </p:clrMapOvr>
+  <p:timing>
+    <p:tnLst>
+      <p:par>
+        <p:cTn xmlns:p14="http://schemas.microsoft.com/office/powerpoint/2010/main" id="1" dur="indefinite" restart="never" nodeType="tmRoot"/>
+      </p:par>
+    </p:tnLst>
+  </p:timing>
 </p:sld>
 </file>
 
@@ -4407,37 +4264,35 @@
         </p:nvSpPr>
         <p:spPr/>
         <p:txBody>
-          <a:bodyPr>
-            <a:normAutofit/>
-          </a:bodyPr>
-          <a:lstStyle/>
-          <a:p>
-            <a:r>
-              <a:rPr lang="en-US" dirty="0" smtClean="0"/>
-              <a:t>Planning 1</a:t>
-            </a:r>
-            <a:endParaRPr lang="en-US" dirty="0"/>
-          </a:p>
-        </p:txBody>
-      </p:sp>
-      <p:sp>
-        <p:nvSpPr>
-          <p:cNvPr id="3" name="Content Placeholder 2"/>
-          <p:cNvSpPr>
-            <a:spLocks noGrp="1"/>
-          </p:cNvSpPr>
-          <p:nvPr>
-            <p:ph idx="1"/>
-          </p:nvPr>
-        </p:nvSpPr>
-        <p:spPr/>
-        <p:txBody>
           <a:bodyPr/>
           <a:lstStyle/>
           <a:p>
             <a:r>
               <a:rPr lang="en-US" dirty="0" smtClean="0"/>
-              <a:t>The process model</a:t>
+              <a:t>Problem Overview</a:t>
+            </a:r>
+            <a:endParaRPr lang="en-US" dirty="0"/>
+          </a:p>
+        </p:txBody>
+      </p:sp>
+      <p:sp>
+        <p:nvSpPr>
+          <p:cNvPr id="3" name="Content Placeholder 2"/>
+          <p:cNvSpPr>
+            <a:spLocks noGrp="1"/>
+          </p:cNvSpPr>
+          <p:nvPr>
+            <p:ph idx="1"/>
+          </p:nvPr>
+        </p:nvSpPr>
+        <p:spPr/>
+        <p:txBody>
+          <a:bodyPr/>
+          <a:lstStyle/>
+          <a:p>
+            <a:r>
+              <a:rPr lang="en-US" dirty="0" smtClean="0"/>
+              <a:t>Ahmed, you got this</a:t>
             </a:r>
             <a:endParaRPr lang="en-US" dirty="0"/>
           </a:p>
@@ -4446,13 +4301,20 @@
     </p:spTree>
     <p:extLst>
       <p:ext uri="{BB962C8B-B14F-4D97-AF65-F5344CB8AC3E}">
-        <p14:creationId xmlns:p14="http://schemas.microsoft.com/office/powerpoint/2010/main" val="2084027435"/>
+        <p14:creationId xmlns:p14="http://schemas.microsoft.com/office/powerpoint/2010/main" val="1326059528"/>
       </p:ext>
     </p:extLst>
   </p:cSld>
   <p:clrMapOvr>
     <a:masterClrMapping/>
   </p:clrMapOvr>
+  <p:timing>
+    <p:tnLst>
+      <p:par>
+        <p:cTn xmlns:p14="http://schemas.microsoft.com/office/powerpoint/2010/main" id="1" dur="indefinite" restart="never" nodeType="tmRoot"/>
+      </p:par>
+    </p:tnLst>
+  </p:timing>
 </p:sld>
 </file>
 
@@ -4485,54 +4347,77 @@
         </p:nvSpPr>
         <p:spPr/>
         <p:txBody>
+          <a:bodyPr>
+            <a:normAutofit/>
+          </a:bodyPr>
+          <a:lstStyle/>
+          <a:p>
+            <a:pPr algn="ctr"/>
+            <a:r>
+              <a:rPr lang="en-US" dirty="0" smtClean="0"/>
+              <a:t>Process Model</a:t>
+            </a:r>
+            <a:endParaRPr lang="en-US" dirty="0"/>
+          </a:p>
+        </p:txBody>
+      </p:sp>
+      <p:sp>
+        <p:nvSpPr>
+          <p:cNvPr id="3" name="Content Placeholder 2"/>
+          <p:cNvSpPr>
+            <a:spLocks noGrp="1"/>
+          </p:cNvSpPr>
+          <p:nvPr>
+            <p:ph idx="1"/>
+          </p:nvPr>
+        </p:nvSpPr>
+        <p:spPr/>
+        <p:txBody>
           <a:bodyPr/>
           <a:lstStyle/>
           <a:p>
             <a:r>
               <a:rPr lang="en-US" dirty="0" smtClean="0"/>
-              <a:t>Problem Overview</a:t>
-            </a:r>
+              <a:t>Iterative and Incremental</a:t>
+            </a:r>
+          </a:p>
+          <a:p>
+            <a:pPr lvl="1"/>
+            <a:r>
+              <a:rPr lang="en-US" dirty="0" smtClean="0"/>
+              <a:t>Functional products after short time</a:t>
+            </a:r>
+          </a:p>
+          <a:p>
+            <a:pPr lvl="1"/>
+            <a:r>
+              <a:rPr lang="en-US" dirty="0" smtClean="0"/>
+              <a:t>Room for low-cost maintenance</a:t>
+            </a:r>
+          </a:p>
+          <a:p>
+            <a:pPr lvl="1"/>
             <a:endParaRPr lang="en-US" dirty="0"/>
-          </a:p>
-        </p:txBody>
-      </p:sp>
-      <p:sp>
-        <p:nvSpPr>
-          <p:cNvPr id="3" name="Content Placeholder 2"/>
-          <p:cNvSpPr>
-            <a:spLocks noGrp="1"/>
-          </p:cNvSpPr>
-          <p:nvPr>
-            <p:ph idx="1"/>
-          </p:nvPr>
-        </p:nvSpPr>
-        <p:spPr/>
-        <p:txBody>
-          <a:bodyPr/>
-          <a:lstStyle/>
-          <a:p>
-            <a:r>
-              <a:rPr lang="en-US" dirty="0" smtClean="0"/>
-              <a:t>Ahmed, you </a:t>
-            </a:r>
-            <a:r>
-              <a:rPr lang="en-US" smtClean="0"/>
-              <a:t>got this</a:t>
-            </a:r>
-            <a:endParaRPr lang="en-US"/>
           </a:p>
         </p:txBody>
       </p:sp>
     </p:spTree>
     <p:extLst>
       <p:ext uri="{BB962C8B-B14F-4D97-AF65-F5344CB8AC3E}">
-        <p14:creationId xmlns:p14="http://schemas.microsoft.com/office/powerpoint/2010/main" val="1326059528"/>
+        <p14:creationId xmlns:p14="http://schemas.microsoft.com/office/powerpoint/2010/main" val="2084027435"/>
       </p:ext>
     </p:extLst>
   </p:cSld>
   <p:clrMapOvr>
     <a:masterClrMapping/>
   </p:clrMapOvr>
+  <p:timing>
+    <p:tnLst>
+      <p:par>
+        <p:cTn xmlns:p14="http://schemas.microsoft.com/office/powerpoint/2010/main" id="1" dur="indefinite" restart="never" nodeType="tmRoot"/>
+      </p:par>
+    </p:tnLst>
+  </p:timing>
 </p:sld>
 </file>
 
@@ -4568,9 +4453,10 @@
           <a:bodyPr/>
           <a:lstStyle/>
           <a:p>
+            <a:pPr algn="ctr"/>
             <a:r>
               <a:rPr lang="en-US" dirty="0" smtClean="0"/>
-              <a:t>Planning 2</a:t>
+              <a:t>Planning</a:t>
             </a:r>
             <a:endParaRPr lang="en-US" dirty="0"/>
           </a:p>
@@ -4609,6 +4495,13 @@
   <p:clrMapOvr>
     <a:masterClrMapping/>
   </p:clrMapOvr>
+  <p:timing>
+    <p:tnLst>
+      <p:par>
+        <p:cTn xmlns:p14="http://schemas.microsoft.com/office/powerpoint/2010/main" id="1" dur="indefinite" restart="never" nodeType="tmRoot"/>
+      </p:par>
+    </p:tnLst>
+  </p:timing>
 </p:sld>
 </file>
 
@@ -4646,9 +4539,10 @@
           </a:bodyPr>
           <a:lstStyle/>
           <a:p>
+            <a:pPr algn="ctr"/>
             <a:r>
               <a:rPr lang="en-US" dirty="0" smtClean="0"/>
-              <a:t>Requirements 1</a:t>
+              <a:t>Risk Analysis</a:t>
             </a:r>
             <a:endParaRPr lang="en-US" dirty="0"/>
           </a:p>
@@ -4664,25 +4558,2719 @@
             <p:ph idx="1"/>
           </p:nvPr>
         </p:nvSpPr>
-        <p:spPr/>
+        <p:spPr>
+          <a:solidFill>
+            <a:schemeClr val="tx1"/>
+          </a:solidFill>
+        </p:spPr>
         <p:txBody>
           <a:bodyPr/>
           <a:lstStyle/>
           <a:p>
-            <a:endParaRPr lang="en-US"/>
-          </a:p>
-        </p:txBody>
-      </p:sp>
+            <a:pPr marL="36576" indent="0">
+              <a:buNone/>
+            </a:pPr>
+            <a:r>
+              <a:rPr lang="en-US" dirty="0" smtClean="0"/>
+              <a:t>Risk Analysis</a:t>
+            </a:r>
+            <a:endParaRPr lang="en-US" dirty="0"/>
+          </a:p>
+        </p:txBody>
+      </p:sp>
+      <p:graphicFrame>
+        <p:nvGraphicFramePr>
+          <p:cNvPr id="4" name="Table 3"/>
+          <p:cNvGraphicFramePr>
+            <a:graphicFrameLocks noGrp="1"/>
+          </p:cNvGraphicFramePr>
+          <p:nvPr>
+            <p:extLst>
+              <p:ext uri="{D42A27DB-BD31-4B8C-83A1-F6EECF244321}">
+                <p14:modId xmlns:p14="http://schemas.microsoft.com/office/powerpoint/2010/main" val="3362595770"/>
+              </p:ext>
+            </p:extLst>
+          </p:nvPr>
+        </p:nvGraphicFramePr>
+        <p:xfrm>
+          <a:off x="457200" y="1600198"/>
+          <a:ext cx="7467598" cy="4525965"/>
+        </p:xfrm>
+        <a:graphic>
+          <a:graphicData uri="http://schemas.openxmlformats.org/drawingml/2006/table">
+            <a:tbl>
+              <a:tblPr/>
+              <a:tblGrid>
+                <a:gridCol w="845388"/>
+                <a:gridCol w="1113095"/>
+                <a:gridCol w="1113095"/>
+                <a:gridCol w="1169454"/>
+                <a:gridCol w="1169454"/>
+                <a:gridCol w="1028556"/>
+                <a:gridCol w="1028556"/>
+              </a:tblGrid>
+              <a:tr h="323050">
+                <a:tc gridSpan="7">
+                  <a:txBody>
+                    <a:bodyPr/>
+                    <a:lstStyle/>
+                    <a:p>
+                      <a:pPr algn="ctr" fontAlgn="ctr"/>
+                      <a:r>
+                        <a:rPr lang="en-US" sz="1900" b="0" i="0" u="none" strike="noStrike" dirty="0">
+                          <a:solidFill>
+                            <a:srgbClr val="000000"/>
+                          </a:solidFill>
+                          <a:effectLst/>
+                          <a:latin typeface="Calibri"/>
+                        </a:rPr>
+                        <a:t>Risk Assessment Summary</a:t>
+                      </a:r>
+                    </a:p>
+                  </a:txBody>
+                  <a:tcPr marL="10137" marR="10137" marT="10137" marB="0" anchor="ctr">
+                    <a:lnL w="19050" cap="flat" cmpd="sng" algn="ctr">
+                      <a:solidFill>
+                        <a:srgbClr val="000000"/>
+                      </a:solidFill>
+                      <a:prstDash val="solid"/>
+                      <a:round/>
+                      <a:headEnd type="none" w="med" len="med"/>
+                      <a:tailEnd type="none" w="med" len="med"/>
+                    </a:lnL>
+                    <a:lnR w="19050" cap="flat" cmpd="sng" algn="ctr">
+                      <a:solidFill>
+                        <a:srgbClr val="000000"/>
+                      </a:solidFill>
+                      <a:prstDash val="solid"/>
+                      <a:round/>
+                      <a:headEnd type="none" w="med" len="med"/>
+                      <a:tailEnd type="none" w="med" len="med"/>
+                    </a:lnR>
+                    <a:lnT w="19050" cap="flat" cmpd="sng" algn="ctr">
+                      <a:solidFill>
+                        <a:srgbClr val="000000"/>
+                      </a:solidFill>
+                      <a:prstDash val="solid"/>
+                      <a:round/>
+                      <a:headEnd type="none" w="med" len="med"/>
+                      <a:tailEnd type="none" w="med" len="med"/>
+                    </a:lnT>
+                    <a:lnB w="19050" cap="flat" cmpd="sng" algn="ctr">
+                      <a:solidFill>
+                        <a:srgbClr val="000000"/>
+                      </a:solidFill>
+                      <a:prstDash val="solid"/>
+                      <a:round/>
+                      <a:headEnd type="none" w="med" len="med"/>
+                      <a:tailEnd type="none" w="med" len="med"/>
+                    </a:lnB>
+                  </a:tcPr>
+                </a:tc>
+                <a:tc hMerge="1">
+                  <a:txBody>
+                    <a:bodyPr/>
+                    <a:lstStyle/>
+                    <a:p>
+                      <a:endParaRPr lang="en-US"/>
+                    </a:p>
+                  </a:txBody>
+                  <a:tcPr/>
+                </a:tc>
+                <a:tc hMerge="1">
+                  <a:txBody>
+                    <a:bodyPr/>
+                    <a:lstStyle/>
+                    <a:p>
+                      <a:endParaRPr lang="en-US"/>
+                    </a:p>
+                  </a:txBody>
+                  <a:tcPr/>
+                </a:tc>
+                <a:tc hMerge="1">
+                  <a:txBody>
+                    <a:bodyPr/>
+                    <a:lstStyle/>
+                    <a:p>
+                      <a:endParaRPr lang="en-US"/>
+                    </a:p>
+                  </a:txBody>
+                  <a:tcPr/>
+                </a:tc>
+                <a:tc hMerge="1">
+                  <a:txBody>
+                    <a:bodyPr/>
+                    <a:lstStyle/>
+                    <a:p>
+                      <a:endParaRPr lang="en-US"/>
+                    </a:p>
+                  </a:txBody>
+                  <a:tcPr/>
+                </a:tc>
+                <a:tc hMerge="1">
+                  <a:txBody>
+                    <a:bodyPr/>
+                    <a:lstStyle/>
+                    <a:p>
+                      <a:endParaRPr lang="en-US"/>
+                    </a:p>
+                  </a:txBody>
+                  <a:tcPr/>
+                </a:tc>
+                <a:tc hMerge="1">
+                  <a:txBody>
+                    <a:bodyPr/>
+                    <a:lstStyle/>
+                    <a:p>
+                      <a:endParaRPr lang="en-US"/>
+                    </a:p>
+                  </a:txBody>
+                  <a:tcPr/>
+                </a:tc>
+              </a:tr>
+              <a:tr h="480763">
+                <a:tc rowSpan="5">
+                  <a:txBody>
+                    <a:bodyPr/>
+                    <a:lstStyle/>
+                    <a:p>
+                      <a:pPr algn="ctr" fontAlgn="ctr"/>
+                      <a:r>
+                        <a:rPr lang="en-US" sz="900" b="0" i="0" u="none" strike="noStrike">
+                          <a:solidFill>
+                            <a:srgbClr val="000000"/>
+                          </a:solidFill>
+                          <a:effectLst/>
+                          <a:latin typeface="Calibri"/>
+                        </a:rPr>
+                        <a:t>Probability of Risk Occurance </a:t>
+                      </a:r>
+                    </a:p>
+                  </a:txBody>
+                  <a:tcPr marL="10137" marR="10137" marT="10137" marB="0" anchor="ctr">
+                    <a:lnL w="19050" cap="flat" cmpd="sng" algn="ctr">
+                      <a:solidFill>
+                        <a:srgbClr val="000000"/>
+                      </a:solidFill>
+                      <a:prstDash val="solid"/>
+                      <a:round/>
+                      <a:headEnd type="none" w="med" len="med"/>
+                      <a:tailEnd type="none" w="med" len="med"/>
+                    </a:lnL>
+                    <a:lnR w="19050" cap="flat" cmpd="sng" algn="ctr">
+                      <a:solidFill>
+                        <a:srgbClr val="000000"/>
+                      </a:solidFill>
+                      <a:prstDash val="solid"/>
+                      <a:round/>
+                      <a:headEnd type="none" w="med" len="med"/>
+                      <a:tailEnd type="none" w="med" len="med"/>
+                    </a:lnR>
+                    <a:lnT w="19050" cap="flat" cmpd="sng" algn="ctr">
+                      <a:solidFill>
+                        <a:srgbClr val="000000"/>
+                      </a:solidFill>
+                      <a:prstDash val="solid"/>
+                      <a:round/>
+                      <a:headEnd type="none" w="med" len="med"/>
+                      <a:tailEnd type="none" w="med" len="med"/>
+                    </a:lnT>
+                    <a:lnB w="19050" cap="flat" cmpd="sng" algn="ctr">
+                      <a:solidFill>
+                        <a:srgbClr val="000000"/>
+                      </a:solidFill>
+                      <a:prstDash val="solid"/>
+                      <a:round/>
+                      <a:headEnd type="none" w="med" len="med"/>
+                      <a:tailEnd type="none" w="med" len="med"/>
+                    </a:lnB>
+                  </a:tcPr>
+                </a:tc>
+                <a:tc>
+                  <a:txBody>
+                    <a:bodyPr/>
+                    <a:lstStyle/>
+                    <a:p>
+                      <a:pPr algn="ctr" fontAlgn="ctr"/>
+                      <a:r>
+                        <a:rPr lang="en-US" sz="900" b="0" i="0" u="none" strike="noStrike">
+                          <a:solidFill>
+                            <a:srgbClr val="000000"/>
+                          </a:solidFill>
+                          <a:effectLst/>
+                          <a:latin typeface="Calibri"/>
+                        </a:rPr>
+                        <a:t>High</a:t>
+                      </a:r>
+                    </a:p>
+                  </a:txBody>
+                  <a:tcPr marL="10137" marR="10137" marT="10137" marB="0" anchor="ctr">
+                    <a:lnL w="19050" cap="flat" cmpd="sng" algn="ctr">
+                      <a:solidFill>
+                        <a:srgbClr val="000000"/>
+                      </a:solidFill>
+                      <a:prstDash val="solid"/>
+                      <a:round/>
+                      <a:headEnd type="none" w="med" len="med"/>
+                      <a:tailEnd type="none" w="med" len="med"/>
+                    </a:lnL>
+                    <a:lnR w="19050" cap="flat" cmpd="sng" algn="ctr">
+                      <a:solidFill>
+                        <a:srgbClr val="000000"/>
+                      </a:solidFill>
+                      <a:prstDash val="solid"/>
+                      <a:round/>
+                      <a:headEnd type="none" w="med" len="med"/>
+                      <a:tailEnd type="none" w="med" len="med"/>
+                    </a:lnR>
+                    <a:lnT w="19050" cap="flat" cmpd="sng" algn="ctr">
+                      <a:solidFill>
+                        <a:srgbClr val="000000"/>
+                      </a:solidFill>
+                      <a:prstDash val="solid"/>
+                      <a:round/>
+                      <a:headEnd type="none" w="med" len="med"/>
+                      <a:tailEnd type="none" w="med" len="med"/>
+                    </a:lnT>
+                    <a:lnB w="19050" cap="flat" cmpd="sng" algn="ctr">
+                      <a:solidFill>
+                        <a:srgbClr val="000000"/>
+                      </a:solidFill>
+                      <a:prstDash val="solid"/>
+                      <a:round/>
+                      <a:headEnd type="none" w="med" len="med"/>
+                      <a:tailEnd type="none" w="med" len="med"/>
+                    </a:lnB>
+                  </a:tcPr>
+                </a:tc>
+                <a:tc>
+                  <a:txBody>
+                    <a:bodyPr/>
+                    <a:lstStyle/>
+                    <a:p>
+                      <a:pPr algn="l" fontAlgn="t"/>
+                      <a:r>
+                        <a:rPr lang="en-US" sz="900" b="0" i="0" u="none" strike="noStrike">
+                          <a:solidFill>
+                            <a:srgbClr val="000000"/>
+                          </a:solidFill>
+                          <a:effectLst/>
+                          <a:latin typeface="Calibri"/>
+                        </a:rPr>
+                        <a:t> </a:t>
+                      </a:r>
+                    </a:p>
+                  </a:txBody>
+                  <a:tcPr marL="10137" marR="10137" marT="10137" marB="0">
+                    <a:lnL w="19050" cap="flat" cmpd="sng" algn="ctr">
+                      <a:solidFill>
+                        <a:srgbClr val="000000"/>
+                      </a:solidFill>
+                      <a:prstDash val="solid"/>
+                      <a:round/>
+                      <a:headEnd type="none" w="med" len="med"/>
+                      <a:tailEnd type="none" w="med" len="med"/>
+                    </a:lnL>
+                    <a:lnR w="19050" cap="flat" cmpd="sng" algn="ctr">
+                      <a:solidFill>
+                        <a:srgbClr val="000000"/>
+                      </a:solidFill>
+                      <a:prstDash val="solid"/>
+                      <a:round/>
+                      <a:headEnd type="none" w="med" len="med"/>
+                      <a:tailEnd type="none" w="med" len="med"/>
+                    </a:lnR>
+                    <a:lnT w="19050" cap="flat" cmpd="sng" algn="ctr">
+                      <a:solidFill>
+                        <a:srgbClr val="000000"/>
+                      </a:solidFill>
+                      <a:prstDash val="solid"/>
+                      <a:round/>
+                      <a:headEnd type="none" w="med" len="med"/>
+                      <a:tailEnd type="none" w="med" len="med"/>
+                    </a:lnT>
+                    <a:lnB w="19050" cap="flat" cmpd="sng" algn="ctr">
+                      <a:solidFill>
+                        <a:srgbClr val="000000"/>
+                      </a:solidFill>
+                      <a:prstDash val="solid"/>
+                      <a:round/>
+                      <a:headEnd type="none" w="med" len="med"/>
+                      <a:tailEnd type="none" w="med" len="med"/>
+                    </a:lnB>
+                    <a:solidFill>
+                      <a:srgbClr val="FFFF00"/>
+                    </a:solidFill>
+                  </a:tcPr>
+                </a:tc>
+                <a:tc>
+                  <a:txBody>
+                    <a:bodyPr/>
+                    <a:lstStyle/>
+                    <a:p>
+                      <a:pPr algn="l" fontAlgn="t"/>
+                      <a:r>
+                        <a:rPr lang="en-US" sz="900" b="0" i="0" u="none" strike="noStrike">
+                          <a:solidFill>
+                            <a:srgbClr val="000000"/>
+                          </a:solidFill>
+                          <a:effectLst/>
+                          <a:latin typeface="Calibri"/>
+                        </a:rPr>
+                        <a:t> </a:t>
+                      </a:r>
+                    </a:p>
+                  </a:txBody>
+                  <a:tcPr marL="10137" marR="10137" marT="10137" marB="0">
+                    <a:lnL w="19050" cap="flat" cmpd="sng" algn="ctr">
+                      <a:solidFill>
+                        <a:srgbClr val="000000"/>
+                      </a:solidFill>
+                      <a:prstDash val="solid"/>
+                      <a:round/>
+                      <a:headEnd type="none" w="med" len="med"/>
+                      <a:tailEnd type="none" w="med" len="med"/>
+                    </a:lnL>
+                    <a:lnR w="19050" cap="flat" cmpd="sng" algn="ctr">
+                      <a:solidFill>
+                        <a:srgbClr val="000000"/>
+                      </a:solidFill>
+                      <a:prstDash val="solid"/>
+                      <a:round/>
+                      <a:headEnd type="none" w="med" len="med"/>
+                      <a:tailEnd type="none" w="med" len="med"/>
+                    </a:lnR>
+                    <a:lnT w="19050" cap="flat" cmpd="sng" algn="ctr">
+                      <a:solidFill>
+                        <a:srgbClr val="000000"/>
+                      </a:solidFill>
+                      <a:prstDash val="solid"/>
+                      <a:round/>
+                      <a:headEnd type="none" w="med" len="med"/>
+                      <a:tailEnd type="none" w="med" len="med"/>
+                    </a:lnT>
+                    <a:lnB w="19050" cap="flat" cmpd="sng" algn="ctr">
+                      <a:solidFill>
+                        <a:srgbClr val="000000"/>
+                      </a:solidFill>
+                      <a:prstDash val="solid"/>
+                      <a:round/>
+                      <a:headEnd type="none" w="med" len="med"/>
+                      <a:tailEnd type="none" w="med" len="med"/>
+                    </a:lnB>
+                    <a:solidFill>
+                      <a:srgbClr val="FFFF00"/>
+                    </a:solidFill>
+                  </a:tcPr>
+                </a:tc>
+                <a:tc>
+                  <a:txBody>
+                    <a:bodyPr/>
+                    <a:lstStyle/>
+                    <a:p>
+                      <a:pPr algn="l" fontAlgn="t"/>
+                      <a:r>
+                        <a:rPr lang="en-US" sz="900" b="0" i="0" u="none" strike="noStrike">
+                          <a:solidFill>
+                            <a:srgbClr val="000000"/>
+                          </a:solidFill>
+                          <a:effectLst/>
+                          <a:latin typeface="Calibri"/>
+                        </a:rPr>
+                        <a:t>-Inaccurate Project Timeline</a:t>
+                      </a:r>
+                    </a:p>
+                  </a:txBody>
+                  <a:tcPr marL="10137" marR="10137" marT="10137" marB="0">
+                    <a:lnL w="19050" cap="flat" cmpd="sng" algn="ctr">
+                      <a:solidFill>
+                        <a:srgbClr val="000000"/>
+                      </a:solidFill>
+                      <a:prstDash val="solid"/>
+                      <a:round/>
+                      <a:headEnd type="none" w="med" len="med"/>
+                      <a:tailEnd type="none" w="med" len="med"/>
+                    </a:lnL>
+                    <a:lnR w="19050" cap="flat" cmpd="sng" algn="ctr">
+                      <a:solidFill>
+                        <a:srgbClr val="000000"/>
+                      </a:solidFill>
+                      <a:prstDash val="solid"/>
+                      <a:round/>
+                      <a:headEnd type="none" w="med" len="med"/>
+                      <a:tailEnd type="none" w="med" len="med"/>
+                    </a:lnR>
+                    <a:lnT w="19050" cap="flat" cmpd="sng" algn="ctr">
+                      <a:solidFill>
+                        <a:srgbClr val="000000"/>
+                      </a:solidFill>
+                      <a:prstDash val="solid"/>
+                      <a:round/>
+                      <a:headEnd type="none" w="med" len="med"/>
+                      <a:tailEnd type="none" w="med" len="med"/>
+                    </a:lnT>
+                    <a:lnB w="19050" cap="flat" cmpd="sng" algn="ctr">
+                      <a:solidFill>
+                        <a:srgbClr val="000000"/>
+                      </a:solidFill>
+                      <a:prstDash val="solid"/>
+                      <a:round/>
+                      <a:headEnd type="none" w="med" len="med"/>
+                      <a:tailEnd type="none" w="med" len="med"/>
+                    </a:lnB>
+                    <a:solidFill>
+                      <a:srgbClr val="FFC000"/>
+                    </a:solidFill>
+                  </a:tcPr>
+                </a:tc>
+                <a:tc>
+                  <a:txBody>
+                    <a:bodyPr/>
+                    <a:lstStyle/>
+                    <a:p>
+                      <a:pPr algn="l" fontAlgn="t"/>
+                      <a:r>
+                        <a:rPr lang="en-US" sz="900" b="0" i="0" u="none" strike="noStrike">
+                          <a:solidFill>
+                            <a:srgbClr val="000000"/>
+                          </a:solidFill>
+                          <a:effectLst/>
+                          <a:latin typeface="Calibri"/>
+                        </a:rPr>
+                        <a:t>-Incorrect Specification</a:t>
+                      </a:r>
+                    </a:p>
+                  </a:txBody>
+                  <a:tcPr marL="10137" marR="10137" marT="10137" marB="0">
+                    <a:lnL w="19050" cap="flat" cmpd="sng" algn="ctr">
+                      <a:solidFill>
+                        <a:srgbClr val="000000"/>
+                      </a:solidFill>
+                      <a:prstDash val="solid"/>
+                      <a:round/>
+                      <a:headEnd type="none" w="med" len="med"/>
+                      <a:tailEnd type="none" w="med" len="med"/>
+                    </a:lnL>
+                    <a:lnR w="19050" cap="flat" cmpd="sng" algn="ctr">
+                      <a:solidFill>
+                        <a:srgbClr val="000000"/>
+                      </a:solidFill>
+                      <a:prstDash val="solid"/>
+                      <a:round/>
+                      <a:headEnd type="none" w="med" len="med"/>
+                      <a:tailEnd type="none" w="med" len="med"/>
+                    </a:lnR>
+                    <a:lnT w="19050" cap="flat" cmpd="sng" algn="ctr">
+                      <a:solidFill>
+                        <a:srgbClr val="000000"/>
+                      </a:solidFill>
+                      <a:prstDash val="solid"/>
+                      <a:round/>
+                      <a:headEnd type="none" w="med" len="med"/>
+                      <a:tailEnd type="none" w="med" len="med"/>
+                    </a:lnT>
+                    <a:lnB w="19050" cap="flat" cmpd="sng" algn="ctr">
+                      <a:solidFill>
+                        <a:srgbClr val="000000"/>
+                      </a:solidFill>
+                      <a:prstDash val="solid"/>
+                      <a:round/>
+                      <a:headEnd type="none" w="med" len="med"/>
+                      <a:tailEnd type="none" w="med" len="med"/>
+                    </a:lnB>
+                    <a:solidFill>
+                      <a:srgbClr val="FF0000"/>
+                    </a:solidFill>
+                  </a:tcPr>
+                </a:tc>
+                <a:tc>
+                  <a:txBody>
+                    <a:bodyPr/>
+                    <a:lstStyle/>
+                    <a:p>
+                      <a:pPr algn="l" fontAlgn="t"/>
+                      <a:r>
+                        <a:rPr lang="en-US" sz="900" b="0" i="0" u="none" strike="noStrike">
+                          <a:solidFill>
+                            <a:srgbClr val="000000"/>
+                          </a:solidFill>
+                          <a:effectLst/>
+                          <a:latin typeface="Calibri"/>
+                        </a:rPr>
+                        <a:t>-Scheduling Conflicts</a:t>
+                      </a:r>
+                      <a:br>
+                        <a:rPr lang="en-US" sz="900" b="0" i="0" u="none" strike="noStrike">
+                          <a:solidFill>
+                            <a:srgbClr val="000000"/>
+                          </a:solidFill>
+                          <a:effectLst/>
+                          <a:latin typeface="Calibri"/>
+                        </a:rPr>
+                      </a:br>
+                      <a:endParaRPr lang="en-US" sz="900" b="0" i="0" u="none" strike="noStrike">
+                        <a:solidFill>
+                          <a:srgbClr val="000000"/>
+                        </a:solidFill>
+                        <a:effectLst/>
+                        <a:latin typeface="Calibri"/>
+                      </a:endParaRPr>
+                    </a:p>
+                  </a:txBody>
+                  <a:tcPr marL="10137" marR="10137" marT="10137" marB="0">
+                    <a:lnL w="19050" cap="flat" cmpd="sng" algn="ctr">
+                      <a:solidFill>
+                        <a:srgbClr val="000000"/>
+                      </a:solidFill>
+                      <a:prstDash val="solid"/>
+                      <a:round/>
+                      <a:headEnd type="none" w="med" len="med"/>
+                      <a:tailEnd type="none" w="med" len="med"/>
+                    </a:lnL>
+                    <a:lnR w="19050" cap="flat" cmpd="sng" algn="ctr">
+                      <a:solidFill>
+                        <a:srgbClr val="000000"/>
+                      </a:solidFill>
+                      <a:prstDash val="solid"/>
+                      <a:round/>
+                      <a:headEnd type="none" w="med" len="med"/>
+                      <a:tailEnd type="none" w="med" len="med"/>
+                    </a:lnR>
+                    <a:lnT w="19050" cap="flat" cmpd="sng" algn="ctr">
+                      <a:solidFill>
+                        <a:srgbClr val="000000"/>
+                      </a:solidFill>
+                      <a:prstDash val="solid"/>
+                      <a:round/>
+                      <a:headEnd type="none" w="med" len="med"/>
+                      <a:tailEnd type="none" w="med" len="med"/>
+                    </a:lnT>
+                    <a:lnB w="19050" cap="flat" cmpd="sng" algn="ctr">
+                      <a:solidFill>
+                        <a:srgbClr val="000000"/>
+                      </a:solidFill>
+                      <a:prstDash val="solid"/>
+                      <a:round/>
+                      <a:headEnd type="none" w="med" len="med"/>
+                      <a:tailEnd type="none" w="med" len="med"/>
+                    </a:lnB>
+                    <a:solidFill>
+                      <a:srgbClr val="FF0000"/>
+                    </a:solidFill>
+                  </a:tcPr>
+                </a:tc>
+              </a:tr>
+              <a:tr h="750167">
+                <a:tc vMerge="1">
+                  <a:txBody>
+                    <a:bodyPr/>
+                    <a:lstStyle/>
+                    <a:p>
+                      <a:endParaRPr lang="en-US"/>
+                    </a:p>
+                  </a:txBody>
+                  <a:tcPr/>
+                </a:tc>
+                <a:tc>
+                  <a:txBody>
+                    <a:bodyPr/>
+                    <a:lstStyle/>
+                    <a:p>
+                      <a:pPr algn="ctr" fontAlgn="ctr"/>
+                      <a:r>
+                        <a:rPr lang="en-US" sz="900" b="0" i="0" u="none" strike="noStrike">
+                          <a:solidFill>
+                            <a:srgbClr val="000000"/>
+                          </a:solidFill>
+                          <a:effectLst/>
+                          <a:latin typeface="Calibri"/>
+                        </a:rPr>
+                        <a:t>Medium-High</a:t>
+                      </a:r>
+                    </a:p>
+                  </a:txBody>
+                  <a:tcPr marL="10137" marR="10137" marT="10137" marB="0" anchor="ctr">
+                    <a:lnL w="19050" cap="flat" cmpd="sng" algn="ctr">
+                      <a:solidFill>
+                        <a:srgbClr val="000000"/>
+                      </a:solidFill>
+                      <a:prstDash val="solid"/>
+                      <a:round/>
+                      <a:headEnd type="none" w="med" len="med"/>
+                      <a:tailEnd type="none" w="med" len="med"/>
+                    </a:lnL>
+                    <a:lnR w="19050" cap="flat" cmpd="sng" algn="ctr">
+                      <a:solidFill>
+                        <a:srgbClr val="000000"/>
+                      </a:solidFill>
+                      <a:prstDash val="solid"/>
+                      <a:round/>
+                      <a:headEnd type="none" w="med" len="med"/>
+                      <a:tailEnd type="none" w="med" len="med"/>
+                    </a:lnR>
+                    <a:lnT w="19050" cap="flat" cmpd="sng" algn="ctr">
+                      <a:solidFill>
+                        <a:srgbClr val="000000"/>
+                      </a:solidFill>
+                      <a:prstDash val="solid"/>
+                      <a:round/>
+                      <a:headEnd type="none" w="med" len="med"/>
+                      <a:tailEnd type="none" w="med" len="med"/>
+                    </a:lnT>
+                    <a:lnB w="19050" cap="flat" cmpd="sng" algn="ctr">
+                      <a:solidFill>
+                        <a:srgbClr val="000000"/>
+                      </a:solidFill>
+                      <a:prstDash val="solid"/>
+                      <a:round/>
+                      <a:headEnd type="none" w="med" len="med"/>
+                      <a:tailEnd type="none" w="med" len="med"/>
+                    </a:lnB>
+                  </a:tcPr>
+                </a:tc>
+                <a:tc>
+                  <a:txBody>
+                    <a:bodyPr/>
+                    <a:lstStyle/>
+                    <a:p>
+                      <a:pPr algn="l" fontAlgn="t"/>
+                      <a:r>
+                        <a:rPr lang="en-US" sz="900" b="0" i="0" u="none" strike="noStrike">
+                          <a:solidFill>
+                            <a:srgbClr val="000000"/>
+                          </a:solidFill>
+                          <a:effectLst/>
+                          <a:latin typeface="Calibri"/>
+                        </a:rPr>
+                        <a:t>-Overlapping of Artifact creation/Duplication of work</a:t>
+                      </a:r>
+                    </a:p>
+                  </a:txBody>
+                  <a:tcPr marL="10137" marR="10137" marT="10137" marB="0">
+                    <a:lnL w="19050" cap="flat" cmpd="sng" algn="ctr">
+                      <a:solidFill>
+                        <a:srgbClr val="000000"/>
+                      </a:solidFill>
+                      <a:prstDash val="solid"/>
+                      <a:round/>
+                      <a:headEnd type="none" w="med" len="med"/>
+                      <a:tailEnd type="none" w="med" len="med"/>
+                    </a:lnL>
+                    <a:lnR w="19050" cap="flat" cmpd="sng" algn="ctr">
+                      <a:solidFill>
+                        <a:srgbClr val="000000"/>
+                      </a:solidFill>
+                      <a:prstDash val="solid"/>
+                      <a:round/>
+                      <a:headEnd type="none" w="med" len="med"/>
+                      <a:tailEnd type="none" w="med" len="med"/>
+                    </a:lnR>
+                    <a:lnT w="19050" cap="flat" cmpd="sng" algn="ctr">
+                      <a:solidFill>
+                        <a:srgbClr val="000000"/>
+                      </a:solidFill>
+                      <a:prstDash val="solid"/>
+                      <a:round/>
+                      <a:headEnd type="none" w="med" len="med"/>
+                      <a:tailEnd type="none" w="med" len="med"/>
+                    </a:lnT>
+                    <a:lnB w="19050" cap="flat" cmpd="sng" algn="ctr">
+                      <a:solidFill>
+                        <a:srgbClr val="000000"/>
+                      </a:solidFill>
+                      <a:prstDash val="solid"/>
+                      <a:round/>
+                      <a:headEnd type="none" w="med" len="med"/>
+                      <a:tailEnd type="none" w="med" len="med"/>
+                    </a:lnB>
+                    <a:solidFill>
+                      <a:srgbClr val="FFFF00"/>
+                    </a:solidFill>
+                  </a:tcPr>
+                </a:tc>
+                <a:tc>
+                  <a:txBody>
+                    <a:bodyPr/>
+                    <a:lstStyle/>
+                    <a:p>
+                      <a:pPr algn="l" fontAlgn="t"/>
+                      <a:r>
+                        <a:rPr lang="en-US" sz="900" b="0" i="0" u="none" strike="noStrike">
+                          <a:solidFill>
+                            <a:srgbClr val="000000"/>
+                          </a:solidFill>
+                          <a:effectLst/>
+                          <a:latin typeface="Calibri"/>
+                        </a:rPr>
+                        <a:t> </a:t>
+                      </a:r>
+                    </a:p>
+                  </a:txBody>
+                  <a:tcPr marL="10137" marR="10137" marT="10137" marB="0">
+                    <a:lnL w="19050" cap="flat" cmpd="sng" algn="ctr">
+                      <a:solidFill>
+                        <a:srgbClr val="000000"/>
+                      </a:solidFill>
+                      <a:prstDash val="solid"/>
+                      <a:round/>
+                      <a:headEnd type="none" w="med" len="med"/>
+                      <a:tailEnd type="none" w="med" len="med"/>
+                    </a:lnL>
+                    <a:lnR w="19050" cap="flat" cmpd="sng" algn="ctr">
+                      <a:solidFill>
+                        <a:srgbClr val="000000"/>
+                      </a:solidFill>
+                      <a:prstDash val="solid"/>
+                      <a:round/>
+                      <a:headEnd type="none" w="med" len="med"/>
+                      <a:tailEnd type="none" w="med" len="med"/>
+                    </a:lnR>
+                    <a:lnT w="19050" cap="flat" cmpd="sng" algn="ctr">
+                      <a:solidFill>
+                        <a:srgbClr val="000000"/>
+                      </a:solidFill>
+                      <a:prstDash val="solid"/>
+                      <a:round/>
+                      <a:headEnd type="none" w="med" len="med"/>
+                      <a:tailEnd type="none" w="med" len="med"/>
+                    </a:lnT>
+                    <a:lnB w="19050" cap="flat" cmpd="sng" algn="ctr">
+                      <a:solidFill>
+                        <a:srgbClr val="000000"/>
+                      </a:solidFill>
+                      <a:prstDash val="solid"/>
+                      <a:round/>
+                      <a:headEnd type="none" w="med" len="med"/>
+                      <a:tailEnd type="none" w="med" len="med"/>
+                    </a:lnB>
+                    <a:solidFill>
+                      <a:srgbClr val="FFFF00"/>
+                    </a:solidFill>
+                  </a:tcPr>
+                </a:tc>
+                <a:tc>
+                  <a:txBody>
+                    <a:bodyPr/>
+                    <a:lstStyle/>
+                    <a:p>
+                      <a:pPr algn="l" fontAlgn="t"/>
+                      <a:r>
+                        <a:rPr lang="en-US" sz="900" b="0" i="0" u="none" strike="noStrike">
+                          <a:solidFill>
+                            <a:srgbClr val="000000"/>
+                          </a:solidFill>
+                          <a:effectLst/>
+                          <a:latin typeface="Calibri"/>
+                        </a:rPr>
+                        <a:t>-Requirements Change</a:t>
+                      </a:r>
+                    </a:p>
+                  </a:txBody>
+                  <a:tcPr marL="10137" marR="10137" marT="10137" marB="0">
+                    <a:lnL w="19050" cap="flat" cmpd="sng" algn="ctr">
+                      <a:solidFill>
+                        <a:srgbClr val="000000"/>
+                      </a:solidFill>
+                      <a:prstDash val="solid"/>
+                      <a:round/>
+                      <a:headEnd type="none" w="med" len="med"/>
+                      <a:tailEnd type="none" w="med" len="med"/>
+                    </a:lnL>
+                    <a:lnR w="19050" cap="flat" cmpd="sng" algn="ctr">
+                      <a:solidFill>
+                        <a:srgbClr val="000000"/>
+                      </a:solidFill>
+                      <a:prstDash val="solid"/>
+                      <a:round/>
+                      <a:headEnd type="none" w="med" len="med"/>
+                      <a:tailEnd type="none" w="med" len="med"/>
+                    </a:lnR>
+                    <a:lnT w="19050" cap="flat" cmpd="sng" algn="ctr">
+                      <a:solidFill>
+                        <a:srgbClr val="000000"/>
+                      </a:solidFill>
+                      <a:prstDash val="solid"/>
+                      <a:round/>
+                      <a:headEnd type="none" w="med" len="med"/>
+                      <a:tailEnd type="none" w="med" len="med"/>
+                    </a:lnT>
+                    <a:lnB w="19050" cap="flat" cmpd="sng" algn="ctr">
+                      <a:solidFill>
+                        <a:srgbClr val="000000"/>
+                      </a:solidFill>
+                      <a:prstDash val="solid"/>
+                      <a:round/>
+                      <a:headEnd type="none" w="med" len="med"/>
+                      <a:tailEnd type="none" w="med" len="med"/>
+                    </a:lnB>
+                    <a:solidFill>
+                      <a:srgbClr val="FFFF00"/>
+                    </a:solidFill>
+                  </a:tcPr>
+                </a:tc>
+                <a:tc>
+                  <a:txBody>
+                    <a:bodyPr/>
+                    <a:lstStyle/>
+                    <a:p>
+                      <a:pPr algn="l" fontAlgn="t"/>
+                      <a:r>
+                        <a:rPr lang="en-US" sz="900" b="0" i="0" u="none" strike="noStrike">
+                          <a:solidFill>
+                            <a:srgbClr val="000000"/>
+                          </a:solidFill>
+                          <a:effectLst/>
+                          <a:latin typeface="Calibri"/>
+                        </a:rPr>
+                        <a:t>-Lack of GUI programming experience</a:t>
+                      </a:r>
+                    </a:p>
+                  </a:txBody>
+                  <a:tcPr marL="10137" marR="10137" marT="10137" marB="0">
+                    <a:lnL w="19050" cap="flat" cmpd="sng" algn="ctr">
+                      <a:solidFill>
+                        <a:srgbClr val="000000"/>
+                      </a:solidFill>
+                      <a:prstDash val="solid"/>
+                      <a:round/>
+                      <a:headEnd type="none" w="med" len="med"/>
+                      <a:tailEnd type="none" w="med" len="med"/>
+                    </a:lnL>
+                    <a:lnR w="19050" cap="flat" cmpd="sng" algn="ctr">
+                      <a:solidFill>
+                        <a:srgbClr val="000000"/>
+                      </a:solidFill>
+                      <a:prstDash val="solid"/>
+                      <a:round/>
+                      <a:headEnd type="none" w="med" len="med"/>
+                      <a:tailEnd type="none" w="med" len="med"/>
+                    </a:lnR>
+                    <a:lnT w="19050" cap="flat" cmpd="sng" algn="ctr">
+                      <a:solidFill>
+                        <a:srgbClr val="000000"/>
+                      </a:solidFill>
+                      <a:prstDash val="solid"/>
+                      <a:round/>
+                      <a:headEnd type="none" w="med" len="med"/>
+                      <a:tailEnd type="none" w="med" len="med"/>
+                    </a:lnT>
+                    <a:lnB w="19050" cap="flat" cmpd="sng" algn="ctr">
+                      <a:solidFill>
+                        <a:srgbClr val="000000"/>
+                      </a:solidFill>
+                      <a:prstDash val="solid"/>
+                      <a:round/>
+                      <a:headEnd type="none" w="med" len="med"/>
+                      <a:tailEnd type="none" w="med" len="med"/>
+                    </a:lnB>
+                    <a:solidFill>
+                      <a:srgbClr val="FFC000"/>
+                    </a:solidFill>
+                  </a:tcPr>
+                </a:tc>
+                <a:tc>
+                  <a:txBody>
+                    <a:bodyPr/>
+                    <a:lstStyle/>
+                    <a:p>
+                      <a:pPr algn="l" fontAlgn="t"/>
+                      <a:r>
+                        <a:rPr lang="en-US" sz="900" b="0" i="0" u="none" strike="noStrike">
+                          <a:solidFill>
+                            <a:srgbClr val="000000"/>
+                          </a:solidFill>
+                          <a:effectLst/>
+                          <a:latin typeface="Calibri"/>
+                        </a:rPr>
+                        <a:t> </a:t>
+                      </a:r>
+                    </a:p>
+                  </a:txBody>
+                  <a:tcPr marL="10137" marR="10137" marT="10137" marB="0">
+                    <a:lnL w="19050" cap="flat" cmpd="sng" algn="ctr">
+                      <a:solidFill>
+                        <a:srgbClr val="000000"/>
+                      </a:solidFill>
+                      <a:prstDash val="solid"/>
+                      <a:round/>
+                      <a:headEnd type="none" w="med" len="med"/>
+                      <a:tailEnd type="none" w="med" len="med"/>
+                    </a:lnL>
+                    <a:lnR w="19050" cap="flat" cmpd="sng" algn="ctr">
+                      <a:solidFill>
+                        <a:srgbClr val="000000"/>
+                      </a:solidFill>
+                      <a:prstDash val="solid"/>
+                      <a:round/>
+                      <a:headEnd type="none" w="med" len="med"/>
+                      <a:tailEnd type="none" w="med" len="med"/>
+                    </a:lnR>
+                    <a:lnT w="19050" cap="flat" cmpd="sng" algn="ctr">
+                      <a:solidFill>
+                        <a:srgbClr val="000000"/>
+                      </a:solidFill>
+                      <a:prstDash val="solid"/>
+                      <a:round/>
+                      <a:headEnd type="none" w="med" len="med"/>
+                      <a:tailEnd type="none" w="med" len="med"/>
+                    </a:lnT>
+                    <a:lnB w="19050" cap="flat" cmpd="sng" algn="ctr">
+                      <a:solidFill>
+                        <a:srgbClr val="000000"/>
+                      </a:solidFill>
+                      <a:prstDash val="solid"/>
+                      <a:round/>
+                      <a:headEnd type="none" w="med" len="med"/>
+                      <a:tailEnd type="none" w="med" len="med"/>
+                    </a:lnB>
+                    <a:solidFill>
+                      <a:srgbClr val="FF0000"/>
+                    </a:solidFill>
+                  </a:tcPr>
+                </a:tc>
+              </a:tr>
+              <a:tr h="721143">
+                <a:tc vMerge="1">
+                  <a:txBody>
+                    <a:bodyPr/>
+                    <a:lstStyle/>
+                    <a:p>
+                      <a:endParaRPr lang="en-US"/>
+                    </a:p>
+                  </a:txBody>
+                  <a:tcPr/>
+                </a:tc>
+                <a:tc>
+                  <a:txBody>
+                    <a:bodyPr/>
+                    <a:lstStyle/>
+                    <a:p>
+                      <a:pPr algn="ctr" fontAlgn="ctr"/>
+                      <a:r>
+                        <a:rPr lang="en-US" sz="900" b="0" i="0" u="none" strike="noStrike">
+                          <a:solidFill>
+                            <a:srgbClr val="000000"/>
+                          </a:solidFill>
+                          <a:effectLst/>
+                          <a:latin typeface="Calibri"/>
+                        </a:rPr>
+                        <a:t>Medium</a:t>
+                      </a:r>
+                    </a:p>
+                  </a:txBody>
+                  <a:tcPr marL="10137" marR="10137" marT="10137" marB="0" anchor="ctr">
+                    <a:lnL w="19050" cap="flat" cmpd="sng" algn="ctr">
+                      <a:solidFill>
+                        <a:srgbClr val="000000"/>
+                      </a:solidFill>
+                      <a:prstDash val="solid"/>
+                      <a:round/>
+                      <a:headEnd type="none" w="med" len="med"/>
+                      <a:tailEnd type="none" w="med" len="med"/>
+                    </a:lnL>
+                    <a:lnR w="19050" cap="flat" cmpd="sng" algn="ctr">
+                      <a:solidFill>
+                        <a:srgbClr val="000000"/>
+                      </a:solidFill>
+                      <a:prstDash val="solid"/>
+                      <a:round/>
+                      <a:headEnd type="none" w="med" len="med"/>
+                      <a:tailEnd type="none" w="med" len="med"/>
+                    </a:lnR>
+                    <a:lnT w="19050" cap="flat" cmpd="sng" algn="ctr">
+                      <a:solidFill>
+                        <a:srgbClr val="000000"/>
+                      </a:solidFill>
+                      <a:prstDash val="solid"/>
+                      <a:round/>
+                      <a:headEnd type="none" w="med" len="med"/>
+                      <a:tailEnd type="none" w="med" len="med"/>
+                    </a:lnT>
+                    <a:lnB w="19050" cap="flat" cmpd="sng" algn="ctr">
+                      <a:solidFill>
+                        <a:srgbClr val="000000"/>
+                      </a:solidFill>
+                      <a:prstDash val="solid"/>
+                      <a:round/>
+                      <a:headEnd type="none" w="med" len="med"/>
+                      <a:tailEnd type="none" w="med" len="med"/>
+                    </a:lnB>
+                  </a:tcPr>
+                </a:tc>
+                <a:tc>
+                  <a:txBody>
+                    <a:bodyPr/>
+                    <a:lstStyle/>
+                    <a:p>
+                      <a:pPr algn="l" fontAlgn="t"/>
+                      <a:r>
+                        <a:rPr lang="en-US" sz="900" b="0" i="0" u="none" strike="noStrike">
+                          <a:solidFill>
+                            <a:srgbClr val="000000"/>
+                          </a:solidFill>
+                          <a:effectLst/>
+                          <a:latin typeface="Calibri"/>
+                        </a:rPr>
+                        <a:t> </a:t>
+                      </a:r>
+                    </a:p>
+                  </a:txBody>
+                  <a:tcPr marL="10137" marR="10137" marT="10137" marB="0">
+                    <a:lnL w="19050" cap="flat" cmpd="sng" algn="ctr">
+                      <a:solidFill>
+                        <a:srgbClr val="000000"/>
+                      </a:solidFill>
+                      <a:prstDash val="solid"/>
+                      <a:round/>
+                      <a:headEnd type="none" w="med" len="med"/>
+                      <a:tailEnd type="none" w="med" len="med"/>
+                    </a:lnL>
+                    <a:lnR w="19050" cap="flat" cmpd="sng" algn="ctr">
+                      <a:solidFill>
+                        <a:srgbClr val="000000"/>
+                      </a:solidFill>
+                      <a:prstDash val="solid"/>
+                      <a:round/>
+                      <a:headEnd type="none" w="med" len="med"/>
+                      <a:tailEnd type="none" w="med" len="med"/>
+                    </a:lnR>
+                    <a:lnT w="19050" cap="flat" cmpd="sng" algn="ctr">
+                      <a:solidFill>
+                        <a:srgbClr val="000000"/>
+                      </a:solidFill>
+                      <a:prstDash val="solid"/>
+                      <a:round/>
+                      <a:headEnd type="none" w="med" len="med"/>
+                      <a:tailEnd type="none" w="med" len="med"/>
+                    </a:lnT>
+                    <a:lnB w="19050" cap="flat" cmpd="sng" algn="ctr">
+                      <a:solidFill>
+                        <a:srgbClr val="000000"/>
+                      </a:solidFill>
+                      <a:prstDash val="solid"/>
+                      <a:round/>
+                      <a:headEnd type="none" w="med" len="med"/>
+                      <a:tailEnd type="none" w="med" len="med"/>
+                    </a:lnB>
+                    <a:solidFill>
+                      <a:srgbClr val="00B050"/>
+                    </a:solidFill>
+                  </a:tcPr>
+                </a:tc>
+                <a:tc>
+                  <a:txBody>
+                    <a:bodyPr/>
+                    <a:lstStyle/>
+                    <a:p>
+                      <a:pPr algn="l" fontAlgn="t"/>
+                      <a:r>
+                        <a:rPr lang="en-US" sz="900" b="0" i="0" u="none" strike="noStrike">
+                          <a:solidFill>
+                            <a:srgbClr val="000000"/>
+                          </a:solidFill>
+                          <a:effectLst/>
+                          <a:latin typeface="Calibri"/>
+                        </a:rPr>
+                        <a:t> </a:t>
+                      </a:r>
+                    </a:p>
+                  </a:txBody>
+                  <a:tcPr marL="10137" marR="10137" marT="10137" marB="0">
+                    <a:lnL w="19050" cap="flat" cmpd="sng" algn="ctr">
+                      <a:solidFill>
+                        <a:srgbClr val="000000"/>
+                      </a:solidFill>
+                      <a:prstDash val="solid"/>
+                      <a:round/>
+                      <a:headEnd type="none" w="med" len="med"/>
+                      <a:tailEnd type="none" w="med" len="med"/>
+                    </a:lnL>
+                    <a:lnR w="19050" cap="flat" cmpd="sng" algn="ctr">
+                      <a:solidFill>
+                        <a:srgbClr val="000000"/>
+                      </a:solidFill>
+                      <a:prstDash val="solid"/>
+                      <a:round/>
+                      <a:headEnd type="none" w="med" len="med"/>
+                      <a:tailEnd type="none" w="med" len="med"/>
+                    </a:lnR>
+                    <a:lnT w="19050" cap="flat" cmpd="sng" algn="ctr">
+                      <a:solidFill>
+                        <a:srgbClr val="000000"/>
+                      </a:solidFill>
+                      <a:prstDash val="solid"/>
+                      <a:round/>
+                      <a:headEnd type="none" w="med" len="med"/>
+                      <a:tailEnd type="none" w="med" len="med"/>
+                    </a:lnT>
+                    <a:lnB w="19050" cap="flat" cmpd="sng" algn="ctr">
+                      <a:solidFill>
+                        <a:srgbClr val="000000"/>
+                      </a:solidFill>
+                      <a:prstDash val="solid"/>
+                      <a:round/>
+                      <a:headEnd type="none" w="med" len="med"/>
+                      <a:tailEnd type="none" w="med" len="med"/>
+                    </a:lnB>
+                    <a:solidFill>
+                      <a:srgbClr val="FFFF00"/>
+                    </a:solidFill>
+                  </a:tcPr>
+                </a:tc>
+                <a:tc>
+                  <a:txBody>
+                    <a:bodyPr/>
+                    <a:lstStyle/>
+                    <a:p>
+                      <a:pPr algn="l" fontAlgn="t"/>
+                      <a:r>
+                        <a:rPr lang="en-US" sz="900" b="0" i="0" u="none" strike="noStrike">
+                          <a:solidFill>
+                            <a:srgbClr val="000000"/>
+                          </a:solidFill>
+                          <a:effectLst/>
+                          <a:latin typeface="Calibri"/>
+                        </a:rPr>
+                        <a:t> </a:t>
+                      </a:r>
+                    </a:p>
+                  </a:txBody>
+                  <a:tcPr marL="10137" marR="10137" marT="10137" marB="0">
+                    <a:lnL w="19050" cap="flat" cmpd="sng" algn="ctr">
+                      <a:solidFill>
+                        <a:srgbClr val="000000"/>
+                      </a:solidFill>
+                      <a:prstDash val="solid"/>
+                      <a:round/>
+                      <a:headEnd type="none" w="med" len="med"/>
+                      <a:tailEnd type="none" w="med" len="med"/>
+                    </a:lnL>
+                    <a:lnR w="19050" cap="flat" cmpd="sng" algn="ctr">
+                      <a:solidFill>
+                        <a:srgbClr val="000000"/>
+                      </a:solidFill>
+                      <a:prstDash val="solid"/>
+                      <a:round/>
+                      <a:headEnd type="none" w="med" len="med"/>
+                      <a:tailEnd type="none" w="med" len="med"/>
+                    </a:lnR>
+                    <a:lnT w="19050" cap="flat" cmpd="sng" algn="ctr">
+                      <a:solidFill>
+                        <a:srgbClr val="000000"/>
+                      </a:solidFill>
+                      <a:prstDash val="solid"/>
+                      <a:round/>
+                      <a:headEnd type="none" w="med" len="med"/>
+                      <a:tailEnd type="none" w="med" len="med"/>
+                    </a:lnT>
+                    <a:lnB w="19050" cap="flat" cmpd="sng" algn="ctr">
+                      <a:solidFill>
+                        <a:srgbClr val="000000"/>
+                      </a:solidFill>
+                      <a:prstDash val="solid"/>
+                      <a:round/>
+                      <a:headEnd type="none" w="med" len="med"/>
+                      <a:tailEnd type="none" w="med" len="med"/>
+                    </a:lnB>
+                    <a:solidFill>
+                      <a:srgbClr val="FFFF00"/>
+                    </a:solidFill>
+                  </a:tcPr>
+                </a:tc>
+                <a:tc>
+                  <a:txBody>
+                    <a:bodyPr/>
+                    <a:lstStyle/>
+                    <a:p>
+                      <a:pPr algn="l" fontAlgn="t"/>
+                      <a:r>
+                        <a:rPr lang="en-US" sz="900" b="0" i="0" u="none" strike="noStrike">
+                          <a:solidFill>
+                            <a:srgbClr val="000000"/>
+                          </a:solidFill>
+                          <a:effectLst/>
+                          <a:latin typeface="Calibri"/>
+                        </a:rPr>
+                        <a:t> </a:t>
+                      </a:r>
+                    </a:p>
+                  </a:txBody>
+                  <a:tcPr marL="10137" marR="10137" marT="10137" marB="0">
+                    <a:lnL w="19050" cap="flat" cmpd="sng" algn="ctr">
+                      <a:solidFill>
+                        <a:srgbClr val="000000"/>
+                      </a:solidFill>
+                      <a:prstDash val="solid"/>
+                      <a:round/>
+                      <a:headEnd type="none" w="med" len="med"/>
+                      <a:tailEnd type="none" w="med" len="med"/>
+                    </a:lnL>
+                    <a:lnR w="19050" cap="flat" cmpd="sng" algn="ctr">
+                      <a:solidFill>
+                        <a:srgbClr val="000000"/>
+                      </a:solidFill>
+                      <a:prstDash val="solid"/>
+                      <a:round/>
+                      <a:headEnd type="none" w="med" len="med"/>
+                      <a:tailEnd type="none" w="med" len="med"/>
+                    </a:lnR>
+                    <a:lnT w="19050" cap="flat" cmpd="sng" algn="ctr">
+                      <a:solidFill>
+                        <a:srgbClr val="000000"/>
+                      </a:solidFill>
+                      <a:prstDash val="solid"/>
+                      <a:round/>
+                      <a:headEnd type="none" w="med" len="med"/>
+                      <a:tailEnd type="none" w="med" len="med"/>
+                    </a:lnT>
+                    <a:lnB w="19050" cap="flat" cmpd="sng" algn="ctr">
+                      <a:solidFill>
+                        <a:srgbClr val="000000"/>
+                      </a:solidFill>
+                      <a:prstDash val="solid"/>
+                      <a:round/>
+                      <a:headEnd type="none" w="med" len="med"/>
+                      <a:tailEnd type="none" w="med" len="med"/>
+                    </a:lnB>
+                    <a:solidFill>
+                      <a:srgbClr val="FFFF00"/>
+                    </a:solidFill>
+                  </a:tcPr>
+                </a:tc>
+                <a:tc>
+                  <a:txBody>
+                    <a:bodyPr/>
+                    <a:lstStyle/>
+                    <a:p>
+                      <a:pPr algn="l" fontAlgn="t"/>
+                      <a:r>
+                        <a:rPr lang="en-US" sz="900" b="0" i="0" u="none" strike="noStrike">
+                          <a:solidFill>
+                            <a:srgbClr val="000000"/>
+                          </a:solidFill>
+                          <a:effectLst/>
+                          <a:latin typeface="Calibri"/>
+                        </a:rPr>
+                        <a:t>-Lack of direction from customer</a:t>
+                      </a:r>
+                    </a:p>
+                  </a:txBody>
+                  <a:tcPr marL="10137" marR="10137" marT="10137" marB="0">
+                    <a:lnL w="19050" cap="flat" cmpd="sng" algn="ctr">
+                      <a:solidFill>
+                        <a:srgbClr val="000000"/>
+                      </a:solidFill>
+                      <a:prstDash val="solid"/>
+                      <a:round/>
+                      <a:headEnd type="none" w="med" len="med"/>
+                      <a:tailEnd type="none" w="med" len="med"/>
+                    </a:lnL>
+                    <a:lnR w="19050" cap="flat" cmpd="sng" algn="ctr">
+                      <a:solidFill>
+                        <a:srgbClr val="000000"/>
+                      </a:solidFill>
+                      <a:prstDash val="solid"/>
+                      <a:round/>
+                      <a:headEnd type="none" w="med" len="med"/>
+                      <a:tailEnd type="none" w="med" len="med"/>
+                    </a:lnR>
+                    <a:lnT w="19050" cap="flat" cmpd="sng" algn="ctr">
+                      <a:solidFill>
+                        <a:srgbClr val="000000"/>
+                      </a:solidFill>
+                      <a:prstDash val="solid"/>
+                      <a:round/>
+                      <a:headEnd type="none" w="med" len="med"/>
+                      <a:tailEnd type="none" w="med" len="med"/>
+                    </a:lnT>
+                    <a:lnB w="19050" cap="flat" cmpd="sng" algn="ctr">
+                      <a:solidFill>
+                        <a:srgbClr val="000000"/>
+                      </a:solidFill>
+                      <a:prstDash val="solid"/>
+                      <a:round/>
+                      <a:headEnd type="none" w="med" len="med"/>
+                      <a:tailEnd type="none" w="med" len="med"/>
+                    </a:lnB>
+                    <a:solidFill>
+                      <a:srgbClr val="FFC000"/>
+                    </a:solidFill>
+                  </a:tcPr>
+                </a:tc>
+              </a:tr>
+              <a:tr h="721143">
+                <a:tc vMerge="1">
+                  <a:txBody>
+                    <a:bodyPr/>
+                    <a:lstStyle/>
+                    <a:p>
+                      <a:endParaRPr lang="en-US"/>
+                    </a:p>
+                  </a:txBody>
+                  <a:tcPr/>
+                </a:tc>
+                <a:tc>
+                  <a:txBody>
+                    <a:bodyPr/>
+                    <a:lstStyle/>
+                    <a:p>
+                      <a:pPr algn="ctr" fontAlgn="ctr"/>
+                      <a:r>
+                        <a:rPr lang="en-US" sz="900" b="0" i="0" u="none" strike="noStrike">
+                          <a:solidFill>
+                            <a:srgbClr val="000000"/>
+                          </a:solidFill>
+                          <a:effectLst/>
+                          <a:latin typeface="Calibri"/>
+                        </a:rPr>
+                        <a:t>Low-Medium</a:t>
+                      </a:r>
+                    </a:p>
+                  </a:txBody>
+                  <a:tcPr marL="10137" marR="10137" marT="10137" marB="0" anchor="ctr">
+                    <a:lnL w="19050" cap="flat" cmpd="sng" algn="ctr">
+                      <a:solidFill>
+                        <a:srgbClr val="000000"/>
+                      </a:solidFill>
+                      <a:prstDash val="solid"/>
+                      <a:round/>
+                      <a:headEnd type="none" w="med" len="med"/>
+                      <a:tailEnd type="none" w="med" len="med"/>
+                    </a:lnL>
+                    <a:lnR w="19050" cap="flat" cmpd="sng" algn="ctr">
+                      <a:solidFill>
+                        <a:srgbClr val="000000"/>
+                      </a:solidFill>
+                      <a:prstDash val="solid"/>
+                      <a:round/>
+                      <a:headEnd type="none" w="med" len="med"/>
+                      <a:tailEnd type="none" w="med" len="med"/>
+                    </a:lnR>
+                    <a:lnT w="19050" cap="flat" cmpd="sng" algn="ctr">
+                      <a:solidFill>
+                        <a:srgbClr val="000000"/>
+                      </a:solidFill>
+                      <a:prstDash val="solid"/>
+                      <a:round/>
+                      <a:headEnd type="none" w="med" len="med"/>
+                      <a:tailEnd type="none" w="med" len="med"/>
+                    </a:lnT>
+                    <a:lnB w="19050" cap="flat" cmpd="sng" algn="ctr">
+                      <a:solidFill>
+                        <a:srgbClr val="000000"/>
+                      </a:solidFill>
+                      <a:prstDash val="solid"/>
+                      <a:round/>
+                      <a:headEnd type="none" w="med" len="med"/>
+                      <a:tailEnd type="none" w="med" len="med"/>
+                    </a:lnB>
+                  </a:tcPr>
+                </a:tc>
+                <a:tc>
+                  <a:txBody>
+                    <a:bodyPr/>
+                    <a:lstStyle/>
+                    <a:p>
+                      <a:pPr algn="l" fontAlgn="t"/>
+                      <a:r>
+                        <a:rPr lang="en-US" sz="900" b="0" i="0" u="none" strike="noStrike">
+                          <a:solidFill>
+                            <a:srgbClr val="000000"/>
+                          </a:solidFill>
+                          <a:effectLst/>
+                          <a:latin typeface="Calibri"/>
+                        </a:rPr>
+                        <a:t> </a:t>
+                      </a:r>
+                    </a:p>
+                  </a:txBody>
+                  <a:tcPr marL="10137" marR="10137" marT="10137" marB="0">
+                    <a:lnL w="19050" cap="flat" cmpd="sng" algn="ctr">
+                      <a:solidFill>
+                        <a:srgbClr val="000000"/>
+                      </a:solidFill>
+                      <a:prstDash val="solid"/>
+                      <a:round/>
+                      <a:headEnd type="none" w="med" len="med"/>
+                      <a:tailEnd type="none" w="med" len="med"/>
+                    </a:lnL>
+                    <a:lnR w="19050" cap="flat" cmpd="sng" algn="ctr">
+                      <a:solidFill>
+                        <a:srgbClr val="000000"/>
+                      </a:solidFill>
+                      <a:prstDash val="solid"/>
+                      <a:round/>
+                      <a:headEnd type="none" w="med" len="med"/>
+                      <a:tailEnd type="none" w="med" len="med"/>
+                    </a:lnR>
+                    <a:lnT w="19050" cap="flat" cmpd="sng" algn="ctr">
+                      <a:solidFill>
+                        <a:srgbClr val="000000"/>
+                      </a:solidFill>
+                      <a:prstDash val="solid"/>
+                      <a:round/>
+                      <a:headEnd type="none" w="med" len="med"/>
+                      <a:tailEnd type="none" w="med" len="med"/>
+                    </a:lnT>
+                    <a:lnB w="19050" cap="flat" cmpd="sng" algn="ctr">
+                      <a:solidFill>
+                        <a:srgbClr val="000000"/>
+                      </a:solidFill>
+                      <a:prstDash val="solid"/>
+                      <a:round/>
+                      <a:headEnd type="none" w="med" len="med"/>
+                      <a:tailEnd type="none" w="med" len="med"/>
+                    </a:lnB>
+                    <a:solidFill>
+                      <a:srgbClr val="0070C0"/>
+                    </a:solidFill>
+                  </a:tcPr>
+                </a:tc>
+                <a:tc>
+                  <a:txBody>
+                    <a:bodyPr/>
+                    <a:lstStyle/>
+                    <a:p>
+                      <a:pPr algn="l" fontAlgn="t"/>
+                      <a:r>
+                        <a:rPr lang="en-US" sz="900" b="0" i="0" u="none" strike="noStrike">
+                          <a:solidFill>
+                            <a:srgbClr val="000000"/>
+                          </a:solidFill>
+                          <a:effectLst/>
+                          <a:latin typeface="Calibri"/>
+                        </a:rPr>
+                        <a:t> </a:t>
+                      </a:r>
+                    </a:p>
+                  </a:txBody>
+                  <a:tcPr marL="10137" marR="10137" marT="10137" marB="0">
+                    <a:lnL w="19050" cap="flat" cmpd="sng" algn="ctr">
+                      <a:solidFill>
+                        <a:srgbClr val="000000"/>
+                      </a:solidFill>
+                      <a:prstDash val="solid"/>
+                      <a:round/>
+                      <a:headEnd type="none" w="med" len="med"/>
+                      <a:tailEnd type="none" w="med" len="med"/>
+                    </a:lnL>
+                    <a:lnR w="19050" cap="flat" cmpd="sng" algn="ctr">
+                      <a:solidFill>
+                        <a:srgbClr val="000000"/>
+                      </a:solidFill>
+                      <a:prstDash val="solid"/>
+                      <a:round/>
+                      <a:headEnd type="none" w="med" len="med"/>
+                      <a:tailEnd type="none" w="med" len="med"/>
+                    </a:lnR>
+                    <a:lnT w="19050" cap="flat" cmpd="sng" algn="ctr">
+                      <a:solidFill>
+                        <a:srgbClr val="000000"/>
+                      </a:solidFill>
+                      <a:prstDash val="solid"/>
+                      <a:round/>
+                      <a:headEnd type="none" w="med" len="med"/>
+                      <a:tailEnd type="none" w="med" len="med"/>
+                    </a:lnT>
+                    <a:lnB w="19050" cap="flat" cmpd="sng" algn="ctr">
+                      <a:solidFill>
+                        <a:srgbClr val="000000"/>
+                      </a:solidFill>
+                      <a:prstDash val="solid"/>
+                      <a:round/>
+                      <a:headEnd type="none" w="med" len="med"/>
+                      <a:tailEnd type="none" w="med" len="med"/>
+                    </a:lnB>
+                    <a:solidFill>
+                      <a:srgbClr val="00B050"/>
+                    </a:solidFill>
+                  </a:tcPr>
+                </a:tc>
+                <a:tc>
+                  <a:txBody>
+                    <a:bodyPr/>
+                    <a:lstStyle/>
+                    <a:p>
+                      <a:pPr algn="l" fontAlgn="t"/>
+                      <a:r>
+                        <a:rPr lang="en-US" sz="900" b="0" i="0" u="none" strike="noStrike">
+                          <a:solidFill>
+                            <a:srgbClr val="000000"/>
+                          </a:solidFill>
+                          <a:effectLst/>
+                          <a:latin typeface="Calibri"/>
+                        </a:rPr>
+                        <a:t> </a:t>
+                      </a:r>
+                    </a:p>
+                  </a:txBody>
+                  <a:tcPr marL="10137" marR="10137" marT="10137" marB="0">
+                    <a:lnL w="19050" cap="flat" cmpd="sng" algn="ctr">
+                      <a:solidFill>
+                        <a:srgbClr val="000000"/>
+                      </a:solidFill>
+                      <a:prstDash val="solid"/>
+                      <a:round/>
+                      <a:headEnd type="none" w="med" len="med"/>
+                      <a:tailEnd type="none" w="med" len="med"/>
+                    </a:lnL>
+                    <a:lnR w="19050" cap="flat" cmpd="sng" algn="ctr">
+                      <a:solidFill>
+                        <a:srgbClr val="000000"/>
+                      </a:solidFill>
+                      <a:prstDash val="solid"/>
+                      <a:round/>
+                      <a:headEnd type="none" w="med" len="med"/>
+                      <a:tailEnd type="none" w="med" len="med"/>
+                    </a:lnR>
+                    <a:lnT w="19050" cap="flat" cmpd="sng" algn="ctr">
+                      <a:solidFill>
+                        <a:srgbClr val="000000"/>
+                      </a:solidFill>
+                      <a:prstDash val="solid"/>
+                      <a:round/>
+                      <a:headEnd type="none" w="med" len="med"/>
+                      <a:tailEnd type="none" w="med" len="med"/>
+                    </a:lnT>
+                    <a:lnB w="19050" cap="flat" cmpd="sng" algn="ctr">
+                      <a:solidFill>
+                        <a:srgbClr val="000000"/>
+                      </a:solidFill>
+                      <a:prstDash val="solid"/>
+                      <a:round/>
+                      <a:headEnd type="none" w="med" len="med"/>
+                      <a:tailEnd type="none" w="med" len="med"/>
+                    </a:lnB>
+                    <a:solidFill>
+                      <a:srgbClr val="FFFF00"/>
+                    </a:solidFill>
+                  </a:tcPr>
+                </a:tc>
+                <a:tc>
+                  <a:txBody>
+                    <a:bodyPr/>
+                    <a:lstStyle/>
+                    <a:p>
+                      <a:pPr algn="l" fontAlgn="t"/>
+                      <a:r>
+                        <a:rPr lang="en-US" sz="900" b="0" i="0" u="none" strike="noStrike">
+                          <a:solidFill>
+                            <a:srgbClr val="000000"/>
+                          </a:solidFill>
+                          <a:effectLst/>
+                          <a:latin typeface="Calibri"/>
+                        </a:rPr>
+                        <a:t> </a:t>
+                      </a:r>
+                    </a:p>
+                  </a:txBody>
+                  <a:tcPr marL="10137" marR="10137" marT="10137" marB="0">
+                    <a:lnL w="19050" cap="flat" cmpd="sng" algn="ctr">
+                      <a:solidFill>
+                        <a:srgbClr val="000000"/>
+                      </a:solidFill>
+                      <a:prstDash val="solid"/>
+                      <a:round/>
+                      <a:headEnd type="none" w="med" len="med"/>
+                      <a:tailEnd type="none" w="med" len="med"/>
+                    </a:lnL>
+                    <a:lnR w="19050" cap="flat" cmpd="sng" algn="ctr">
+                      <a:solidFill>
+                        <a:srgbClr val="000000"/>
+                      </a:solidFill>
+                      <a:prstDash val="solid"/>
+                      <a:round/>
+                      <a:headEnd type="none" w="med" len="med"/>
+                      <a:tailEnd type="none" w="med" len="med"/>
+                    </a:lnR>
+                    <a:lnT w="19050" cap="flat" cmpd="sng" algn="ctr">
+                      <a:solidFill>
+                        <a:srgbClr val="000000"/>
+                      </a:solidFill>
+                      <a:prstDash val="solid"/>
+                      <a:round/>
+                      <a:headEnd type="none" w="med" len="med"/>
+                      <a:tailEnd type="none" w="med" len="med"/>
+                    </a:lnT>
+                    <a:lnB w="19050" cap="flat" cmpd="sng" algn="ctr">
+                      <a:solidFill>
+                        <a:srgbClr val="000000"/>
+                      </a:solidFill>
+                      <a:prstDash val="solid"/>
+                      <a:round/>
+                      <a:headEnd type="none" w="med" len="med"/>
+                      <a:tailEnd type="none" w="med" len="med"/>
+                    </a:lnB>
+                    <a:solidFill>
+                      <a:srgbClr val="FFFF00"/>
+                    </a:solidFill>
+                  </a:tcPr>
+                </a:tc>
+                <a:tc>
+                  <a:txBody>
+                    <a:bodyPr/>
+                    <a:lstStyle/>
+                    <a:p>
+                      <a:pPr algn="l" fontAlgn="t"/>
+                      <a:r>
+                        <a:rPr lang="en-US" sz="900" b="0" i="0" u="none" strike="noStrike">
+                          <a:solidFill>
+                            <a:srgbClr val="000000"/>
+                          </a:solidFill>
+                          <a:effectLst/>
+                          <a:latin typeface="Calibri"/>
+                        </a:rPr>
+                        <a:t> </a:t>
+                      </a:r>
+                    </a:p>
+                  </a:txBody>
+                  <a:tcPr marL="10137" marR="10137" marT="10137" marB="0">
+                    <a:lnL w="19050" cap="flat" cmpd="sng" algn="ctr">
+                      <a:solidFill>
+                        <a:srgbClr val="000000"/>
+                      </a:solidFill>
+                      <a:prstDash val="solid"/>
+                      <a:round/>
+                      <a:headEnd type="none" w="med" len="med"/>
+                      <a:tailEnd type="none" w="med" len="med"/>
+                    </a:lnL>
+                    <a:lnR w="19050" cap="flat" cmpd="sng" algn="ctr">
+                      <a:solidFill>
+                        <a:srgbClr val="000000"/>
+                      </a:solidFill>
+                      <a:prstDash val="solid"/>
+                      <a:round/>
+                      <a:headEnd type="none" w="med" len="med"/>
+                      <a:tailEnd type="none" w="med" len="med"/>
+                    </a:lnR>
+                    <a:lnT w="19050" cap="flat" cmpd="sng" algn="ctr">
+                      <a:solidFill>
+                        <a:srgbClr val="000000"/>
+                      </a:solidFill>
+                      <a:prstDash val="solid"/>
+                      <a:round/>
+                      <a:headEnd type="none" w="med" len="med"/>
+                      <a:tailEnd type="none" w="med" len="med"/>
+                    </a:lnT>
+                    <a:lnB w="19050" cap="flat" cmpd="sng" algn="ctr">
+                      <a:solidFill>
+                        <a:srgbClr val="000000"/>
+                      </a:solidFill>
+                      <a:prstDash val="solid"/>
+                      <a:round/>
+                      <a:headEnd type="none" w="med" len="med"/>
+                      <a:tailEnd type="none" w="med" len="med"/>
+                    </a:lnB>
+                    <a:solidFill>
+                      <a:srgbClr val="FFFF00"/>
+                    </a:solidFill>
+                  </a:tcPr>
+                </a:tc>
+              </a:tr>
+              <a:tr h="480763">
+                <a:tc vMerge="1">
+                  <a:txBody>
+                    <a:bodyPr/>
+                    <a:lstStyle/>
+                    <a:p>
+                      <a:endParaRPr lang="en-US"/>
+                    </a:p>
+                  </a:txBody>
+                  <a:tcPr/>
+                </a:tc>
+                <a:tc>
+                  <a:txBody>
+                    <a:bodyPr/>
+                    <a:lstStyle/>
+                    <a:p>
+                      <a:pPr algn="ctr" fontAlgn="ctr"/>
+                      <a:r>
+                        <a:rPr lang="en-US" sz="900" b="0" i="0" u="none" strike="noStrike">
+                          <a:solidFill>
+                            <a:srgbClr val="000000"/>
+                          </a:solidFill>
+                          <a:effectLst/>
+                          <a:latin typeface="Calibri"/>
+                        </a:rPr>
+                        <a:t>Low</a:t>
+                      </a:r>
+                    </a:p>
+                  </a:txBody>
+                  <a:tcPr marL="10137" marR="10137" marT="10137" marB="0" anchor="ctr">
+                    <a:lnL w="19050" cap="flat" cmpd="sng" algn="ctr">
+                      <a:solidFill>
+                        <a:srgbClr val="000000"/>
+                      </a:solidFill>
+                      <a:prstDash val="solid"/>
+                      <a:round/>
+                      <a:headEnd type="none" w="med" len="med"/>
+                      <a:tailEnd type="none" w="med" len="med"/>
+                    </a:lnL>
+                    <a:lnR w="19050" cap="flat" cmpd="sng" algn="ctr">
+                      <a:solidFill>
+                        <a:srgbClr val="000000"/>
+                      </a:solidFill>
+                      <a:prstDash val="solid"/>
+                      <a:round/>
+                      <a:headEnd type="none" w="med" len="med"/>
+                      <a:tailEnd type="none" w="med" len="med"/>
+                    </a:lnR>
+                    <a:lnT w="19050" cap="flat" cmpd="sng" algn="ctr">
+                      <a:solidFill>
+                        <a:srgbClr val="000000"/>
+                      </a:solidFill>
+                      <a:prstDash val="solid"/>
+                      <a:round/>
+                      <a:headEnd type="none" w="med" len="med"/>
+                      <a:tailEnd type="none" w="med" len="med"/>
+                    </a:lnT>
+                    <a:lnB w="19050" cap="flat" cmpd="sng" algn="ctr">
+                      <a:solidFill>
+                        <a:srgbClr val="000000"/>
+                      </a:solidFill>
+                      <a:prstDash val="solid"/>
+                      <a:round/>
+                      <a:headEnd type="none" w="med" len="med"/>
+                      <a:tailEnd type="none" w="med" len="med"/>
+                    </a:lnB>
+                  </a:tcPr>
+                </a:tc>
+                <a:tc>
+                  <a:txBody>
+                    <a:bodyPr/>
+                    <a:lstStyle/>
+                    <a:p>
+                      <a:pPr algn="l" fontAlgn="t"/>
+                      <a:r>
+                        <a:rPr lang="en-US" sz="900" b="0" i="0" u="none" strike="noStrike">
+                          <a:solidFill>
+                            <a:srgbClr val="000000"/>
+                          </a:solidFill>
+                          <a:effectLst/>
+                          <a:latin typeface="Calibri"/>
+                        </a:rPr>
+                        <a:t>-Tool availability</a:t>
+                      </a:r>
+                    </a:p>
+                  </a:txBody>
+                  <a:tcPr marL="10137" marR="10137" marT="10137" marB="0">
+                    <a:lnL w="19050" cap="flat" cmpd="sng" algn="ctr">
+                      <a:solidFill>
+                        <a:srgbClr val="000000"/>
+                      </a:solidFill>
+                      <a:prstDash val="solid"/>
+                      <a:round/>
+                      <a:headEnd type="none" w="med" len="med"/>
+                      <a:tailEnd type="none" w="med" len="med"/>
+                    </a:lnL>
+                    <a:lnR w="19050" cap="flat" cmpd="sng" algn="ctr">
+                      <a:solidFill>
+                        <a:srgbClr val="000000"/>
+                      </a:solidFill>
+                      <a:prstDash val="solid"/>
+                      <a:round/>
+                      <a:headEnd type="none" w="med" len="med"/>
+                      <a:tailEnd type="none" w="med" len="med"/>
+                    </a:lnR>
+                    <a:lnT w="19050" cap="flat" cmpd="sng" algn="ctr">
+                      <a:solidFill>
+                        <a:srgbClr val="000000"/>
+                      </a:solidFill>
+                      <a:prstDash val="solid"/>
+                      <a:round/>
+                      <a:headEnd type="none" w="med" len="med"/>
+                      <a:tailEnd type="none" w="med" len="med"/>
+                    </a:lnT>
+                    <a:lnB w="19050" cap="flat" cmpd="sng" algn="ctr">
+                      <a:solidFill>
+                        <a:srgbClr val="000000"/>
+                      </a:solidFill>
+                      <a:prstDash val="solid"/>
+                      <a:round/>
+                      <a:headEnd type="none" w="med" len="med"/>
+                      <a:tailEnd type="none" w="med" len="med"/>
+                    </a:lnB>
+                    <a:solidFill>
+                      <a:srgbClr val="0070C0"/>
+                    </a:solidFill>
+                  </a:tcPr>
+                </a:tc>
+                <a:tc>
+                  <a:txBody>
+                    <a:bodyPr/>
+                    <a:lstStyle/>
+                    <a:p>
+                      <a:pPr algn="l" fontAlgn="t"/>
+                      <a:r>
+                        <a:rPr lang="en-US" sz="900" b="0" i="0" u="none" strike="noStrike">
+                          <a:solidFill>
+                            <a:srgbClr val="000000"/>
+                          </a:solidFill>
+                          <a:effectLst/>
+                          <a:latin typeface="Calibri"/>
+                        </a:rPr>
+                        <a:t> </a:t>
+                      </a:r>
+                    </a:p>
+                  </a:txBody>
+                  <a:tcPr marL="10137" marR="10137" marT="10137" marB="0">
+                    <a:lnL w="19050" cap="flat" cmpd="sng" algn="ctr">
+                      <a:solidFill>
+                        <a:srgbClr val="000000"/>
+                      </a:solidFill>
+                      <a:prstDash val="solid"/>
+                      <a:round/>
+                      <a:headEnd type="none" w="med" len="med"/>
+                      <a:tailEnd type="none" w="med" len="med"/>
+                    </a:lnL>
+                    <a:lnR w="19050" cap="flat" cmpd="sng" algn="ctr">
+                      <a:solidFill>
+                        <a:srgbClr val="000000"/>
+                      </a:solidFill>
+                      <a:prstDash val="solid"/>
+                      <a:round/>
+                      <a:headEnd type="none" w="med" len="med"/>
+                      <a:tailEnd type="none" w="med" len="med"/>
+                    </a:lnR>
+                    <a:lnT w="19050" cap="flat" cmpd="sng" algn="ctr">
+                      <a:solidFill>
+                        <a:srgbClr val="000000"/>
+                      </a:solidFill>
+                      <a:prstDash val="solid"/>
+                      <a:round/>
+                      <a:headEnd type="none" w="med" len="med"/>
+                      <a:tailEnd type="none" w="med" len="med"/>
+                    </a:lnT>
+                    <a:lnB w="19050" cap="flat" cmpd="sng" algn="ctr">
+                      <a:solidFill>
+                        <a:srgbClr val="000000"/>
+                      </a:solidFill>
+                      <a:prstDash val="solid"/>
+                      <a:round/>
+                      <a:headEnd type="none" w="med" len="med"/>
+                      <a:tailEnd type="none" w="med" len="med"/>
+                    </a:lnB>
+                    <a:solidFill>
+                      <a:srgbClr val="0070C0"/>
+                    </a:solidFill>
+                  </a:tcPr>
+                </a:tc>
+                <a:tc>
+                  <a:txBody>
+                    <a:bodyPr/>
+                    <a:lstStyle/>
+                    <a:p>
+                      <a:pPr algn="l" fontAlgn="t"/>
+                      <a:r>
+                        <a:rPr lang="en-US" sz="900" b="0" i="0" u="none" strike="noStrike">
+                          <a:solidFill>
+                            <a:srgbClr val="000000"/>
+                          </a:solidFill>
+                          <a:effectLst/>
+                          <a:latin typeface="Calibri"/>
+                        </a:rPr>
+                        <a:t> </a:t>
+                      </a:r>
+                    </a:p>
+                  </a:txBody>
+                  <a:tcPr marL="10137" marR="10137" marT="10137" marB="0">
+                    <a:lnL w="19050" cap="flat" cmpd="sng" algn="ctr">
+                      <a:solidFill>
+                        <a:srgbClr val="000000"/>
+                      </a:solidFill>
+                      <a:prstDash val="solid"/>
+                      <a:round/>
+                      <a:headEnd type="none" w="med" len="med"/>
+                      <a:tailEnd type="none" w="med" len="med"/>
+                    </a:lnL>
+                    <a:lnR w="19050" cap="flat" cmpd="sng" algn="ctr">
+                      <a:solidFill>
+                        <a:srgbClr val="000000"/>
+                      </a:solidFill>
+                      <a:prstDash val="solid"/>
+                      <a:round/>
+                      <a:headEnd type="none" w="med" len="med"/>
+                      <a:tailEnd type="none" w="med" len="med"/>
+                    </a:lnR>
+                    <a:lnT w="19050" cap="flat" cmpd="sng" algn="ctr">
+                      <a:solidFill>
+                        <a:srgbClr val="000000"/>
+                      </a:solidFill>
+                      <a:prstDash val="solid"/>
+                      <a:round/>
+                      <a:headEnd type="none" w="med" len="med"/>
+                      <a:tailEnd type="none" w="med" len="med"/>
+                    </a:lnT>
+                    <a:lnB w="19050" cap="flat" cmpd="sng" algn="ctr">
+                      <a:solidFill>
+                        <a:srgbClr val="000000"/>
+                      </a:solidFill>
+                      <a:prstDash val="solid"/>
+                      <a:round/>
+                      <a:headEnd type="none" w="med" len="med"/>
+                      <a:tailEnd type="none" w="med" len="med"/>
+                    </a:lnB>
+                    <a:solidFill>
+                      <a:srgbClr val="00B050"/>
+                    </a:solidFill>
+                  </a:tcPr>
+                </a:tc>
+                <a:tc>
+                  <a:txBody>
+                    <a:bodyPr/>
+                    <a:lstStyle/>
+                    <a:p>
+                      <a:pPr algn="l" fontAlgn="t"/>
+                      <a:r>
+                        <a:rPr lang="en-US" sz="900" b="0" i="0" u="none" strike="noStrike">
+                          <a:solidFill>
+                            <a:srgbClr val="000000"/>
+                          </a:solidFill>
+                          <a:effectLst/>
+                          <a:latin typeface="Calibri"/>
+                        </a:rPr>
+                        <a:t>-Project Member(s) Leaving</a:t>
+                      </a:r>
+                    </a:p>
+                  </a:txBody>
+                  <a:tcPr marL="10137" marR="10137" marT="10137" marB="0">
+                    <a:lnL w="19050" cap="flat" cmpd="sng" algn="ctr">
+                      <a:solidFill>
+                        <a:srgbClr val="000000"/>
+                      </a:solidFill>
+                      <a:prstDash val="solid"/>
+                      <a:round/>
+                      <a:headEnd type="none" w="med" len="med"/>
+                      <a:tailEnd type="none" w="med" len="med"/>
+                    </a:lnL>
+                    <a:lnR w="19050" cap="flat" cmpd="sng" algn="ctr">
+                      <a:solidFill>
+                        <a:srgbClr val="000000"/>
+                      </a:solidFill>
+                      <a:prstDash val="solid"/>
+                      <a:round/>
+                      <a:headEnd type="none" w="med" len="med"/>
+                      <a:tailEnd type="none" w="med" len="med"/>
+                    </a:lnR>
+                    <a:lnT w="19050" cap="flat" cmpd="sng" algn="ctr">
+                      <a:solidFill>
+                        <a:srgbClr val="000000"/>
+                      </a:solidFill>
+                      <a:prstDash val="solid"/>
+                      <a:round/>
+                      <a:headEnd type="none" w="med" len="med"/>
+                      <a:tailEnd type="none" w="med" len="med"/>
+                    </a:lnT>
+                    <a:lnB w="19050" cap="flat" cmpd="sng" algn="ctr">
+                      <a:solidFill>
+                        <a:srgbClr val="000000"/>
+                      </a:solidFill>
+                      <a:prstDash val="solid"/>
+                      <a:round/>
+                      <a:headEnd type="none" w="med" len="med"/>
+                      <a:tailEnd type="none" w="med" len="med"/>
+                    </a:lnB>
+                    <a:solidFill>
+                      <a:srgbClr val="FFFF00"/>
+                    </a:solidFill>
+                  </a:tcPr>
+                </a:tc>
+                <a:tc>
+                  <a:txBody>
+                    <a:bodyPr/>
+                    <a:lstStyle/>
+                    <a:p>
+                      <a:pPr algn="l" fontAlgn="t"/>
+                      <a:r>
+                        <a:rPr lang="en-US" sz="900" b="0" i="0" u="none" strike="noStrike">
+                          <a:solidFill>
+                            <a:srgbClr val="000000"/>
+                          </a:solidFill>
+                          <a:effectLst/>
+                          <a:latin typeface="Calibri"/>
+                        </a:rPr>
+                        <a:t> </a:t>
+                      </a:r>
+                    </a:p>
+                  </a:txBody>
+                  <a:tcPr marL="10137" marR="10137" marT="10137" marB="0">
+                    <a:lnL w="19050" cap="flat" cmpd="sng" algn="ctr">
+                      <a:solidFill>
+                        <a:srgbClr val="000000"/>
+                      </a:solidFill>
+                      <a:prstDash val="solid"/>
+                      <a:round/>
+                      <a:headEnd type="none" w="med" len="med"/>
+                      <a:tailEnd type="none" w="med" len="med"/>
+                    </a:lnL>
+                    <a:lnR w="19050" cap="flat" cmpd="sng" algn="ctr">
+                      <a:solidFill>
+                        <a:srgbClr val="000000"/>
+                      </a:solidFill>
+                      <a:prstDash val="solid"/>
+                      <a:round/>
+                      <a:headEnd type="none" w="med" len="med"/>
+                      <a:tailEnd type="none" w="med" len="med"/>
+                    </a:lnR>
+                    <a:lnT w="19050" cap="flat" cmpd="sng" algn="ctr">
+                      <a:solidFill>
+                        <a:srgbClr val="000000"/>
+                      </a:solidFill>
+                      <a:prstDash val="solid"/>
+                      <a:round/>
+                      <a:headEnd type="none" w="med" len="med"/>
+                      <a:tailEnd type="none" w="med" len="med"/>
+                    </a:lnT>
+                    <a:lnB w="19050" cap="flat" cmpd="sng" algn="ctr">
+                      <a:solidFill>
+                        <a:srgbClr val="000000"/>
+                      </a:solidFill>
+                      <a:prstDash val="solid"/>
+                      <a:round/>
+                      <a:headEnd type="none" w="med" len="med"/>
+                      <a:tailEnd type="none" w="med" len="med"/>
+                    </a:lnB>
+                    <a:solidFill>
+                      <a:srgbClr val="FFFF00"/>
+                    </a:solidFill>
+                  </a:tcPr>
+                </a:tc>
+              </a:tr>
+              <a:tr h="524468">
+                <a:tc>
+                  <a:txBody>
+                    <a:bodyPr/>
+                    <a:lstStyle/>
+                    <a:p>
+                      <a:pPr algn="l" fontAlgn="b"/>
+                      <a:r>
+                        <a:rPr lang="en-US" sz="900" b="0" i="0" u="none" strike="noStrike">
+                          <a:solidFill>
+                            <a:srgbClr val="000000"/>
+                          </a:solidFill>
+                          <a:effectLst/>
+                          <a:latin typeface="Calibri"/>
+                        </a:rPr>
+                        <a:t> </a:t>
+                      </a:r>
+                    </a:p>
+                  </a:txBody>
+                  <a:tcPr marL="10137" marR="10137" marT="10137" marB="0" anchor="b">
+                    <a:lnL w="19050" cap="flat" cmpd="sng" algn="ctr">
+                      <a:solidFill>
+                        <a:srgbClr val="000000"/>
+                      </a:solidFill>
+                      <a:prstDash val="solid"/>
+                      <a:round/>
+                      <a:headEnd type="none" w="med" len="med"/>
+                      <a:tailEnd type="none" w="med" len="med"/>
+                    </a:lnL>
+                    <a:lnR w="19050" cap="flat" cmpd="sng" algn="ctr">
+                      <a:solidFill>
+                        <a:srgbClr val="000000"/>
+                      </a:solidFill>
+                      <a:prstDash val="solid"/>
+                      <a:round/>
+                      <a:headEnd type="none" w="med" len="med"/>
+                      <a:tailEnd type="none" w="med" len="med"/>
+                    </a:lnR>
+                    <a:lnT w="19050" cap="flat" cmpd="sng" algn="ctr">
+                      <a:solidFill>
+                        <a:srgbClr val="000000"/>
+                      </a:solidFill>
+                      <a:prstDash val="solid"/>
+                      <a:round/>
+                      <a:headEnd type="none" w="med" len="med"/>
+                      <a:tailEnd type="none" w="med" len="med"/>
+                    </a:lnT>
+                    <a:lnB w="19050" cap="flat" cmpd="sng" algn="ctr">
+                      <a:solidFill>
+                        <a:srgbClr val="000000"/>
+                      </a:solidFill>
+                      <a:prstDash val="solid"/>
+                      <a:round/>
+                      <a:headEnd type="none" w="med" len="med"/>
+                      <a:tailEnd type="none" w="med" len="med"/>
+                    </a:lnB>
+                  </a:tcPr>
+                </a:tc>
+                <a:tc>
+                  <a:txBody>
+                    <a:bodyPr/>
+                    <a:lstStyle/>
+                    <a:p>
+                      <a:pPr algn="l" fontAlgn="b"/>
+                      <a:r>
+                        <a:rPr lang="en-US" sz="900" b="0" i="0" u="none" strike="noStrike">
+                          <a:solidFill>
+                            <a:srgbClr val="000000"/>
+                          </a:solidFill>
+                          <a:effectLst/>
+                          <a:latin typeface="Calibri"/>
+                        </a:rPr>
+                        <a:t> </a:t>
+                      </a:r>
+                    </a:p>
+                  </a:txBody>
+                  <a:tcPr marL="10137" marR="10137" marT="10137" marB="0" anchor="b">
+                    <a:lnL w="19050" cap="flat" cmpd="sng" algn="ctr">
+                      <a:solidFill>
+                        <a:srgbClr val="000000"/>
+                      </a:solidFill>
+                      <a:prstDash val="solid"/>
+                      <a:round/>
+                      <a:headEnd type="none" w="med" len="med"/>
+                      <a:tailEnd type="none" w="med" len="med"/>
+                    </a:lnL>
+                    <a:lnR w="19050" cap="flat" cmpd="sng" algn="ctr">
+                      <a:solidFill>
+                        <a:srgbClr val="000000"/>
+                      </a:solidFill>
+                      <a:prstDash val="solid"/>
+                      <a:round/>
+                      <a:headEnd type="none" w="med" len="med"/>
+                      <a:tailEnd type="none" w="med" len="med"/>
+                    </a:lnR>
+                    <a:lnT w="19050" cap="flat" cmpd="sng" algn="ctr">
+                      <a:solidFill>
+                        <a:srgbClr val="000000"/>
+                      </a:solidFill>
+                      <a:prstDash val="solid"/>
+                      <a:round/>
+                      <a:headEnd type="none" w="med" len="med"/>
+                      <a:tailEnd type="none" w="med" len="med"/>
+                    </a:lnT>
+                    <a:lnB w="19050" cap="flat" cmpd="sng" algn="ctr">
+                      <a:solidFill>
+                        <a:srgbClr val="000000"/>
+                      </a:solidFill>
+                      <a:prstDash val="solid"/>
+                      <a:round/>
+                      <a:headEnd type="none" w="med" len="med"/>
+                      <a:tailEnd type="none" w="med" len="med"/>
+                    </a:lnB>
+                  </a:tcPr>
+                </a:tc>
+                <a:tc>
+                  <a:txBody>
+                    <a:bodyPr/>
+                    <a:lstStyle/>
+                    <a:p>
+                      <a:pPr algn="ctr" fontAlgn="ctr"/>
+                      <a:r>
+                        <a:rPr lang="en-US" sz="900" b="0" i="0" u="none" strike="noStrike">
+                          <a:solidFill>
+                            <a:srgbClr val="000000"/>
+                          </a:solidFill>
+                          <a:effectLst/>
+                          <a:latin typeface="Calibri"/>
+                        </a:rPr>
+                        <a:t>Low</a:t>
+                      </a:r>
+                    </a:p>
+                  </a:txBody>
+                  <a:tcPr marL="10137" marR="10137" marT="10137" marB="0" anchor="ctr">
+                    <a:lnL w="19050" cap="flat" cmpd="sng" algn="ctr">
+                      <a:solidFill>
+                        <a:srgbClr val="000000"/>
+                      </a:solidFill>
+                      <a:prstDash val="solid"/>
+                      <a:round/>
+                      <a:headEnd type="none" w="med" len="med"/>
+                      <a:tailEnd type="none" w="med" len="med"/>
+                    </a:lnL>
+                    <a:lnR w="19050" cap="flat" cmpd="sng" algn="ctr">
+                      <a:solidFill>
+                        <a:srgbClr val="000000"/>
+                      </a:solidFill>
+                      <a:prstDash val="solid"/>
+                      <a:round/>
+                      <a:headEnd type="none" w="med" len="med"/>
+                      <a:tailEnd type="none" w="med" len="med"/>
+                    </a:lnR>
+                    <a:lnT w="19050" cap="flat" cmpd="sng" algn="ctr">
+                      <a:solidFill>
+                        <a:srgbClr val="000000"/>
+                      </a:solidFill>
+                      <a:prstDash val="solid"/>
+                      <a:round/>
+                      <a:headEnd type="none" w="med" len="med"/>
+                      <a:tailEnd type="none" w="med" len="med"/>
+                    </a:lnT>
+                    <a:lnB w="19050" cap="flat" cmpd="sng" algn="ctr">
+                      <a:solidFill>
+                        <a:srgbClr val="000000"/>
+                      </a:solidFill>
+                      <a:prstDash val="solid"/>
+                      <a:round/>
+                      <a:headEnd type="none" w="med" len="med"/>
+                      <a:tailEnd type="none" w="med" len="med"/>
+                    </a:lnB>
+                  </a:tcPr>
+                </a:tc>
+                <a:tc>
+                  <a:txBody>
+                    <a:bodyPr/>
+                    <a:lstStyle/>
+                    <a:p>
+                      <a:pPr algn="ctr" fontAlgn="ctr"/>
+                      <a:r>
+                        <a:rPr lang="en-US" sz="900" b="0" i="0" u="none" strike="noStrike">
+                          <a:solidFill>
+                            <a:srgbClr val="000000"/>
+                          </a:solidFill>
+                          <a:effectLst/>
+                          <a:latin typeface="Calibri"/>
+                        </a:rPr>
+                        <a:t>Low-Medium</a:t>
+                      </a:r>
+                    </a:p>
+                  </a:txBody>
+                  <a:tcPr marL="10137" marR="10137" marT="10137" marB="0" anchor="ctr">
+                    <a:lnL w="19050" cap="flat" cmpd="sng" algn="ctr">
+                      <a:solidFill>
+                        <a:srgbClr val="000000"/>
+                      </a:solidFill>
+                      <a:prstDash val="solid"/>
+                      <a:round/>
+                      <a:headEnd type="none" w="med" len="med"/>
+                      <a:tailEnd type="none" w="med" len="med"/>
+                    </a:lnL>
+                    <a:lnR w="19050" cap="flat" cmpd="sng" algn="ctr">
+                      <a:solidFill>
+                        <a:srgbClr val="000000"/>
+                      </a:solidFill>
+                      <a:prstDash val="solid"/>
+                      <a:round/>
+                      <a:headEnd type="none" w="med" len="med"/>
+                      <a:tailEnd type="none" w="med" len="med"/>
+                    </a:lnR>
+                    <a:lnT w="19050" cap="flat" cmpd="sng" algn="ctr">
+                      <a:solidFill>
+                        <a:srgbClr val="000000"/>
+                      </a:solidFill>
+                      <a:prstDash val="solid"/>
+                      <a:round/>
+                      <a:headEnd type="none" w="med" len="med"/>
+                      <a:tailEnd type="none" w="med" len="med"/>
+                    </a:lnT>
+                    <a:lnB w="19050" cap="flat" cmpd="sng" algn="ctr">
+                      <a:solidFill>
+                        <a:srgbClr val="000000"/>
+                      </a:solidFill>
+                      <a:prstDash val="solid"/>
+                      <a:round/>
+                      <a:headEnd type="none" w="med" len="med"/>
+                      <a:tailEnd type="none" w="med" len="med"/>
+                    </a:lnB>
+                  </a:tcPr>
+                </a:tc>
+                <a:tc>
+                  <a:txBody>
+                    <a:bodyPr/>
+                    <a:lstStyle/>
+                    <a:p>
+                      <a:pPr algn="ctr" fontAlgn="ctr"/>
+                      <a:r>
+                        <a:rPr lang="en-US" sz="900" b="0" i="0" u="none" strike="noStrike">
+                          <a:solidFill>
+                            <a:srgbClr val="000000"/>
+                          </a:solidFill>
+                          <a:effectLst/>
+                          <a:latin typeface="Calibri"/>
+                        </a:rPr>
+                        <a:t>Medium</a:t>
+                      </a:r>
+                    </a:p>
+                  </a:txBody>
+                  <a:tcPr marL="10137" marR="10137" marT="10137" marB="0" anchor="ctr">
+                    <a:lnL w="19050" cap="flat" cmpd="sng" algn="ctr">
+                      <a:solidFill>
+                        <a:srgbClr val="000000"/>
+                      </a:solidFill>
+                      <a:prstDash val="solid"/>
+                      <a:round/>
+                      <a:headEnd type="none" w="med" len="med"/>
+                      <a:tailEnd type="none" w="med" len="med"/>
+                    </a:lnL>
+                    <a:lnR w="19050" cap="flat" cmpd="sng" algn="ctr">
+                      <a:solidFill>
+                        <a:srgbClr val="000000"/>
+                      </a:solidFill>
+                      <a:prstDash val="solid"/>
+                      <a:round/>
+                      <a:headEnd type="none" w="med" len="med"/>
+                      <a:tailEnd type="none" w="med" len="med"/>
+                    </a:lnR>
+                    <a:lnT w="19050" cap="flat" cmpd="sng" algn="ctr">
+                      <a:solidFill>
+                        <a:srgbClr val="000000"/>
+                      </a:solidFill>
+                      <a:prstDash val="solid"/>
+                      <a:round/>
+                      <a:headEnd type="none" w="med" len="med"/>
+                      <a:tailEnd type="none" w="med" len="med"/>
+                    </a:lnT>
+                    <a:lnB w="19050" cap="flat" cmpd="sng" algn="ctr">
+                      <a:solidFill>
+                        <a:srgbClr val="000000"/>
+                      </a:solidFill>
+                      <a:prstDash val="solid"/>
+                      <a:round/>
+                      <a:headEnd type="none" w="med" len="med"/>
+                      <a:tailEnd type="none" w="med" len="med"/>
+                    </a:lnB>
+                  </a:tcPr>
+                </a:tc>
+                <a:tc>
+                  <a:txBody>
+                    <a:bodyPr/>
+                    <a:lstStyle/>
+                    <a:p>
+                      <a:pPr algn="ctr" fontAlgn="ctr"/>
+                      <a:r>
+                        <a:rPr lang="en-US" sz="900" b="0" i="0" u="none" strike="noStrike">
+                          <a:solidFill>
+                            <a:srgbClr val="000000"/>
+                          </a:solidFill>
+                          <a:effectLst/>
+                          <a:latin typeface="Calibri"/>
+                        </a:rPr>
+                        <a:t>Medium-High</a:t>
+                      </a:r>
+                    </a:p>
+                  </a:txBody>
+                  <a:tcPr marL="10137" marR="10137" marT="10137" marB="0" anchor="ctr">
+                    <a:lnL w="19050" cap="flat" cmpd="sng" algn="ctr">
+                      <a:solidFill>
+                        <a:srgbClr val="000000"/>
+                      </a:solidFill>
+                      <a:prstDash val="solid"/>
+                      <a:round/>
+                      <a:headEnd type="none" w="med" len="med"/>
+                      <a:tailEnd type="none" w="med" len="med"/>
+                    </a:lnL>
+                    <a:lnR w="19050" cap="flat" cmpd="sng" algn="ctr">
+                      <a:solidFill>
+                        <a:srgbClr val="000000"/>
+                      </a:solidFill>
+                      <a:prstDash val="solid"/>
+                      <a:round/>
+                      <a:headEnd type="none" w="med" len="med"/>
+                      <a:tailEnd type="none" w="med" len="med"/>
+                    </a:lnR>
+                    <a:lnT w="19050" cap="flat" cmpd="sng" algn="ctr">
+                      <a:solidFill>
+                        <a:srgbClr val="000000"/>
+                      </a:solidFill>
+                      <a:prstDash val="solid"/>
+                      <a:round/>
+                      <a:headEnd type="none" w="med" len="med"/>
+                      <a:tailEnd type="none" w="med" len="med"/>
+                    </a:lnT>
+                    <a:lnB w="19050" cap="flat" cmpd="sng" algn="ctr">
+                      <a:solidFill>
+                        <a:srgbClr val="000000"/>
+                      </a:solidFill>
+                      <a:prstDash val="solid"/>
+                      <a:round/>
+                      <a:headEnd type="none" w="med" len="med"/>
+                      <a:tailEnd type="none" w="med" len="med"/>
+                    </a:lnB>
+                  </a:tcPr>
+                </a:tc>
+                <a:tc>
+                  <a:txBody>
+                    <a:bodyPr/>
+                    <a:lstStyle/>
+                    <a:p>
+                      <a:pPr algn="ctr" fontAlgn="ctr"/>
+                      <a:r>
+                        <a:rPr lang="en-US" sz="900" b="0" i="0" u="none" strike="noStrike">
+                          <a:solidFill>
+                            <a:srgbClr val="000000"/>
+                          </a:solidFill>
+                          <a:effectLst/>
+                          <a:latin typeface="Calibri"/>
+                        </a:rPr>
+                        <a:t>High</a:t>
+                      </a:r>
+                    </a:p>
+                  </a:txBody>
+                  <a:tcPr marL="10137" marR="10137" marT="10137" marB="0" anchor="ctr">
+                    <a:lnL w="19050" cap="flat" cmpd="sng" algn="ctr">
+                      <a:solidFill>
+                        <a:srgbClr val="000000"/>
+                      </a:solidFill>
+                      <a:prstDash val="solid"/>
+                      <a:round/>
+                      <a:headEnd type="none" w="med" len="med"/>
+                      <a:tailEnd type="none" w="med" len="med"/>
+                    </a:lnL>
+                    <a:lnR w="19050" cap="flat" cmpd="sng" algn="ctr">
+                      <a:solidFill>
+                        <a:srgbClr val="000000"/>
+                      </a:solidFill>
+                      <a:prstDash val="solid"/>
+                      <a:round/>
+                      <a:headEnd type="none" w="med" len="med"/>
+                      <a:tailEnd type="none" w="med" len="med"/>
+                    </a:lnR>
+                    <a:lnT w="19050" cap="flat" cmpd="sng" algn="ctr">
+                      <a:solidFill>
+                        <a:srgbClr val="000000"/>
+                      </a:solidFill>
+                      <a:prstDash val="solid"/>
+                      <a:round/>
+                      <a:headEnd type="none" w="med" len="med"/>
+                      <a:tailEnd type="none" w="med" len="med"/>
+                    </a:lnT>
+                    <a:lnB w="19050" cap="flat" cmpd="sng" algn="ctr">
+                      <a:solidFill>
+                        <a:srgbClr val="000000"/>
+                      </a:solidFill>
+                      <a:prstDash val="solid"/>
+                      <a:round/>
+                      <a:headEnd type="none" w="med" len="med"/>
+                      <a:tailEnd type="none" w="med" len="med"/>
+                    </a:lnB>
+                  </a:tcPr>
+                </a:tc>
+              </a:tr>
+              <a:tr h="524468">
+                <a:tc>
+                  <a:txBody>
+                    <a:bodyPr/>
+                    <a:lstStyle/>
+                    <a:p>
+                      <a:pPr algn="l" fontAlgn="b"/>
+                      <a:r>
+                        <a:rPr lang="en-US" sz="900" b="0" i="0" u="none" strike="noStrike">
+                          <a:solidFill>
+                            <a:srgbClr val="000000"/>
+                          </a:solidFill>
+                          <a:effectLst/>
+                          <a:latin typeface="Calibri"/>
+                        </a:rPr>
+                        <a:t> </a:t>
+                      </a:r>
+                    </a:p>
+                  </a:txBody>
+                  <a:tcPr marL="10137" marR="10137" marT="10137" marB="0" anchor="b">
+                    <a:lnL w="19050" cap="flat" cmpd="sng" algn="ctr">
+                      <a:solidFill>
+                        <a:srgbClr val="000000"/>
+                      </a:solidFill>
+                      <a:prstDash val="solid"/>
+                      <a:round/>
+                      <a:headEnd type="none" w="med" len="med"/>
+                      <a:tailEnd type="none" w="med" len="med"/>
+                    </a:lnL>
+                    <a:lnR w="19050" cap="flat" cmpd="sng" algn="ctr">
+                      <a:solidFill>
+                        <a:srgbClr val="000000"/>
+                      </a:solidFill>
+                      <a:prstDash val="solid"/>
+                      <a:round/>
+                      <a:headEnd type="none" w="med" len="med"/>
+                      <a:tailEnd type="none" w="med" len="med"/>
+                    </a:lnR>
+                    <a:lnT w="19050" cap="flat" cmpd="sng" algn="ctr">
+                      <a:solidFill>
+                        <a:srgbClr val="000000"/>
+                      </a:solidFill>
+                      <a:prstDash val="solid"/>
+                      <a:round/>
+                      <a:headEnd type="none" w="med" len="med"/>
+                      <a:tailEnd type="none" w="med" len="med"/>
+                    </a:lnT>
+                    <a:lnB w="19050" cap="flat" cmpd="sng" algn="ctr">
+                      <a:solidFill>
+                        <a:srgbClr val="000000"/>
+                      </a:solidFill>
+                      <a:prstDash val="solid"/>
+                      <a:round/>
+                      <a:headEnd type="none" w="med" len="med"/>
+                      <a:tailEnd type="none" w="med" len="med"/>
+                    </a:lnB>
+                  </a:tcPr>
+                </a:tc>
+                <a:tc>
+                  <a:txBody>
+                    <a:bodyPr/>
+                    <a:lstStyle/>
+                    <a:p>
+                      <a:pPr algn="l" fontAlgn="b"/>
+                      <a:r>
+                        <a:rPr lang="en-US" sz="900" b="0" i="0" u="none" strike="noStrike">
+                          <a:solidFill>
+                            <a:srgbClr val="000000"/>
+                          </a:solidFill>
+                          <a:effectLst/>
+                          <a:latin typeface="Calibri"/>
+                        </a:rPr>
+                        <a:t> </a:t>
+                      </a:r>
+                    </a:p>
+                  </a:txBody>
+                  <a:tcPr marL="10137" marR="10137" marT="10137" marB="0" anchor="b">
+                    <a:lnL w="19050" cap="flat" cmpd="sng" algn="ctr">
+                      <a:solidFill>
+                        <a:srgbClr val="000000"/>
+                      </a:solidFill>
+                      <a:prstDash val="solid"/>
+                      <a:round/>
+                      <a:headEnd type="none" w="med" len="med"/>
+                      <a:tailEnd type="none" w="med" len="med"/>
+                    </a:lnL>
+                    <a:lnR w="19050" cap="flat" cmpd="sng" algn="ctr">
+                      <a:solidFill>
+                        <a:srgbClr val="000000"/>
+                      </a:solidFill>
+                      <a:prstDash val="solid"/>
+                      <a:round/>
+                      <a:headEnd type="none" w="med" len="med"/>
+                      <a:tailEnd type="none" w="med" len="med"/>
+                    </a:lnR>
+                    <a:lnT w="19050" cap="flat" cmpd="sng" algn="ctr">
+                      <a:solidFill>
+                        <a:srgbClr val="000000"/>
+                      </a:solidFill>
+                      <a:prstDash val="solid"/>
+                      <a:round/>
+                      <a:headEnd type="none" w="med" len="med"/>
+                      <a:tailEnd type="none" w="med" len="med"/>
+                    </a:lnT>
+                    <a:lnB w="19050" cap="flat" cmpd="sng" algn="ctr">
+                      <a:solidFill>
+                        <a:srgbClr val="000000"/>
+                      </a:solidFill>
+                      <a:prstDash val="solid"/>
+                      <a:round/>
+                      <a:headEnd type="none" w="med" len="med"/>
+                      <a:tailEnd type="none" w="med" len="med"/>
+                    </a:lnB>
+                  </a:tcPr>
+                </a:tc>
+                <a:tc gridSpan="5">
+                  <a:txBody>
+                    <a:bodyPr/>
+                    <a:lstStyle/>
+                    <a:p>
+                      <a:pPr algn="ctr" fontAlgn="ctr"/>
+                      <a:r>
+                        <a:rPr lang="en-US" sz="900" b="0" i="0" u="none" strike="noStrike" dirty="0">
+                          <a:solidFill>
+                            <a:srgbClr val="000000"/>
+                          </a:solidFill>
+                          <a:effectLst/>
+                          <a:latin typeface="Calibri"/>
+                        </a:rPr>
+                        <a:t>Consequence of Risk Impact</a:t>
+                      </a:r>
+                    </a:p>
+                  </a:txBody>
+                  <a:tcPr marL="10137" marR="10137" marT="10137" marB="0" anchor="ctr">
+                    <a:lnL w="19050" cap="flat" cmpd="sng" algn="ctr">
+                      <a:solidFill>
+                        <a:srgbClr val="000000"/>
+                      </a:solidFill>
+                      <a:prstDash val="solid"/>
+                      <a:round/>
+                      <a:headEnd type="none" w="med" len="med"/>
+                      <a:tailEnd type="none" w="med" len="med"/>
+                    </a:lnL>
+                    <a:lnR w="19050" cap="flat" cmpd="sng" algn="ctr">
+                      <a:solidFill>
+                        <a:srgbClr val="000000"/>
+                      </a:solidFill>
+                      <a:prstDash val="solid"/>
+                      <a:round/>
+                      <a:headEnd type="none" w="med" len="med"/>
+                      <a:tailEnd type="none" w="med" len="med"/>
+                    </a:lnR>
+                    <a:lnT w="19050" cap="flat" cmpd="sng" algn="ctr">
+                      <a:solidFill>
+                        <a:srgbClr val="000000"/>
+                      </a:solidFill>
+                      <a:prstDash val="solid"/>
+                      <a:round/>
+                      <a:headEnd type="none" w="med" len="med"/>
+                      <a:tailEnd type="none" w="med" len="med"/>
+                    </a:lnT>
+                    <a:lnB w="19050" cap="flat" cmpd="sng" algn="ctr">
+                      <a:solidFill>
+                        <a:srgbClr val="000000"/>
+                      </a:solidFill>
+                      <a:prstDash val="solid"/>
+                      <a:round/>
+                      <a:headEnd type="none" w="med" len="med"/>
+                      <a:tailEnd type="none" w="med" len="med"/>
+                    </a:lnB>
+                  </a:tcPr>
+                </a:tc>
+                <a:tc hMerge="1">
+                  <a:txBody>
+                    <a:bodyPr/>
+                    <a:lstStyle/>
+                    <a:p>
+                      <a:endParaRPr lang="en-US"/>
+                    </a:p>
+                  </a:txBody>
+                  <a:tcPr/>
+                </a:tc>
+                <a:tc hMerge="1">
+                  <a:txBody>
+                    <a:bodyPr/>
+                    <a:lstStyle/>
+                    <a:p>
+                      <a:endParaRPr lang="en-US"/>
+                    </a:p>
+                  </a:txBody>
+                  <a:tcPr/>
+                </a:tc>
+                <a:tc hMerge="1">
+                  <a:txBody>
+                    <a:bodyPr/>
+                    <a:lstStyle/>
+                    <a:p>
+                      <a:endParaRPr lang="en-US"/>
+                    </a:p>
+                  </a:txBody>
+                  <a:tcPr/>
+                </a:tc>
+                <a:tc hMerge="1">
+                  <a:txBody>
+                    <a:bodyPr/>
+                    <a:lstStyle/>
+                    <a:p>
+                      <a:endParaRPr lang="en-US"/>
+                    </a:p>
+                  </a:txBody>
+                  <a:tcPr/>
+                </a:tc>
+              </a:tr>
+            </a:tbl>
+          </a:graphicData>
+        </a:graphic>
+      </p:graphicFrame>
     </p:spTree>
     <p:extLst>
       <p:ext uri="{BB962C8B-B14F-4D97-AF65-F5344CB8AC3E}">
-        <p14:creationId xmlns:p14="http://schemas.microsoft.com/office/powerpoint/2010/main" val="1267928927"/>
+        <p14:creationId xmlns:p14="http://schemas.microsoft.com/office/powerpoint/2010/main" val="4046258953"/>
       </p:ext>
     </p:extLst>
   </p:cSld>
   <p:clrMapOvr>
     <a:masterClrMapping/>
   </p:clrMapOvr>
+  <p:timing>
+    <p:tnLst>
+      <p:par>
+        <p:cTn xmlns:p14="http://schemas.microsoft.com/office/powerpoint/2010/main" id="1" dur="indefinite" restart="never" nodeType="tmRoot"/>
+      </p:par>
+    </p:tnLst>
+  </p:timing>
 </p:sld>
 </file>
 
@@ -4715,46 +7303,58 @@
         </p:nvSpPr>
         <p:spPr/>
         <p:txBody>
+          <a:bodyPr>
+            <a:normAutofit/>
+          </a:bodyPr>
+          <a:lstStyle/>
+          <a:p>
+            <a:r>
+              <a:rPr lang="en-US" dirty="0" smtClean="0"/>
+              <a:t>Requirements Overall</a:t>
+            </a:r>
+            <a:endParaRPr lang="en-US" dirty="0"/>
+          </a:p>
+        </p:txBody>
+      </p:sp>
+      <p:sp>
+        <p:nvSpPr>
+          <p:cNvPr id="3" name="Content Placeholder 2"/>
+          <p:cNvSpPr>
+            <a:spLocks noGrp="1"/>
+          </p:cNvSpPr>
+          <p:nvPr>
+            <p:ph idx="1"/>
+          </p:nvPr>
+        </p:nvSpPr>
+        <p:spPr/>
+        <p:txBody>
           <a:bodyPr/>
           <a:lstStyle/>
           <a:p>
-            <a:r>
-              <a:rPr lang="en-US" dirty="0" smtClean="0"/>
-              <a:t>Requirements 2</a:t>
-            </a:r>
+            <a:pPr marL="36576" indent="0">
+              <a:buNone/>
+            </a:pPr>
             <a:endParaRPr lang="en-US" dirty="0"/>
-          </a:p>
-        </p:txBody>
-      </p:sp>
-      <p:sp>
-        <p:nvSpPr>
-          <p:cNvPr id="3" name="Content Placeholder 2"/>
-          <p:cNvSpPr>
-            <a:spLocks noGrp="1"/>
-          </p:cNvSpPr>
-          <p:nvPr>
-            <p:ph idx="1"/>
-          </p:nvPr>
-        </p:nvSpPr>
-        <p:spPr/>
-        <p:txBody>
-          <a:bodyPr/>
-          <a:lstStyle/>
-          <a:p>
-            <a:endParaRPr lang="en-US"/>
           </a:p>
         </p:txBody>
       </p:sp>
     </p:spTree>
     <p:extLst>
       <p:ext uri="{BB962C8B-B14F-4D97-AF65-F5344CB8AC3E}">
-        <p14:creationId xmlns:p14="http://schemas.microsoft.com/office/powerpoint/2010/main" val="1315807786"/>
+        <p14:creationId xmlns:p14="http://schemas.microsoft.com/office/powerpoint/2010/main" val="1267928927"/>
       </p:ext>
     </p:extLst>
   </p:cSld>
   <p:clrMapOvr>
     <a:masterClrMapping/>
   </p:clrMapOvr>
+  <p:timing>
+    <p:tnLst>
+      <p:par>
+        <p:cTn xmlns:p14="http://schemas.microsoft.com/office/powerpoint/2010/main" id="1" dur="indefinite" restart="never" nodeType="tmRoot"/>
+      </p:par>
+    </p:tnLst>
+  </p:timing>
 </p:sld>
 </file>
 
@@ -4787,46 +7387,58 @@
         </p:nvSpPr>
         <p:spPr/>
         <p:txBody>
+          <a:bodyPr>
+            <a:normAutofit fontScale="90000"/>
+          </a:bodyPr>
+          <a:lstStyle/>
+          <a:p>
+            <a:r>
+              <a:rPr lang="en-US" dirty="0" smtClean="0"/>
+              <a:t>Requirements Current Iteration</a:t>
+            </a:r>
+            <a:endParaRPr lang="en-US" dirty="0"/>
+          </a:p>
+        </p:txBody>
+      </p:sp>
+      <p:sp>
+        <p:nvSpPr>
+          <p:cNvPr id="3" name="Content Placeholder 2"/>
+          <p:cNvSpPr>
+            <a:spLocks noGrp="1"/>
+          </p:cNvSpPr>
+          <p:nvPr>
+            <p:ph idx="1"/>
+          </p:nvPr>
+        </p:nvSpPr>
+        <p:spPr/>
+        <p:txBody>
           <a:bodyPr/>
           <a:lstStyle/>
           <a:p>
-            <a:r>
-              <a:rPr lang="en-US" dirty="0" smtClean="0"/>
-              <a:t>Requirements 3</a:t>
-            </a:r>
+            <a:pPr marL="36576" indent="0">
+              <a:buNone/>
+            </a:pPr>
             <a:endParaRPr lang="en-US" dirty="0"/>
-          </a:p>
-        </p:txBody>
-      </p:sp>
-      <p:sp>
-        <p:nvSpPr>
-          <p:cNvPr id="3" name="Content Placeholder 2"/>
-          <p:cNvSpPr>
-            <a:spLocks noGrp="1"/>
-          </p:cNvSpPr>
-          <p:nvPr>
-            <p:ph idx="1"/>
-          </p:nvPr>
-        </p:nvSpPr>
-        <p:spPr/>
-        <p:txBody>
-          <a:bodyPr/>
-          <a:lstStyle/>
-          <a:p>
-            <a:endParaRPr lang="en-US"/>
           </a:p>
         </p:txBody>
       </p:sp>
     </p:spTree>
     <p:extLst>
       <p:ext uri="{BB962C8B-B14F-4D97-AF65-F5344CB8AC3E}">
-        <p14:creationId xmlns:p14="http://schemas.microsoft.com/office/powerpoint/2010/main" val="1377163205"/>
+        <p14:creationId xmlns:p14="http://schemas.microsoft.com/office/powerpoint/2010/main" val="1315807786"/>
       </p:ext>
     </p:extLst>
   </p:cSld>
   <p:clrMapOvr>
     <a:masterClrMapping/>
   </p:clrMapOvr>
+  <p:timing>
+    <p:tnLst>
+      <p:par>
+        <p:cTn xmlns:p14="http://schemas.microsoft.com/office/powerpoint/2010/main" id="1" dur="indefinite" restart="never" nodeType="tmRoot"/>
+      </p:par>
+    </p:tnLst>
+  </p:timing>
 </p:sld>
 </file>
 
@@ -4857,48 +7469,90 @@
             <p:ph type="title"/>
           </p:nvPr>
         </p:nvSpPr>
+        <p:spPr>
+          <a:xfrm>
+            <a:off x="457200" y="274638"/>
+            <a:ext cx="7467600" cy="512762"/>
+          </a:xfrm>
+        </p:spPr>
+        <p:txBody>
+          <a:bodyPr>
+            <a:normAutofit fontScale="90000"/>
+          </a:bodyPr>
+          <a:lstStyle/>
+          <a:p>
+            <a:pPr algn="ctr"/>
+            <a:r>
+              <a:rPr lang="en-US" dirty="0" smtClean="0"/>
+              <a:t>Use Case Diagram</a:t>
+            </a:r>
+            <a:endParaRPr lang="en-US" dirty="0"/>
+          </a:p>
+        </p:txBody>
+      </p:sp>
+      <p:sp>
+        <p:nvSpPr>
+          <p:cNvPr id="3" name="Content Placeholder 2"/>
+          <p:cNvSpPr>
+            <a:spLocks noGrp="1"/>
+          </p:cNvSpPr>
+          <p:nvPr>
+            <p:ph idx="1"/>
+          </p:nvPr>
+        </p:nvSpPr>
         <p:spPr/>
         <p:txBody>
           <a:bodyPr/>
           <a:lstStyle/>
           <a:p>
-            <a:r>
-              <a:rPr lang="en-US" dirty="0" smtClean="0"/>
-              <a:t>Requirements 4</a:t>
-            </a:r>
+            <a:pPr marL="36576" indent="0">
+              <a:buNone/>
+            </a:pPr>
             <a:endParaRPr lang="en-US" dirty="0"/>
           </a:p>
         </p:txBody>
       </p:sp>
-      <p:sp>
-        <p:nvSpPr>
-          <p:cNvPr id="3" name="Content Placeholder 2"/>
-          <p:cNvSpPr>
-            <a:spLocks noGrp="1"/>
-          </p:cNvSpPr>
-          <p:nvPr>
-            <p:ph idx="1"/>
-          </p:nvPr>
-        </p:nvSpPr>
-        <p:spPr/>
-        <p:txBody>
-          <a:bodyPr/>
-          <a:lstStyle/>
-          <a:p>
-            <a:endParaRPr lang="en-US"/>
-          </a:p>
-        </p:txBody>
-      </p:sp>
+      <p:pic>
+        <p:nvPicPr>
+          <p:cNvPr id="6" name="Picture 5"/>
+          <p:cNvPicPr>
+            <a:picLocks noChangeAspect="1"/>
+          </p:cNvPicPr>
+          <p:nvPr/>
+        </p:nvPicPr>
+        <p:blipFill>
+          <a:blip r:embed="rId2"/>
+          <a:stretch>
+            <a:fillRect/>
+          </a:stretch>
+        </p:blipFill>
+        <p:spPr>
+          <a:xfrm>
+            <a:off x="1524000" y="787400"/>
+            <a:ext cx="6096000" cy="6070600"/>
+          </a:xfrm>
+          <a:prstGeom prst="rect">
+            <a:avLst/>
+          </a:prstGeom>
+        </p:spPr>
+      </p:pic>
     </p:spTree>
     <p:extLst>
       <p:ext uri="{BB962C8B-B14F-4D97-AF65-F5344CB8AC3E}">
-        <p14:creationId xmlns:p14="http://schemas.microsoft.com/office/powerpoint/2010/main" val="2930921673"/>
+        <p14:creationId xmlns:p14="http://schemas.microsoft.com/office/powerpoint/2010/main" val="2483841844"/>
       </p:ext>
     </p:extLst>
   </p:cSld>
   <p:clrMapOvr>
     <a:masterClrMapping/>
   </p:clrMapOvr>
+  <p:timing>
+    <p:tnLst>
+      <p:par>
+        <p:cTn xmlns:p14="http://schemas.microsoft.com/office/powerpoint/2010/main" id="1" dur="indefinite" restart="never" nodeType="tmRoot"/>
+      </p:par>
+    </p:tnLst>
+  </p:timing>
 </p:sld>
 </file>
 

--- a/Presentation/Presentation.pptx
+++ b/Presentation/Presentation.pptx
@@ -4,20 +4,25 @@
   <p:sldMasterIdLst>
     <p:sldMasterId id="2147483660" r:id="rId1"/>
   </p:sldMasterIdLst>
+  <p:notesMasterIdLst>
+    <p:notesMasterId r:id="rId17"/>
+  </p:notesMasterIdLst>
   <p:sldIdLst>
     <p:sldId id="256" r:id="rId2"/>
     <p:sldId id="257" r:id="rId3"/>
-    <p:sldId id="272" r:id="rId4"/>
-    <p:sldId id="258" r:id="rId5"/>
-    <p:sldId id="259" r:id="rId6"/>
+    <p:sldId id="258" r:id="rId4"/>
+    <p:sldId id="259" r:id="rId5"/>
+    <p:sldId id="274" r:id="rId6"/>
     <p:sldId id="273" r:id="rId7"/>
     <p:sldId id="260" r:id="rId8"/>
     <p:sldId id="261" r:id="rId9"/>
     <p:sldId id="264" r:id="rId10"/>
     <p:sldId id="265" r:id="rId11"/>
     <p:sldId id="266" r:id="rId12"/>
-    <p:sldId id="268" r:id="rId13"/>
-    <p:sldId id="271" r:id="rId14"/>
+    <p:sldId id="277" r:id="rId13"/>
+    <p:sldId id="275" r:id="rId14"/>
+    <p:sldId id="271" r:id="rId15"/>
+    <p:sldId id="276" r:id="rId16"/>
   </p:sldIdLst>
   <p:sldSz cx="9144000" cy="6858000" type="screen4x3"/>
   <p:notesSz cx="6858000" cy="9144000"/>
@@ -117,6 +122,1500 @@
     </a:lvl9pPr>
   </p:defaultTextStyle>
 </p:presentation>
+</file>
+
+<file path=ppt/notesMasters/notesMaster1.xml><?xml version="1.0" encoding="utf-8"?>
+<p:notesMaster xmlns:a="http://schemas.openxmlformats.org/drawingml/2006/main" xmlns:r="http://schemas.openxmlformats.org/officeDocument/2006/relationships" xmlns:p="http://schemas.openxmlformats.org/presentationml/2006/main">
+  <p:cSld>
+    <p:bg>
+      <p:bgRef idx="1001">
+        <a:schemeClr val="bg1"/>
+      </p:bgRef>
+    </p:bg>
+    <p:spTree>
+      <p:nvGrpSpPr>
+        <p:cNvPr id="1" name=""/>
+        <p:cNvGrpSpPr/>
+        <p:nvPr/>
+      </p:nvGrpSpPr>
+      <p:grpSpPr>
+        <a:xfrm>
+          <a:off x="0" y="0"/>
+          <a:ext cx="0" cy="0"/>
+          <a:chOff x="0" y="0"/>
+          <a:chExt cx="0" cy="0"/>
+        </a:xfrm>
+      </p:grpSpPr>
+      <p:sp>
+        <p:nvSpPr>
+          <p:cNvPr id="2" name="Header Placeholder 1"/>
+          <p:cNvSpPr>
+            <a:spLocks noGrp="1"/>
+          </p:cNvSpPr>
+          <p:nvPr>
+            <p:ph type="hdr" sz="quarter"/>
+          </p:nvPr>
+        </p:nvSpPr>
+        <p:spPr>
+          <a:xfrm>
+            <a:off x="0" y="0"/>
+            <a:ext cx="2971800" cy="457200"/>
+          </a:xfrm>
+          <a:prstGeom prst="rect">
+            <a:avLst/>
+          </a:prstGeom>
+        </p:spPr>
+        <p:txBody>
+          <a:bodyPr vert="horz" lIns="91440" tIns="45720" rIns="91440" bIns="45720" rtlCol="0"/>
+          <a:lstStyle>
+            <a:lvl1pPr algn="l">
+              <a:defRPr sz="1200"/>
+            </a:lvl1pPr>
+          </a:lstStyle>
+          <a:p>
+            <a:endParaRPr lang="en-US"/>
+          </a:p>
+        </p:txBody>
+      </p:sp>
+      <p:sp>
+        <p:nvSpPr>
+          <p:cNvPr id="3" name="Date Placeholder 2"/>
+          <p:cNvSpPr>
+            <a:spLocks noGrp="1"/>
+          </p:cNvSpPr>
+          <p:nvPr>
+            <p:ph type="dt" idx="1"/>
+          </p:nvPr>
+        </p:nvSpPr>
+        <p:spPr>
+          <a:xfrm>
+            <a:off x="3884613" y="0"/>
+            <a:ext cx="2971800" cy="457200"/>
+          </a:xfrm>
+          <a:prstGeom prst="rect">
+            <a:avLst/>
+          </a:prstGeom>
+        </p:spPr>
+        <p:txBody>
+          <a:bodyPr vert="horz" lIns="91440" tIns="45720" rIns="91440" bIns="45720" rtlCol="0"/>
+          <a:lstStyle>
+            <a:lvl1pPr algn="r">
+              <a:defRPr sz="1200"/>
+            </a:lvl1pPr>
+          </a:lstStyle>
+          <a:p>
+            <a:fld id="{4D4D18D8-FDC1-6849-B329-71080DB67C2F}" type="datetimeFigureOut">
+              <a:rPr lang="en-US" smtClean="0"/>
+              <a:t>10/4/15</a:t>
+            </a:fld>
+            <a:endParaRPr lang="en-US"/>
+          </a:p>
+        </p:txBody>
+      </p:sp>
+      <p:sp>
+        <p:nvSpPr>
+          <p:cNvPr id="4" name="Slide Image Placeholder 3"/>
+          <p:cNvSpPr>
+            <a:spLocks noGrp="1" noRot="1" noChangeAspect="1"/>
+          </p:cNvSpPr>
+          <p:nvPr>
+            <p:ph type="sldImg" idx="2"/>
+          </p:nvPr>
+        </p:nvSpPr>
+        <p:spPr>
+          <a:xfrm>
+            <a:off x="1143000" y="685800"/>
+            <a:ext cx="4572000" cy="3429000"/>
+          </a:xfrm>
+          <a:prstGeom prst="rect">
+            <a:avLst/>
+          </a:prstGeom>
+          <a:noFill/>
+          <a:ln w="12700">
+            <a:solidFill>
+              <a:prstClr val="black"/>
+            </a:solidFill>
+          </a:ln>
+        </p:spPr>
+        <p:txBody>
+          <a:bodyPr vert="horz" lIns="91440" tIns="45720" rIns="91440" bIns="45720" rtlCol="0" anchor="ctr"/>
+          <a:lstStyle/>
+          <a:p>
+            <a:endParaRPr lang="en-US"/>
+          </a:p>
+        </p:txBody>
+      </p:sp>
+      <p:sp>
+        <p:nvSpPr>
+          <p:cNvPr id="5" name="Notes Placeholder 4"/>
+          <p:cNvSpPr>
+            <a:spLocks noGrp="1"/>
+          </p:cNvSpPr>
+          <p:nvPr>
+            <p:ph type="body" sz="quarter" idx="3"/>
+          </p:nvPr>
+        </p:nvSpPr>
+        <p:spPr>
+          <a:xfrm>
+            <a:off x="685800" y="4343400"/>
+            <a:ext cx="5486400" cy="4114800"/>
+          </a:xfrm>
+          <a:prstGeom prst="rect">
+            <a:avLst/>
+          </a:prstGeom>
+        </p:spPr>
+        <p:txBody>
+          <a:bodyPr vert="horz" lIns="91440" tIns="45720" rIns="91440" bIns="45720" rtlCol="0"/>
+          <a:lstStyle/>
+          <a:p>
+            <a:pPr lvl="0"/>
+            <a:r>
+              <a:rPr lang="en-US" smtClean="0"/>
+              <a:t>Click to edit Master text styles</a:t>
+            </a:r>
+          </a:p>
+          <a:p>
+            <a:pPr lvl="1"/>
+            <a:r>
+              <a:rPr lang="en-US" smtClean="0"/>
+              <a:t>Second level</a:t>
+            </a:r>
+          </a:p>
+          <a:p>
+            <a:pPr lvl="2"/>
+            <a:r>
+              <a:rPr lang="en-US" smtClean="0"/>
+              <a:t>Third level</a:t>
+            </a:r>
+          </a:p>
+          <a:p>
+            <a:pPr lvl="3"/>
+            <a:r>
+              <a:rPr lang="en-US" smtClean="0"/>
+              <a:t>Fourth level</a:t>
+            </a:r>
+          </a:p>
+          <a:p>
+            <a:pPr lvl="4"/>
+            <a:r>
+              <a:rPr lang="en-US" smtClean="0"/>
+              <a:t>Fifth level</a:t>
+            </a:r>
+            <a:endParaRPr lang="en-US"/>
+          </a:p>
+        </p:txBody>
+      </p:sp>
+      <p:sp>
+        <p:nvSpPr>
+          <p:cNvPr id="6" name="Footer Placeholder 5"/>
+          <p:cNvSpPr>
+            <a:spLocks noGrp="1"/>
+          </p:cNvSpPr>
+          <p:nvPr>
+            <p:ph type="ftr" sz="quarter" idx="4"/>
+          </p:nvPr>
+        </p:nvSpPr>
+        <p:spPr>
+          <a:xfrm>
+            <a:off x="0" y="8685213"/>
+            <a:ext cx="2971800" cy="457200"/>
+          </a:xfrm>
+          <a:prstGeom prst="rect">
+            <a:avLst/>
+          </a:prstGeom>
+        </p:spPr>
+        <p:txBody>
+          <a:bodyPr vert="horz" lIns="91440" tIns="45720" rIns="91440" bIns="45720" rtlCol="0" anchor="b"/>
+          <a:lstStyle>
+            <a:lvl1pPr algn="l">
+              <a:defRPr sz="1200"/>
+            </a:lvl1pPr>
+          </a:lstStyle>
+          <a:p>
+            <a:endParaRPr lang="en-US"/>
+          </a:p>
+        </p:txBody>
+      </p:sp>
+      <p:sp>
+        <p:nvSpPr>
+          <p:cNvPr id="7" name="Slide Number Placeholder 6"/>
+          <p:cNvSpPr>
+            <a:spLocks noGrp="1"/>
+          </p:cNvSpPr>
+          <p:nvPr>
+            <p:ph type="sldNum" sz="quarter" idx="5"/>
+          </p:nvPr>
+        </p:nvSpPr>
+        <p:spPr>
+          <a:xfrm>
+            <a:off x="3884613" y="8685213"/>
+            <a:ext cx="2971800" cy="457200"/>
+          </a:xfrm>
+          <a:prstGeom prst="rect">
+            <a:avLst/>
+          </a:prstGeom>
+        </p:spPr>
+        <p:txBody>
+          <a:bodyPr vert="horz" lIns="91440" tIns="45720" rIns="91440" bIns="45720" rtlCol="0" anchor="b"/>
+          <a:lstStyle>
+            <a:lvl1pPr algn="r">
+              <a:defRPr sz="1200"/>
+            </a:lvl1pPr>
+          </a:lstStyle>
+          <a:p>
+            <a:fld id="{0189621E-F917-C743-B017-A0FB825FE7E5}" type="slidenum">
+              <a:rPr lang="en-US" smtClean="0"/>
+              <a:t>‹#›</a:t>
+            </a:fld>
+            <a:endParaRPr lang="en-US"/>
+          </a:p>
+        </p:txBody>
+      </p:sp>
+    </p:spTree>
+    <p:extLst>
+      <p:ext uri="{BB962C8B-B14F-4D97-AF65-F5344CB8AC3E}">
+        <p14:creationId xmlns:p14="http://schemas.microsoft.com/office/powerpoint/2010/main" val="3129457211"/>
+      </p:ext>
+    </p:extLst>
+  </p:cSld>
+  <p:clrMap bg1="lt1" tx1="dk1" bg2="lt2" tx2="dk2" accent1="accent1" accent2="accent2" accent3="accent3" accent4="accent4" accent5="accent5" accent6="accent6" hlink="hlink" folHlink="folHlink"/>
+  <p:notesStyle>
+    <a:lvl1pPr marL="0" algn="l" defTabSz="457200" rtl="0" eaLnBrk="1" latinLnBrk="0" hangingPunct="1">
+      <a:defRPr sz="1200" kern="1200">
+        <a:solidFill>
+          <a:schemeClr val="tx1"/>
+        </a:solidFill>
+        <a:latin typeface="+mn-lt"/>
+        <a:ea typeface="+mn-ea"/>
+        <a:cs typeface="+mn-cs"/>
+      </a:defRPr>
+    </a:lvl1pPr>
+    <a:lvl2pPr marL="457200" algn="l" defTabSz="457200" rtl="0" eaLnBrk="1" latinLnBrk="0" hangingPunct="1">
+      <a:defRPr sz="1200" kern="1200">
+        <a:solidFill>
+          <a:schemeClr val="tx1"/>
+        </a:solidFill>
+        <a:latin typeface="+mn-lt"/>
+        <a:ea typeface="+mn-ea"/>
+        <a:cs typeface="+mn-cs"/>
+      </a:defRPr>
+    </a:lvl2pPr>
+    <a:lvl3pPr marL="914400" algn="l" defTabSz="457200" rtl="0" eaLnBrk="1" latinLnBrk="0" hangingPunct="1">
+      <a:defRPr sz="1200" kern="1200">
+        <a:solidFill>
+          <a:schemeClr val="tx1"/>
+        </a:solidFill>
+        <a:latin typeface="+mn-lt"/>
+        <a:ea typeface="+mn-ea"/>
+        <a:cs typeface="+mn-cs"/>
+      </a:defRPr>
+    </a:lvl3pPr>
+    <a:lvl4pPr marL="1371600" algn="l" defTabSz="457200" rtl="0" eaLnBrk="1" latinLnBrk="0" hangingPunct="1">
+      <a:defRPr sz="1200" kern="1200">
+        <a:solidFill>
+          <a:schemeClr val="tx1"/>
+        </a:solidFill>
+        <a:latin typeface="+mn-lt"/>
+        <a:ea typeface="+mn-ea"/>
+        <a:cs typeface="+mn-cs"/>
+      </a:defRPr>
+    </a:lvl4pPr>
+    <a:lvl5pPr marL="1828800" algn="l" defTabSz="457200" rtl="0" eaLnBrk="1" latinLnBrk="0" hangingPunct="1">
+      <a:defRPr sz="1200" kern="1200">
+        <a:solidFill>
+          <a:schemeClr val="tx1"/>
+        </a:solidFill>
+        <a:latin typeface="+mn-lt"/>
+        <a:ea typeface="+mn-ea"/>
+        <a:cs typeface="+mn-cs"/>
+      </a:defRPr>
+    </a:lvl5pPr>
+    <a:lvl6pPr marL="2286000" algn="l" defTabSz="457200" rtl="0" eaLnBrk="1" latinLnBrk="0" hangingPunct="1">
+      <a:defRPr sz="1200" kern="1200">
+        <a:solidFill>
+          <a:schemeClr val="tx1"/>
+        </a:solidFill>
+        <a:latin typeface="+mn-lt"/>
+        <a:ea typeface="+mn-ea"/>
+        <a:cs typeface="+mn-cs"/>
+      </a:defRPr>
+    </a:lvl6pPr>
+    <a:lvl7pPr marL="2743200" algn="l" defTabSz="457200" rtl="0" eaLnBrk="1" latinLnBrk="0" hangingPunct="1">
+      <a:defRPr sz="1200" kern="1200">
+        <a:solidFill>
+          <a:schemeClr val="tx1"/>
+        </a:solidFill>
+        <a:latin typeface="+mn-lt"/>
+        <a:ea typeface="+mn-ea"/>
+        <a:cs typeface="+mn-cs"/>
+      </a:defRPr>
+    </a:lvl7pPr>
+    <a:lvl8pPr marL="3200400" algn="l" defTabSz="457200" rtl="0" eaLnBrk="1" latinLnBrk="0" hangingPunct="1">
+      <a:defRPr sz="1200" kern="1200">
+        <a:solidFill>
+          <a:schemeClr val="tx1"/>
+        </a:solidFill>
+        <a:latin typeface="+mn-lt"/>
+        <a:ea typeface="+mn-ea"/>
+        <a:cs typeface="+mn-cs"/>
+      </a:defRPr>
+    </a:lvl8pPr>
+    <a:lvl9pPr marL="3657600" algn="l" defTabSz="457200" rtl="0" eaLnBrk="1" latinLnBrk="0" hangingPunct="1">
+      <a:defRPr sz="1200" kern="1200">
+        <a:solidFill>
+          <a:schemeClr val="tx1"/>
+        </a:solidFill>
+        <a:latin typeface="+mn-lt"/>
+        <a:ea typeface="+mn-ea"/>
+        <a:cs typeface="+mn-cs"/>
+      </a:defRPr>
+    </a:lvl9pPr>
+  </p:notesStyle>
+</p:notesMaster>
+</file>
+
+<file path=ppt/notesSlides/notesSlide1.xml><?xml version="1.0" encoding="utf-8"?>
+<p:notes xmlns:a="http://schemas.openxmlformats.org/drawingml/2006/main" xmlns:r="http://schemas.openxmlformats.org/officeDocument/2006/relationships" xmlns:p="http://schemas.openxmlformats.org/presentationml/2006/main">
+  <p:cSld>
+    <p:spTree>
+      <p:nvGrpSpPr>
+        <p:cNvPr id="1" name=""/>
+        <p:cNvGrpSpPr/>
+        <p:nvPr/>
+      </p:nvGrpSpPr>
+      <p:grpSpPr>
+        <a:xfrm>
+          <a:off x="0" y="0"/>
+          <a:ext cx="0" cy="0"/>
+          <a:chOff x="0" y="0"/>
+          <a:chExt cx="0" cy="0"/>
+        </a:xfrm>
+      </p:grpSpPr>
+      <p:sp>
+        <p:nvSpPr>
+          <p:cNvPr id="2" name="Slide Image Placeholder 1"/>
+          <p:cNvSpPr>
+            <a:spLocks noGrp="1" noRot="1" noChangeAspect="1"/>
+          </p:cNvSpPr>
+          <p:nvPr>
+            <p:ph type="sldImg"/>
+          </p:nvPr>
+        </p:nvSpPr>
+        <p:spPr/>
+      </p:sp>
+      <p:sp>
+        <p:nvSpPr>
+          <p:cNvPr id="3" name="Notes Placeholder 2"/>
+          <p:cNvSpPr>
+            <a:spLocks noGrp="1"/>
+          </p:cNvSpPr>
+          <p:nvPr>
+            <p:ph type="body" idx="1"/>
+          </p:nvPr>
+        </p:nvSpPr>
+        <p:spPr/>
+        <p:txBody>
+          <a:bodyPr/>
+          <a:lstStyle/>
+          <a:p>
+            <a:r>
+              <a:rPr lang="en-US" dirty="0" smtClean="0"/>
+              <a:t>Ben</a:t>
+            </a:r>
+            <a:endParaRPr lang="en-US" dirty="0"/>
+          </a:p>
+        </p:txBody>
+      </p:sp>
+      <p:sp>
+        <p:nvSpPr>
+          <p:cNvPr id="4" name="Slide Number Placeholder 3"/>
+          <p:cNvSpPr>
+            <a:spLocks noGrp="1"/>
+          </p:cNvSpPr>
+          <p:nvPr>
+            <p:ph type="sldNum" sz="quarter" idx="10"/>
+          </p:nvPr>
+        </p:nvSpPr>
+        <p:spPr/>
+        <p:txBody>
+          <a:bodyPr/>
+          <a:lstStyle/>
+          <a:p>
+            <a:fld id="{0189621E-F917-C743-B017-A0FB825FE7E5}" type="slidenum">
+              <a:rPr lang="en-US" smtClean="0"/>
+              <a:t>1</a:t>
+            </a:fld>
+            <a:endParaRPr lang="en-US"/>
+          </a:p>
+        </p:txBody>
+      </p:sp>
+    </p:spTree>
+    <p:extLst>
+      <p:ext uri="{BB962C8B-B14F-4D97-AF65-F5344CB8AC3E}">
+        <p14:creationId xmlns:p14="http://schemas.microsoft.com/office/powerpoint/2010/main" val="145405065"/>
+      </p:ext>
+    </p:extLst>
+  </p:cSld>
+  <p:clrMapOvr>
+    <a:masterClrMapping/>
+  </p:clrMapOvr>
+</p:notes>
+</file>
+
+<file path=ppt/notesSlides/notesSlide10.xml><?xml version="1.0" encoding="utf-8"?>
+<p:notes xmlns:a="http://schemas.openxmlformats.org/drawingml/2006/main" xmlns:r="http://schemas.openxmlformats.org/officeDocument/2006/relationships" xmlns:p="http://schemas.openxmlformats.org/presentationml/2006/main">
+  <p:cSld>
+    <p:spTree>
+      <p:nvGrpSpPr>
+        <p:cNvPr id="1" name=""/>
+        <p:cNvGrpSpPr/>
+        <p:nvPr/>
+      </p:nvGrpSpPr>
+      <p:grpSpPr>
+        <a:xfrm>
+          <a:off x="0" y="0"/>
+          <a:ext cx="0" cy="0"/>
+          <a:chOff x="0" y="0"/>
+          <a:chExt cx="0" cy="0"/>
+        </a:xfrm>
+      </p:grpSpPr>
+      <p:sp>
+        <p:nvSpPr>
+          <p:cNvPr id="2" name="Slide Image Placeholder 1"/>
+          <p:cNvSpPr>
+            <a:spLocks noGrp="1" noRot="1" noChangeAspect="1"/>
+          </p:cNvSpPr>
+          <p:nvPr>
+            <p:ph type="sldImg"/>
+          </p:nvPr>
+        </p:nvSpPr>
+        <p:spPr/>
+      </p:sp>
+      <p:sp>
+        <p:nvSpPr>
+          <p:cNvPr id="3" name="Notes Placeholder 2"/>
+          <p:cNvSpPr>
+            <a:spLocks noGrp="1"/>
+          </p:cNvSpPr>
+          <p:nvPr>
+            <p:ph type="body" idx="1"/>
+          </p:nvPr>
+        </p:nvSpPr>
+        <p:spPr/>
+        <p:txBody>
+          <a:bodyPr/>
+          <a:lstStyle/>
+          <a:p>
+            <a:r>
+              <a:rPr lang="en-US" dirty="0" smtClean="0"/>
+              <a:t>Lloyd</a:t>
+            </a:r>
+            <a:endParaRPr lang="en-US" dirty="0"/>
+          </a:p>
+        </p:txBody>
+      </p:sp>
+      <p:sp>
+        <p:nvSpPr>
+          <p:cNvPr id="4" name="Slide Number Placeholder 3"/>
+          <p:cNvSpPr>
+            <a:spLocks noGrp="1"/>
+          </p:cNvSpPr>
+          <p:nvPr>
+            <p:ph type="sldNum" sz="quarter" idx="10"/>
+          </p:nvPr>
+        </p:nvSpPr>
+        <p:spPr/>
+        <p:txBody>
+          <a:bodyPr/>
+          <a:lstStyle/>
+          <a:p>
+            <a:fld id="{0189621E-F917-C743-B017-A0FB825FE7E5}" type="slidenum">
+              <a:rPr lang="en-US" smtClean="0"/>
+              <a:t>10</a:t>
+            </a:fld>
+            <a:endParaRPr lang="en-US"/>
+          </a:p>
+        </p:txBody>
+      </p:sp>
+    </p:spTree>
+    <p:extLst>
+      <p:ext uri="{BB962C8B-B14F-4D97-AF65-F5344CB8AC3E}">
+        <p14:creationId xmlns:p14="http://schemas.microsoft.com/office/powerpoint/2010/main" val="2744818457"/>
+      </p:ext>
+    </p:extLst>
+  </p:cSld>
+  <p:clrMapOvr>
+    <a:masterClrMapping/>
+  </p:clrMapOvr>
+</p:notes>
+</file>
+
+<file path=ppt/notesSlides/notesSlide11.xml><?xml version="1.0" encoding="utf-8"?>
+<p:notes xmlns:a="http://schemas.openxmlformats.org/drawingml/2006/main" xmlns:r="http://schemas.openxmlformats.org/officeDocument/2006/relationships" xmlns:p="http://schemas.openxmlformats.org/presentationml/2006/main">
+  <p:cSld>
+    <p:spTree>
+      <p:nvGrpSpPr>
+        <p:cNvPr id="1" name=""/>
+        <p:cNvGrpSpPr/>
+        <p:nvPr/>
+      </p:nvGrpSpPr>
+      <p:grpSpPr>
+        <a:xfrm>
+          <a:off x="0" y="0"/>
+          <a:ext cx="0" cy="0"/>
+          <a:chOff x="0" y="0"/>
+          <a:chExt cx="0" cy="0"/>
+        </a:xfrm>
+      </p:grpSpPr>
+      <p:sp>
+        <p:nvSpPr>
+          <p:cNvPr id="2" name="Slide Image Placeholder 1"/>
+          <p:cNvSpPr>
+            <a:spLocks noGrp="1" noRot="1" noChangeAspect="1"/>
+          </p:cNvSpPr>
+          <p:nvPr>
+            <p:ph type="sldImg"/>
+          </p:nvPr>
+        </p:nvSpPr>
+        <p:spPr/>
+      </p:sp>
+      <p:sp>
+        <p:nvSpPr>
+          <p:cNvPr id="3" name="Notes Placeholder 2"/>
+          <p:cNvSpPr>
+            <a:spLocks noGrp="1"/>
+          </p:cNvSpPr>
+          <p:nvPr>
+            <p:ph type="body" idx="1"/>
+          </p:nvPr>
+        </p:nvSpPr>
+        <p:spPr/>
+        <p:txBody>
+          <a:bodyPr/>
+          <a:lstStyle/>
+          <a:p>
+            <a:r>
+              <a:rPr lang="en-US" dirty="0" err="1" smtClean="0"/>
+              <a:t>Coakley</a:t>
+            </a:r>
+            <a:endParaRPr lang="en-US" dirty="0"/>
+          </a:p>
+        </p:txBody>
+      </p:sp>
+      <p:sp>
+        <p:nvSpPr>
+          <p:cNvPr id="4" name="Slide Number Placeholder 3"/>
+          <p:cNvSpPr>
+            <a:spLocks noGrp="1"/>
+          </p:cNvSpPr>
+          <p:nvPr>
+            <p:ph type="sldNum" sz="quarter" idx="10"/>
+          </p:nvPr>
+        </p:nvSpPr>
+        <p:spPr/>
+        <p:txBody>
+          <a:bodyPr/>
+          <a:lstStyle/>
+          <a:p>
+            <a:fld id="{0189621E-F917-C743-B017-A0FB825FE7E5}" type="slidenum">
+              <a:rPr lang="en-US" smtClean="0"/>
+              <a:t>11</a:t>
+            </a:fld>
+            <a:endParaRPr lang="en-US"/>
+          </a:p>
+        </p:txBody>
+      </p:sp>
+    </p:spTree>
+    <p:extLst>
+      <p:ext uri="{BB962C8B-B14F-4D97-AF65-F5344CB8AC3E}">
+        <p14:creationId xmlns:p14="http://schemas.microsoft.com/office/powerpoint/2010/main" val="289625784"/>
+      </p:ext>
+    </p:extLst>
+  </p:cSld>
+  <p:clrMapOvr>
+    <a:masterClrMapping/>
+  </p:clrMapOvr>
+</p:notes>
+</file>
+
+<file path=ppt/notesSlides/notesSlide12.xml><?xml version="1.0" encoding="utf-8"?>
+<p:notes xmlns:a="http://schemas.openxmlformats.org/drawingml/2006/main" xmlns:r="http://schemas.openxmlformats.org/officeDocument/2006/relationships" xmlns:p="http://schemas.openxmlformats.org/presentationml/2006/main">
+  <p:cSld>
+    <p:spTree>
+      <p:nvGrpSpPr>
+        <p:cNvPr id="1" name=""/>
+        <p:cNvGrpSpPr/>
+        <p:nvPr/>
+      </p:nvGrpSpPr>
+      <p:grpSpPr>
+        <a:xfrm>
+          <a:off x="0" y="0"/>
+          <a:ext cx="0" cy="0"/>
+          <a:chOff x="0" y="0"/>
+          <a:chExt cx="0" cy="0"/>
+        </a:xfrm>
+      </p:grpSpPr>
+      <p:sp>
+        <p:nvSpPr>
+          <p:cNvPr id="2" name="Slide Image Placeholder 1"/>
+          <p:cNvSpPr>
+            <a:spLocks noGrp="1" noRot="1" noChangeAspect="1"/>
+          </p:cNvSpPr>
+          <p:nvPr>
+            <p:ph type="sldImg"/>
+          </p:nvPr>
+        </p:nvSpPr>
+        <p:spPr/>
+      </p:sp>
+      <p:sp>
+        <p:nvSpPr>
+          <p:cNvPr id="3" name="Notes Placeholder 2"/>
+          <p:cNvSpPr>
+            <a:spLocks noGrp="1"/>
+          </p:cNvSpPr>
+          <p:nvPr>
+            <p:ph type="body" idx="1"/>
+          </p:nvPr>
+        </p:nvSpPr>
+        <p:spPr/>
+        <p:txBody>
+          <a:bodyPr/>
+          <a:lstStyle/>
+          <a:p>
+            <a:r>
+              <a:rPr lang="en-US" dirty="0" err="1" smtClean="0"/>
+              <a:t>Coakley</a:t>
+            </a:r>
+            <a:endParaRPr lang="en-US" dirty="0"/>
+          </a:p>
+        </p:txBody>
+      </p:sp>
+      <p:sp>
+        <p:nvSpPr>
+          <p:cNvPr id="4" name="Slide Number Placeholder 3"/>
+          <p:cNvSpPr>
+            <a:spLocks noGrp="1"/>
+          </p:cNvSpPr>
+          <p:nvPr>
+            <p:ph type="sldNum" sz="quarter" idx="10"/>
+          </p:nvPr>
+        </p:nvSpPr>
+        <p:spPr/>
+        <p:txBody>
+          <a:bodyPr/>
+          <a:lstStyle/>
+          <a:p>
+            <a:fld id="{0189621E-F917-C743-B017-A0FB825FE7E5}" type="slidenum">
+              <a:rPr lang="en-US" smtClean="0"/>
+              <a:t>12</a:t>
+            </a:fld>
+            <a:endParaRPr lang="en-US"/>
+          </a:p>
+        </p:txBody>
+      </p:sp>
+    </p:spTree>
+    <p:extLst>
+      <p:ext uri="{BB962C8B-B14F-4D97-AF65-F5344CB8AC3E}">
+        <p14:creationId xmlns:p14="http://schemas.microsoft.com/office/powerpoint/2010/main" val="1794718581"/>
+      </p:ext>
+    </p:extLst>
+  </p:cSld>
+  <p:clrMapOvr>
+    <a:masterClrMapping/>
+  </p:clrMapOvr>
+</p:notes>
+</file>
+
+<file path=ppt/notesSlides/notesSlide13.xml><?xml version="1.0" encoding="utf-8"?>
+<p:notes xmlns:a="http://schemas.openxmlformats.org/drawingml/2006/main" xmlns:r="http://schemas.openxmlformats.org/officeDocument/2006/relationships" xmlns:p="http://schemas.openxmlformats.org/presentationml/2006/main">
+  <p:cSld>
+    <p:spTree>
+      <p:nvGrpSpPr>
+        <p:cNvPr id="1" name=""/>
+        <p:cNvGrpSpPr/>
+        <p:nvPr/>
+      </p:nvGrpSpPr>
+      <p:grpSpPr>
+        <a:xfrm>
+          <a:off x="0" y="0"/>
+          <a:ext cx="0" cy="0"/>
+          <a:chOff x="0" y="0"/>
+          <a:chExt cx="0" cy="0"/>
+        </a:xfrm>
+      </p:grpSpPr>
+      <p:sp>
+        <p:nvSpPr>
+          <p:cNvPr id="2" name="Slide Image Placeholder 1"/>
+          <p:cNvSpPr>
+            <a:spLocks noGrp="1" noRot="1" noChangeAspect="1"/>
+          </p:cNvSpPr>
+          <p:nvPr>
+            <p:ph type="sldImg"/>
+          </p:nvPr>
+        </p:nvSpPr>
+        <p:spPr/>
+      </p:sp>
+      <p:sp>
+        <p:nvSpPr>
+          <p:cNvPr id="3" name="Notes Placeholder 2"/>
+          <p:cNvSpPr>
+            <a:spLocks noGrp="1"/>
+          </p:cNvSpPr>
+          <p:nvPr>
+            <p:ph type="body" idx="1"/>
+          </p:nvPr>
+        </p:nvSpPr>
+        <p:spPr/>
+        <p:txBody>
+          <a:bodyPr/>
+          <a:lstStyle/>
+          <a:p>
+            <a:r>
+              <a:rPr lang="en-US" dirty="0" smtClean="0"/>
+              <a:t>Ben</a:t>
+            </a:r>
+            <a:endParaRPr lang="en-US" dirty="0"/>
+          </a:p>
+        </p:txBody>
+      </p:sp>
+      <p:sp>
+        <p:nvSpPr>
+          <p:cNvPr id="4" name="Slide Number Placeholder 3"/>
+          <p:cNvSpPr>
+            <a:spLocks noGrp="1"/>
+          </p:cNvSpPr>
+          <p:nvPr>
+            <p:ph type="sldNum" sz="quarter" idx="10"/>
+          </p:nvPr>
+        </p:nvSpPr>
+        <p:spPr/>
+        <p:txBody>
+          <a:bodyPr/>
+          <a:lstStyle/>
+          <a:p>
+            <a:fld id="{0189621E-F917-C743-B017-A0FB825FE7E5}" type="slidenum">
+              <a:rPr lang="en-US" smtClean="0"/>
+              <a:t>13</a:t>
+            </a:fld>
+            <a:endParaRPr lang="en-US"/>
+          </a:p>
+        </p:txBody>
+      </p:sp>
+    </p:spTree>
+    <p:extLst>
+      <p:ext uri="{BB962C8B-B14F-4D97-AF65-F5344CB8AC3E}">
+        <p14:creationId xmlns:p14="http://schemas.microsoft.com/office/powerpoint/2010/main" val="1536673169"/>
+      </p:ext>
+    </p:extLst>
+  </p:cSld>
+  <p:clrMapOvr>
+    <a:masterClrMapping/>
+  </p:clrMapOvr>
+</p:notes>
+</file>
+
+<file path=ppt/notesSlides/notesSlide2.xml><?xml version="1.0" encoding="utf-8"?>
+<p:notes xmlns:a="http://schemas.openxmlformats.org/drawingml/2006/main" xmlns:r="http://schemas.openxmlformats.org/officeDocument/2006/relationships" xmlns:p="http://schemas.openxmlformats.org/presentationml/2006/main">
+  <p:cSld>
+    <p:spTree>
+      <p:nvGrpSpPr>
+        <p:cNvPr id="1" name=""/>
+        <p:cNvGrpSpPr/>
+        <p:nvPr/>
+      </p:nvGrpSpPr>
+      <p:grpSpPr>
+        <a:xfrm>
+          <a:off x="0" y="0"/>
+          <a:ext cx="0" cy="0"/>
+          <a:chOff x="0" y="0"/>
+          <a:chExt cx="0" cy="0"/>
+        </a:xfrm>
+      </p:grpSpPr>
+      <p:sp>
+        <p:nvSpPr>
+          <p:cNvPr id="2" name="Slide Image Placeholder 1"/>
+          <p:cNvSpPr>
+            <a:spLocks noGrp="1" noRot="1" noChangeAspect="1"/>
+          </p:cNvSpPr>
+          <p:nvPr>
+            <p:ph type="sldImg"/>
+          </p:nvPr>
+        </p:nvSpPr>
+        <p:spPr/>
+      </p:sp>
+      <p:sp>
+        <p:nvSpPr>
+          <p:cNvPr id="3" name="Notes Placeholder 2"/>
+          <p:cNvSpPr>
+            <a:spLocks noGrp="1"/>
+          </p:cNvSpPr>
+          <p:nvPr>
+            <p:ph type="body" idx="1"/>
+          </p:nvPr>
+        </p:nvSpPr>
+        <p:spPr/>
+        <p:txBody>
+          <a:bodyPr/>
+          <a:lstStyle/>
+          <a:p>
+            <a:r>
+              <a:rPr lang="en-US" dirty="0" smtClean="0"/>
+              <a:t>Ben</a:t>
+            </a:r>
+            <a:endParaRPr lang="en-US" dirty="0"/>
+          </a:p>
+        </p:txBody>
+      </p:sp>
+      <p:sp>
+        <p:nvSpPr>
+          <p:cNvPr id="4" name="Slide Number Placeholder 3"/>
+          <p:cNvSpPr>
+            <a:spLocks noGrp="1"/>
+          </p:cNvSpPr>
+          <p:nvPr>
+            <p:ph type="sldNum" sz="quarter" idx="10"/>
+          </p:nvPr>
+        </p:nvSpPr>
+        <p:spPr/>
+        <p:txBody>
+          <a:bodyPr/>
+          <a:lstStyle/>
+          <a:p>
+            <a:fld id="{0189621E-F917-C743-B017-A0FB825FE7E5}" type="slidenum">
+              <a:rPr lang="en-US" smtClean="0"/>
+              <a:t>2</a:t>
+            </a:fld>
+            <a:endParaRPr lang="en-US"/>
+          </a:p>
+        </p:txBody>
+      </p:sp>
+    </p:spTree>
+    <p:extLst>
+      <p:ext uri="{BB962C8B-B14F-4D97-AF65-F5344CB8AC3E}">
+        <p14:creationId xmlns:p14="http://schemas.microsoft.com/office/powerpoint/2010/main" val="2592908726"/>
+      </p:ext>
+    </p:extLst>
+  </p:cSld>
+  <p:clrMapOvr>
+    <a:masterClrMapping/>
+  </p:clrMapOvr>
+</p:notes>
+</file>
+
+<file path=ppt/notesSlides/notesSlide3.xml><?xml version="1.0" encoding="utf-8"?>
+<p:notes xmlns:a="http://schemas.openxmlformats.org/drawingml/2006/main" xmlns:r="http://schemas.openxmlformats.org/officeDocument/2006/relationships" xmlns:p="http://schemas.openxmlformats.org/presentationml/2006/main">
+  <p:cSld>
+    <p:spTree>
+      <p:nvGrpSpPr>
+        <p:cNvPr id="1" name=""/>
+        <p:cNvGrpSpPr/>
+        <p:nvPr/>
+      </p:nvGrpSpPr>
+      <p:grpSpPr>
+        <a:xfrm>
+          <a:off x="0" y="0"/>
+          <a:ext cx="0" cy="0"/>
+          <a:chOff x="0" y="0"/>
+          <a:chExt cx="0" cy="0"/>
+        </a:xfrm>
+      </p:grpSpPr>
+      <p:sp>
+        <p:nvSpPr>
+          <p:cNvPr id="2" name="Slide Image Placeholder 1"/>
+          <p:cNvSpPr>
+            <a:spLocks noGrp="1" noRot="1" noChangeAspect="1"/>
+          </p:cNvSpPr>
+          <p:nvPr>
+            <p:ph type="sldImg"/>
+          </p:nvPr>
+        </p:nvSpPr>
+        <p:spPr/>
+      </p:sp>
+      <p:sp>
+        <p:nvSpPr>
+          <p:cNvPr id="3" name="Notes Placeholder 2"/>
+          <p:cNvSpPr>
+            <a:spLocks noGrp="1"/>
+          </p:cNvSpPr>
+          <p:nvPr>
+            <p:ph type="body" idx="1"/>
+          </p:nvPr>
+        </p:nvSpPr>
+        <p:spPr/>
+        <p:txBody>
+          <a:bodyPr/>
+          <a:lstStyle/>
+          <a:p>
+            <a:r>
+              <a:rPr lang="en-US" dirty="0" smtClean="0"/>
+              <a:t>Ben</a:t>
+            </a:r>
+            <a:endParaRPr lang="en-US" dirty="0"/>
+          </a:p>
+        </p:txBody>
+      </p:sp>
+      <p:sp>
+        <p:nvSpPr>
+          <p:cNvPr id="4" name="Slide Number Placeholder 3"/>
+          <p:cNvSpPr>
+            <a:spLocks noGrp="1"/>
+          </p:cNvSpPr>
+          <p:nvPr>
+            <p:ph type="sldNum" sz="quarter" idx="10"/>
+          </p:nvPr>
+        </p:nvSpPr>
+        <p:spPr/>
+        <p:txBody>
+          <a:bodyPr/>
+          <a:lstStyle/>
+          <a:p>
+            <a:fld id="{0189621E-F917-C743-B017-A0FB825FE7E5}" type="slidenum">
+              <a:rPr lang="en-US" smtClean="0"/>
+              <a:t>3</a:t>
+            </a:fld>
+            <a:endParaRPr lang="en-US"/>
+          </a:p>
+        </p:txBody>
+      </p:sp>
+    </p:spTree>
+    <p:extLst>
+      <p:ext uri="{BB962C8B-B14F-4D97-AF65-F5344CB8AC3E}">
+        <p14:creationId xmlns:p14="http://schemas.microsoft.com/office/powerpoint/2010/main" val="4113480900"/>
+      </p:ext>
+    </p:extLst>
+  </p:cSld>
+  <p:clrMapOvr>
+    <a:masterClrMapping/>
+  </p:clrMapOvr>
+</p:notes>
+</file>
+
+<file path=ppt/notesSlides/notesSlide4.xml><?xml version="1.0" encoding="utf-8"?>
+<p:notes xmlns:a="http://schemas.openxmlformats.org/drawingml/2006/main" xmlns:r="http://schemas.openxmlformats.org/officeDocument/2006/relationships" xmlns:p="http://schemas.openxmlformats.org/presentationml/2006/main">
+  <p:cSld>
+    <p:spTree>
+      <p:nvGrpSpPr>
+        <p:cNvPr id="1" name=""/>
+        <p:cNvGrpSpPr/>
+        <p:nvPr/>
+      </p:nvGrpSpPr>
+      <p:grpSpPr>
+        <a:xfrm>
+          <a:off x="0" y="0"/>
+          <a:ext cx="0" cy="0"/>
+          <a:chOff x="0" y="0"/>
+          <a:chExt cx="0" cy="0"/>
+        </a:xfrm>
+      </p:grpSpPr>
+      <p:sp>
+        <p:nvSpPr>
+          <p:cNvPr id="2" name="Slide Image Placeholder 1"/>
+          <p:cNvSpPr>
+            <a:spLocks noGrp="1" noRot="1" noChangeAspect="1"/>
+          </p:cNvSpPr>
+          <p:nvPr>
+            <p:ph type="sldImg"/>
+          </p:nvPr>
+        </p:nvSpPr>
+        <p:spPr/>
+      </p:sp>
+      <p:sp>
+        <p:nvSpPr>
+          <p:cNvPr id="3" name="Notes Placeholder 2"/>
+          <p:cNvSpPr>
+            <a:spLocks noGrp="1"/>
+          </p:cNvSpPr>
+          <p:nvPr>
+            <p:ph type="body" idx="1"/>
+          </p:nvPr>
+        </p:nvSpPr>
+        <p:spPr/>
+        <p:txBody>
+          <a:bodyPr/>
+          <a:lstStyle/>
+          <a:p>
+            <a:r>
+              <a:rPr lang="en-US" dirty="0" smtClean="0"/>
+              <a:t>Robert</a:t>
+            </a:r>
+            <a:endParaRPr lang="en-US" dirty="0"/>
+          </a:p>
+        </p:txBody>
+      </p:sp>
+      <p:sp>
+        <p:nvSpPr>
+          <p:cNvPr id="4" name="Slide Number Placeholder 3"/>
+          <p:cNvSpPr>
+            <a:spLocks noGrp="1"/>
+          </p:cNvSpPr>
+          <p:nvPr>
+            <p:ph type="sldNum" sz="quarter" idx="10"/>
+          </p:nvPr>
+        </p:nvSpPr>
+        <p:spPr/>
+        <p:txBody>
+          <a:bodyPr/>
+          <a:lstStyle/>
+          <a:p>
+            <a:fld id="{0189621E-F917-C743-B017-A0FB825FE7E5}" type="slidenum">
+              <a:rPr lang="en-US" smtClean="0"/>
+              <a:t>4</a:t>
+            </a:fld>
+            <a:endParaRPr lang="en-US"/>
+          </a:p>
+        </p:txBody>
+      </p:sp>
+    </p:spTree>
+    <p:extLst>
+      <p:ext uri="{BB962C8B-B14F-4D97-AF65-F5344CB8AC3E}">
+        <p14:creationId xmlns:p14="http://schemas.microsoft.com/office/powerpoint/2010/main" val="297297974"/>
+      </p:ext>
+    </p:extLst>
+  </p:cSld>
+  <p:clrMapOvr>
+    <a:masterClrMapping/>
+  </p:clrMapOvr>
+</p:notes>
+</file>
+
+<file path=ppt/notesSlides/notesSlide5.xml><?xml version="1.0" encoding="utf-8"?>
+<p:notes xmlns:a="http://schemas.openxmlformats.org/drawingml/2006/main" xmlns:r="http://schemas.openxmlformats.org/officeDocument/2006/relationships" xmlns:p="http://schemas.openxmlformats.org/presentationml/2006/main">
+  <p:cSld>
+    <p:spTree>
+      <p:nvGrpSpPr>
+        <p:cNvPr id="1" name=""/>
+        <p:cNvGrpSpPr/>
+        <p:nvPr/>
+      </p:nvGrpSpPr>
+      <p:grpSpPr>
+        <a:xfrm>
+          <a:off x="0" y="0"/>
+          <a:ext cx="0" cy="0"/>
+          <a:chOff x="0" y="0"/>
+          <a:chExt cx="0" cy="0"/>
+        </a:xfrm>
+      </p:grpSpPr>
+      <p:sp>
+        <p:nvSpPr>
+          <p:cNvPr id="2" name="Slide Image Placeholder 1"/>
+          <p:cNvSpPr>
+            <a:spLocks noGrp="1" noRot="1" noChangeAspect="1"/>
+          </p:cNvSpPr>
+          <p:nvPr>
+            <p:ph type="sldImg"/>
+          </p:nvPr>
+        </p:nvSpPr>
+        <p:spPr/>
+      </p:sp>
+      <p:sp>
+        <p:nvSpPr>
+          <p:cNvPr id="3" name="Notes Placeholder 2"/>
+          <p:cNvSpPr>
+            <a:spLocks noGrp="1"/>
+          </p:cNvSpPr>
+          <p:nvPr>
+            <p:ph type="body" idx="1"/>
+          </p:nvPr>
+        </p:nvSpPr>
+        <p:spPr/>
+        <p:txBody>
+          <a:bodyPr/>
+          <a:lstStyle/>
+          <a:p>
+            <a:r>
+              <a:rPr lang="en-US" dirty="0" smtClean="0"/>
+              <a:t>Robert</a:t>
+            </a:r>
+            <a:endParaRPr lang="en-US" dirty="0"/>
+          </a:p>
+        </p:txBody>
+      </p:sp>
+      <p:sp>
+        <p:nvSpPr>
+          <p:cNvPr id="4" name="Slide Number Placeholder 3"/>
+          <p:cNvSpPr>
+            <a:spLocks noGrp="1"/>
+          </p:cNvSpPr>
+          <p:nvPr>
+            <p:ph type="sldNum" sz="quarter" idx="10"/>
+          </p:nvPr>
+        </p:nvSpPr>
+        <p:spPr/>
+        <p:txBody>
+          <a:bodyPr/>
+          <a:lstStyle/>
+          <a:p>
+            <a:fld id="{0189621E-F917-C743-B017-A0FB825FE7E5}" type="slidenum">
+              <a:rPr lang="en-US" smtClean="0"/>
+              <a:t>5</a:t>
+            </a:fld>
+            <a:endParaRPr lang="en-US"/>
+          </a:p>
+        </p:txBody>
+      </p:sp>
+    </p:spTree>
+    <p:extLst>
+      <p:ext uri="{BB962C8B-B14F-4D97-AF65-F5344CB8AC3E}">
+        <p14:creationId xmlns:p14="http://schemas.microsoft.com/office/powerpoint/2010/main" val="840008135"/>
+      </p:ext>
+    </p:extLst>
+  </p:cSld>
+  <p:clrMapOvr>
+    <a:masterClrMapping/>
+  </p:clrMapOvr>
+</p:notes>
+</file>
+
+<file path=ppt/notesSlides/notesSlide6.xml><?xml version="1.0" encoding="utf-8"?>
+<p:notes xmlns:a="http://schemas.openxmlformats.org/drawingml/2006/main" xmlns:r="http://schemas.openxmlformats.org/officeDocument/2006/relationships" xmlns:p="http://schemas.openxmlformats.org/presentationml/2006/main">
+  <p:cSld>
+    <p:spTree>
+      <p:nvGrpSpPr>
+        <p:cNvPr id="1" name=""/>
+        <p:cNvGrpSpPr/>
+        <p:nvPr/>
+      </p:nvGrpSpPr>
+      <p:grpSpPr>
+        <a:xfrm>
+          <a:off x="0" y="0"/>
+          <a:ext cx="0" cy="0"/>
+          <a:chOff x="0" y="0"/>
+          <a:chExt cx="0" cy="0"/>
+        </a:xfrm>
+      </p:grpSpPr>
+      <p:sp>
+        <p:nvSpPr>
+          <p:cNvPr id="2" name="Slide Image Placeholder 1"/>
+          <p:cNvSpPr>
+            <a:spLocks noGrp="1" noRot="1" noChangeAspect="1"/>
+          </p:cNvSpPr>
+          <p:nvPr>
+            <p:ph type="sldImg"/>
+          </p:nvPr>
+        </p:nvSpPr>
+        <p:spPr/>
+      </p:sp>
+      <p:sp>
+        <p:nvSpPr>
+          <p:cNvPr id="3" name="Notes Placeholder 2"/>
+          <p:cNvSpPr>
+            <a:spLocks noGrp="1"/>
+          </p:cNvSpPr>
+          <p:nvPr>
+            <p:ph type="body" idx="1"/>
+          </p:nvPr>
+        </p:nvSpPr>
+        <p:spPr/>
+        <p:txBody>
+          <a:bodyPr/>
+          <a:lstStyle/>
+          <a:p>
+            <a:r>
+              <a:rPr lang="en-US" dirty="0" smtClean="0"/>
+              <a:t>Robert</a:t>
+            </a:r>
+            <a:endParaRPr lang="en-US" dirty="0"/>
+          </a:p>
+        </p:txBody>
+      </p:sp>
+      <p:sp>
+        <p:nvSpPr>
+          <p:cNvPr id="4" name="Slide Number Placeholder 3"/>
+          <p:cNvSpPr>
+            <a:spLocks noGrp="1"/>
+          </p:cNvSpPr>
+          <p:nvPr>
+            <p:ph type="sldNum" sz="quarter" idx="10"/>
+          </p:nvPr>
+        </p:nvSpPr>
+        <p:spPr/>
+        <p:txBody>
+          <a:bodyPr/>
+          <a:lstStyle/>
+          <a:p>
+            <a:fld id="{0189621E-F917-C743-B017-A0FB825FE7E5}" type="slidenum">
+              <a:rPr lang="en-US" smtClean="0"/>
+              <a:t>6</a:t>
+            </a:fld>
+            <a:endParaRPr lang="en-US"/>
+          </a:p>
+        </p:txBody>
+      </p:sp>
+    </p:spTree>
+    <p:extLst>
+      <p:ext uri="{BB962C8B-B14F-4D97-AF65-F5344CB8AC3E}">
+        <p14:creationId xmlns:p14="http://schemas.microsoft.com/office/powerpoint/2010/main" val="1793531158"/>
+      </p:ext>
+    </p:extLst>
+  </p:cSld>
+  <p:clrMapOvr>
+    <a:masterClrMapping/>
+  </p:clrMapOvr>
+</p:notes>
+</file>
+
+<file path=ppt/notesSlides/notesSlide7.xml><?xml version="1.0" encoding="utf-8"?>
+<p:notes xmlns:a="http://schemas.openxmlformats.org/drawingml/2006/main" xmlns:r="http://schemas.openxmlformats.org/officeDocument/2006/relationships" xmlns:p="http://schemas.openxmlformats.org/presentationml/2006/main">
+  <p:cSld>
+    <p:spTree>
+      <p:nvGrpSpPr>
+        <p:cNvPr id="1" name=""/>
+        <p:cNvGrpSpPr/>
+        <p:nvPr/>
+      </p:nvGrpSpPr>
+      <p:grpSpPr>
+        <a:xfrm>
+          <a:off x="0" y="0"/>
+          <a:ext cx="0" cy="0"/>
+          <a:chOff x="0" y="0"/>
+          <a:chExt cx="0" cy="0"/>
+        </a:xfrm>
+      </p:grpSpPr>
+      <p:sp>
+        <p:nvSpPr>
+          <p:cNvPr id="2" name="Slide Image Placeholder 1"/>
+          <p:cNvSpPr>
+            <a:spLocks noGrp="1" noRot="1" noChangeAspect="1"/>
+          </p:cNvSpPr>
+          <p:nvPr>
+            <p:ph type="sldImg"/>
+          </p:nvPr>
+        </p:nvSpPr>
+        <p:spPr/>
+      </p:sp>
+      <p:sp>
+        <p:nvSpPr>
+          <p:cNvPr id="3" name="Notes Placeholder 2"/>
+          <p:cNvSpPr>
+            <a:spLocks noGrp="1"/>
+          </p:cNvSpPr>
+          <p:nvPr>
+            <p:ph type="body" idx="1"/>
+          </p:nvPr>
+        </p:nvSpPr>
+        <p:spPr/>
+        <p:txBody>
+          <a:bodyPr/>
+          <a:lstStyle/>
+          <a:p>
+            <a:r>
+              <a:rPr lang="en-US" dirty="0" smtClean="0"/>
+              <a:t>Lloyd</a:t>
+            </a:r>
+            <a:endParaRPr lang="en-US" dirty="0"/>
+          </a:p>
+        </p:txBody>
+      </p:sp>
+      <p:sp>
+        <p:nvSpPr>
+          <p:cNvPr id="4" name="Slide Number Placeholder 3"/>
+          <p:cNvSpPr>
+            <a:spLocks noGrp="1"/>
+          </p:cNvSpPr>
+          <p:nvPr>
+            <p:ph type="sldNum" sz="quarter" idx="10"/>
+          </p:nvPr>
+        </p:nvSpPr>
+        <p:spPr/>
+        <p:txBody>
+          <a:bodyPr/>
+          <a:lstStyle/>
+          <a:p>
+            <a:fld id="{0189621E-F917-C743-B017-A0FB825FE7E5}" type="slidenum">
+              <a:rPr lang="en-US" smtClean="0"/>
+              <a:t>7</a:t>
+            </a:fld>
+            <a:endParaRPr lang="en-US"/>
+          </a:p>
+        </p:txBody>
+      </p:sp>
+    </p:spTree>
+    <p:extLst>
+      <p:ext uri="{BB962C8B-B14F-4D97-AF65-F5344CB8AC3E}">
+        <p14:creationId xmlns:p14="http://schemas.microsoft.com/office/powerpoint/2010/main" val="4133581437"/>
+      </p:ext>
+    </p:extLst>
+  </p:cSld>
+  <p:clrMapOvr>
+    <a:masterClrMapping/>
+  </p:clrMapOvr>
+</p:notes>
+</file>
+
+<file path=ppt/notesSlides/notesSlide8.xml><?xml version="1.0" encoding="utf-8"?>
+<p:notes xmlns:a="http://schemas.openxmlformats.org/drawingml/2006/main" xmlns:r="http://schemas.openxmlformats.org/officeDocument/2006/relationships" xmlns:p="http://schemas.openxmlformats.org/presentationml/2006/main">
+  <p:cSld>
+    <p:spTree>
+      <p:nvGrpSpPr>
+        <p:cNvPr id="1" name=""/>
+        <p:cNvGrpSpPr/>
+        <p:nvPr/>
+      </p:nvGrpSpPr>
+      <p:grpSpPr>
+        <a:xfrm>
+          <a:off x="0" y="0"/>
+          <a:ext cx="0" cy="0"/>
+          <a:chOff x="0" y="0"/>
+          <a:chExt cx="0" cy="0"/>
+        </a:xfrm>
+      </p:grpSpPr>
+      <p:sp>
+        <p:nvSpPr>
+          <p:cNvPr id="2" name="Slide Image Placeholder 1"/>
+          <p:cNvSpPr>
+            <a:spLocks noGrp="1" noRot="1" noChangeAspect="1"/>
+          </p:cNvSpPr>
+          <p:nvPr>
+            <p:ph type="sldImg"/>
+          </p:nvPr>
+        </p:nvSpPr>
+        <p:spPr/>
+      </p:sp>
+      <p:sp>
+        <p:nvSpPr>
+          <p:cNvPr id="3" name="Notes Placeholder 2"/>
+          <p:cNvSpPr>
+            <a:spLocks noGrp="1"/>
+          </p:cNvSpPr>
+          <p:nvPr>
+            <p:ph type="body" idx="1"/>
+          </p:nvPr>
+        </p:nvSpPr>
+        <p:spPr/>
+        <p:txBody>
+          <a:bodyPr/>
+          <a:lstStyle/>
+          <a:p>
+            <a:r>
+              <a:rPr lang="en-US" dirty="0" smtClean="0"/>
+              <a:t>Ahmed</a:t>
+            </a:r>
+            <a:endParaRPr lang="en-US" dirty="0"/>
+          </a:p>
+        </p:txBody>
+      </p:sp>
+      <p:sp>
+        <p:nvSpPr>
+          <p:cNvPr id="4" name="Slide Number Placeholder 3"/>
+          <p:cNvSpPr>
+            <a:spLocks noGrp="1"/>
+          </p:cNvSpPr>
+          <p:nvPr>
+            <p:ph type="sldNum" sz="quarter" idx="10"/>
+          </p:nvPr>
+        </p:nvSpPr>
+        <p:spPr/>
+        <p:txBody>
+          <a:bodyPr/>
+          <a:lstStyle/>
+          <a:p>
+            <a:fld id="{0189621E-F917-C743-B017-A0FB825FE7E5}" type="slidenum">
+              <a:rPr lang="en-US" smtClean="0"/>
+              <a:t>8</a:t>
+            </a:fld>
+            <a:endParaRPr lang="en-US"/>
+          </a:p>
+        </p:txBody>
+      </p:sp>
+    </p:spTree>
+    <p:extLst>
+      <p:ext uri="{BB962C8B-B14F-4D97-AF65-F5344CB8AC3E}">
+        <p14:creationId xmlns:p14="http://schemas.microsoft.com/office/powerpoint/2010/main" val="4155914258"/>
+      </p:ext>
+    </p:extLst>
+  </p:cSld>
+  <p:clrMapOvr>
+    <a:masterClrMapping/>
+  </p:clrMapOvr>
+</p:notes>
+</file>
+
+<file path=ppt/notesSlides/notesSlide9.xml><?xml version="1.0" encoding="utf-8"?>
+<p:notes xmlns:a="http://schemas.openxmlformats.org/drawingml/2006/main" xmlns:r="http://schemas.openxmlformats.org/officeDocument/2006/relationships" xmlns:p="http://schemas.openxmlformats.org/presentationml/2006/main">
+  <p:cSld>
+    <p:spTree>
+      <p:nvGrpSpPr>
+        <p:cNvPr id="1" name=""/>
+        <p:cNvGrpSpPr/>
+        <p:nvPr/>
+      </p:nvGrpSpPr>
+      <p:grpSpPr>
+        <a:xfrm>
+          <a:off x="0" y="0"/>
+          <a:ext cx="0" cy="0"/>
+          <a:chOff x="0" y="0"/>
+          <a:chExt cx="0" cy="0"/>
+        </a:xfrm>
+      </p:grpSpPr>
+      <p:sp>
+        <p:nvSpPr>
+          <p:cNvPr id="2" name="Slide Image Placeholder 1"/>
+          <p:cNvSpPr>
+            <a:spLocks noGrp="1" noRot="1" noChangeAspect="1"/>
+          </p:cNvSpPr>
+          <p:nvPr>
+            <p:ph type="sldImg"/>
+          </p:nvPr>
+        </p:nvSpPr>
+        <p:spPr/>
+      </p:sp>
+      <p:sp>
+        <p:nvSpPr>
+          <p:cNvPr id="3" name="Notes Placeholder 2"/>
+          <p:cNvSpPr>
+            <a:spLocks noGrp="1"/>
+          </p:cNvSpPr>
+          <p:nvPr>
+            <p:ph type="body" idx="1"/>
+          </p:nvPr>
+        </p:nvSpPr>
+        <p:spPr/>
+        <p:txBody>
+          <a:bodyPr/>
+          <a:lstStyle/>
+          <a:p>
+            <a:r>
+              <a:rPr lang="en-US" dirty="0" err="1" smtClean="0"/>
+              <a:t>Coakley</a:t>
+            </a:r>
+            <a:endParaRPr lang="en-US" dirty="0"/>
+          </a:p>
+        </p:txBody>
+      </p:sp>
+      <p:sp>
+        <p:nvSpPr>
+          <p:cNvPr id="4" name="Slide Number Placeholder 3"/>
+          <p:cNvSpPr>
+            <a:spLocks noGrp="1"/>
+          </p:cNvSpPr>
+          <p:nvPr>
+            <p:ph type="sldNum" sz="quarter" idx="10"/>
+          </p:nvPr>
+        </p:nvSpPr>
+        <p:spPr/>
+        <p:txBody>
+          <a:bodyPr/>
+          <a:lstStyle/>
+          <a:p>
+            <a:fld id="{0189621E-F917-C743-B017-A0FB825FE7E5}" type="slidenum">
+              <a:rPr lang="en-US" smtClean="0"/>
+              <a:t>9</a:t>
+            </a:fld>
+            <a:endParaRPr lang="en-US"/>
+          </a:p>
+        </p:txBody>
+      </p:sp>
+    </p:spTree>
+    <p:extLst>
+      <p:ext uri="{BB962C8B-B14F-4D97-AF65-F5344CB8AC3E}">
+        <p14:creationId xmlns:p14="http://schemas.microsoft.com/office/powerpoint/2010/main" val="4057598852"/>
+      </p:ext>
+    </p:extLst>
+  </p:cSld>
+  <p:clrMapOvr>
+    <a:masterClrMapping/>
+  </p:clrMapOvr>
+</p:notes>
 </file>
 
 <file path=ppt/slideLayouts/slideLayout1.xml><?xml version="1.0" encoding="utf-8"?>
@@ -3792,26 +5291,102 @@
       </p:sp>
       <p:sp>
         <p:nvSpPr>
-          <p:cNvPr id="3" name="Content Placeholder 2"/>
-          <p:cNvSpPr>
-            <a:spLocks noGrp="1"/>
-          </p:cNvSpPr>
-          <p:nvPr>
-            <p:ph idx="1"/>
-          </p:nvPr>
-        </p:nvSpPr>
-        <p:spPr/>
-        <p:txBody>
-          <a:bodyPr/>
+          <p:cNvPr id="9" name="TextBox 8"/>
+          <p:cNvSpPr txBox="1"/>
+          <p:nvPr/>
+        </p:nvSpPr>
+        <p:spPr>
+          <a:xfrm>
+            <a:off x="8312399" y="707085"/>
+            <a:ext cx="184666" cy="369332"/>
+          </a:xfrm>
+          <a:prstGeom prst="rect">
+            <a:avLst/>
+          </a:prstGeom>
+          <a:noFill/>
+        </p:spPr>
+        <p:txBody>
+          <a:bodyPr wrap="none" rtlCol="0">
+            <a:spAutoFit/>
+          </a:bodyPr>
           <a:lstStyle/>
           <a:p>
-            <a:pPr marL="36576" indent="0">
-              <a:buNone/>
-            </a:pPr>
             <a:endParaRPr lang="en-US" dirty="0"/>
           </a:p>
         </p:txBody>
       </p:sp>
+      <p:pic>
+        <p:nvPicPr>
+          <p:cNvPr id="12" name="Picture 11"/>
+          <p:cNvPicPr>
+            <a:picLocks noChangeAspect="1"/>
+          </p:cNvPicPr>
+          <p:nvPr/>
+        </p:nvPicPr>
+        <p:blipFill>
+          <a:blip r:embed="rId3"/>
+          <a:stretch>
+            <a:fillRect/>
+          </a:stretch>
+        </p:blipFill>
+        <p:spPr>
+          <a:xfrm>
+            <a:off x="5038294" y="129873"/>
+            <a:ext cx="3896412" cy="2929351"/>
+          </a:xfrm>
+          <a:prstGeom prst="rect">
+            <a:avLst/>
+          </a:prstGeom>
+        </p:spPr>
+      </p:pic>
+      <p:pic>
+        <p:nvPicPr>
+          <p:cNvPr id="13" name="Picture 12"/>
+          <p:cNvPicPr>
+            <a:picLocks noChangeAspect="1"/>
+          </p:cNvPicPr>
+          <p:nvPr/>
+        </p:nvPicPr>
+        <p:blipFill>
+          <a:blip r:embed="rId4"/>
+          <a:stretch>
+            <a:fillRect/>
+          </a:stretch>
+        </p:blipFill>
+        <p:spPr>
+          <a:xfrm>
+            <a:off x="317488" y="1990339"/>
+            <a:ext cx="3939731" cy="3856789"/>
+          </a:xfrm>
+          <a:prstGeom prst="rect">
+            <a:avLst/>
+          </a:prstGeom>
+        </p:spPr>
+      </p:pic>
+      <p:pic>
+        <p:nvPicPr>
+          <p:cNvPr id="14" name="Picture 13"/>
+          <p:cNvPicPr>
+            <a:picLocks noChangeAspect="1"/>
+          </p:cNvPicPr>
+          <p:nvPr/>
+        </p:nvPicPr>
+        <p:blipFill>
+          <a:blip r:embed="rId5"/>
+          <a:stretch>
+            <a:fillRect/>
+          </a:stretch>
+        </p:blipFill>
+        <p:spPr>
+          <a:xfrm>
+            <a:off x="5146266" y="3189678"/>
+            <a:ext cx="3788440" cy="3668322"/>
+          </a:xfrm>
+          <a:prstGeom prst="rect">
+            <a:avLst/>
+          </a:prstGeom>
+        </p:spPr>
+      </p:pic>
     </p:spTree>
     <p:extLst>
       <p:ext uri="{BB962C8B-B14F-4D97-AF65-F5344CB8AC3E}">
@@ -3865,8 +5440,16 @@
           <a:lstStyle/>
           <a:p>
             <a:r>
+              <a:rPr lang="en-US" dirty="0"/>
+              <a:t>Use </a:t>
+            </a:r>
+            <a:r>
               <a:rPr lang="en-US" dirty="0" smtClean="0"/>
-              <a:t>Use Case Specifications</a:t>
+              <a:t>Case: </a:t>
+            </a:r>
+            <a:r>
+              <a:rPr lang="en-US" dirty="0"/>
+              <a:t>Turning Car Off</a:t>
             </a:r>
             <a:endParaRPr lang="en-US" dirty="0"/>
           </a:p>
@@ -3884,14 +5467,98 @@
         </p:nvSpPr>
         <p:spPr/>
         <p:txBody>
-          <a:bodyPr/>
+          <a:bodyPr>
+            <a:normAutofit fontScale="62500" lnSpcReduction="20000"/>
+          </a:bodyPr>
           <a:lstStyle/>
           <a:p>
             <a:r>
-              <a:rPr lang="en-US" dirty="0" smtClean="0"/>
-              <a:t>Use Case Specifications</a:t>
-            </a:r>
-            <a:endParaRPr lang="en-US" dirty="0"/>
+              <a:rPr lang="en-US" dirty="0"/>
+              <a:t>Use Cases: Turning Car Off</a:t>
+            </a:r>
+          </a:p>
+          <a:p>
+            <a:r>
+              <a:rPr lang="en-US" dirty="0"/>
+              <a:t>Goal in Context: To turn off the car</a:t>
+            </a:r>
+          </a:p>
+          <a:p>
+            <a:r>
+              <a:rPr lang="en-US" dirty="0" err="1"/>
+              <a:t>Preconditons</a:t>
+            </a:r>
+            <a:r>
+              <a:rPr lang="en-US" dirty="0"/>
+              <a:t>: The car is on and has a speed value of zero</a:t>
+            </a:r>
+          </a:p>
+          <a:p>
+            <a:r>
+              <a:rPr lang="en-US" dirty="0"/>
+              <a:t>Trigger: The user wants to turn off the car</a:t>
+            </a:r>
+          </a:p>
+          <a:p>
+            <a:r>
+              <a:rPr lang="en-US" dirty="0"/>
+              <a:t>Scenario:</a:t>
+            </a:r>
+          </a:p>
+          <a:p>
+            <a:pPr lvl="0"/>
+            <a:r>
+              <a:rPr lang="en-US" dirty="0"/>
+              <a:t>The user presses the off button. The car turns off.</a:t>
+            </a:r>
+          </a:p>
+          <a:p>
+            <a:r>
+              <a:rPr lang="en-US" dirty="0"/>
+              <a:t>Exceptions: None</a:t>
+            </a:r>
+          </a:p>
+          <a:p>
+            <a:r>
+              <a:rPr lang="en-US" dirty="0"/>
+              <a:t>Priorities: Essential must be implemented</a:t>
+            </a:r>
+          </a:p>
+          <a:p>
+            <a:r>
+              <a:rPr lang="en-US" dirty="0"/>
+              <a:t>When Available: First iteration</a:t>
+            </a:r>
+          </a:p>
+          <a:p>
+            <a:r>
+              <a:rPr lang="en-US" dirty="0"/>
+              <a:t>Frequency of Use: Once during a session</a:t>
+            </a:r>
+          </a:p>
+          <a:p>
+            <a:r>
+              <a:rPr lang="en-US" dirty="0"/>
+              <a:t>Channel to actor: Through GUI</a:t>
+            </a:r>
+          </a:p>
+          <a:p>
+            <a:r>
+              <a:rPr lang="en-US" dirty="0"/>
+              <a:t>Secondary Actors: None</a:t>
+            </a:r>
+          </a:p>
+          <a:p>
+            <a:r>
+              <a:rPr lang="en-US" dirty="0"/>
+              <a:t>Channels to secondary actors: None</a:t>
+            </a:r>
+          </a:p>
+          <a:p>
+            <a:r>
+              <a:rPr lang="en-US" dirty="0"/>
+              <a:t>Open Issue: None</a:t>
+            </a:r>
           </a:p>
         </p:txBody>
       </p:sp>
@@ -3944,12 +5611,18 @@
         </p:nvSpPr>
         <p:spPr/>
         <p:txBody>
-          <a:bodyPr/>
+          <a:bodyPr>
+            <a:normAutofit/>
+          </a:bodyPr>
           <a:lstStyle/>
           <a:p>
             <a:r>
+              <a:rPr lang="en-US" dirty="0"/>
+              <a:t>Use </a:t>
+            </a:r>
+            <a:r>
               <a:rPr lang="en-US" dirty="0" smtClean="0"/>
-              <a:t>Design 1</a:t>
+              <a:t>Case: Accelerate</a:t>
             </a:r>
             <a:endParaRPr lang="en-US" dirty="0"/>
           </a:p>
@@ -3965,36 +5638,135 @@
             <p:ph idx="1"/>
           </p:nvPr>
         </p:nvSpPr>
-        <p:spPr/>
-        <p:txBody>
-          <a:bodyPr/>
+        <p:spPr>
+          <a:xfrm>
+            <a:off x="457200" y="1600200"/>
+            <a:ext cx="7467600" cy="4980017"/>
+          </a:xfrm>
+        </p:spPr>
+        <p:txBody>
+          <a:bodyPr>
+            <a:normAutofit fontScale="47500" lnSpcReduction="20000"/>
+          </a:bodyPr>
           <a:lstStyle/>
           <a:p>
-            <a:endParaRPr lang="en-US" dirty="0" smtClean="0"/>
-          </a:p>
-          <a:p>
             <a:r>
               <a:rPr lang="en-US" dirty="0" smtClean="0"/>
-              <a:t>Consumption of fuel as a function of acceleration plus a constant</a:t>
-            </a:r>
-          </a:p>
-          <a:p>
-            <a:r>
-              <a:rPr lang="en-US" dirty="0" smtClean="0"/>
-              <a:t>Use files to log data sets</a:t>
-            </a:r>
-          </a:p>
-          <a:p>
-            <a:r>
-              <a:rPr lang="en-US" dirty="0" smtClean="0"/>
-              <a:t>Cap car speed</a:t>
-            </a:r>
-          </a:p>
-          <a:p>
-            <a:r>
-              <a:rPr lang="en-US" dirty="0" smtClean="0"/>
-              <a:t>Acceleration is capped and is based off the delta between current and desired speed</a:t>
-            </a:r>
+              <a:t>Primary </a:t>
+            </a:r>
+            <a:r>
+              <a:rPr lang="en-US" dirty="0"/>
+              <a:t>Actor: User</a:t>
+            </a:r>
+          </a:p>
+          <a:p>
+            <a:r>
+              <a:rPr lang="en-US" dirty="0"/>
+              <a:t>Goal in Context: To make the car go faster.</a:t>
+            </a:r>
+          </a:p>
+          <a:p>
+            <a:r>
+              <a:rPr lang="en-US" dirty="0"/>
+              <a:t>Preconditions: The car must be on</a:t>
+            </a:r>
+          </a:p>
+          <a:p>
+            <a:r>
+              <a:rPr lang="en-US" dirty="0"/>
+              <a:t>Trigger: The user wants the car to accelerate.</a:t>
+            </a:r>
+          </a:p>
+          <a:p>
+            <a:r>
+              <a:rPr lang="en-US" dirty="0"/>
+              <a:t>Scenario:</a:t>
+            </a:r>
+          </a:p>
+          <a:p>
+            <a:pPr lvl="0"/>
+            <a:r>
+              <a:rPr lang="en-US" dirty="0"/>
+              <a:t>The users selects a speed at which the car accelerates until the maximum speed is reached. The car’s current acceleration and speed will be displayed.</a:t>
+            </a:r>
+          </a:p>
+          <a:p>
+            <a:pPr lvl="0"/>
+            <a:r>
+              <a:rPr lang="en-US" dirty="0"/>
+              <a:t>The user selects a speed that he/she wants the car to reach the car will accelerate at a rate until that speed is reached. The car’s current acceleration and speed will be displayed.</a:t>
+            </a:r>
+          </a:p>
+          <a:p>
+            <a:pPr lvl="0"/>
+            <a:r>
+              <a:rPr lang="en-US" dirty="0"/>
+              <a:t>The rate of fuel consumption is directly related to the acceleration of the vehicle.</a:t>
+            </a:r>
+          </a:p>
+          <a:p>
+            <a:r>
+              <a:rPr lang="en-US" dirty="0"/>
+              <a:t>Exceptions:</a:t>
+            </a:r>
+          </a:p>
+          <a:p>
+            <a:pPr lvl="0"/>
+            <a:r>
+              <a:rPr lang="en-US" dirty="0"/>
+              <a:t>If the desired speed is reached the car will not accelerate anymore keeping the speed at that value.</a:t>
+            </a:r>
+          </a:p>
+          <a:p>
+            <a:pPr lvl="0"/>
+            <a:r>
+              <a:rPr lang="en-US" dirty="0"/>
+              <a:t>If the max speed is reached the car will not accelerate anymore keeping the speed at that value.</a:t>
+            </a:r>
+          </a:p>
+          <a:p>
+            <a:r>
+              <a:rPr lang="en-US" dirty="0"/>
+              <a:t>Priority: Essential must be implemented</a:t>
+            </a:r>
+          </a:p>
+          <a:p>
+            <a:r>
+              <a:rPr lang="en-US" dirty="0"/>
+              <a:t>Frequency of Use: Whenever the user wants to go faster.</a:t>
+            </a:r>
+          </a:p>
+          <a:p>
+            <a:r>
+              <a:rPr lang="en-US" dirty="0"/>
+              <a:t>When Available: First Iteration</a:t>
+            </a:r>
+          </a:p>
+          <a:p>
+            <a:r>
+              <a:rPr lang="en-US" dirty="0"/>
+              <a:t>Channel to actor: Through GUI</a:t>
+            </a:r>
+          </a:p>
+          <a:p>
+            <a:r>
+              <a:rPr lang="en-US" dirty="0"/>
+              <a:t>Secondary Actors: None</a:t>
+            </a:r>
+          </a:p>
+          <a:p>
+            <a:r>
+              <a:rPr lang="en-US" dirty="0"/>
+              <a:t>Channels to secondary actors: None</a:t>
+            </a:r>
+          </a:p>
+          <a:p>
+            <a:r>
+              <a:rPr lang="en-US" dirty="0"/>
+              <a:t>Open Issue: None</a:t>
+            </a:r>
+          </a:p>
+          <a:p>
             <a:endParaRPr lang="en-US" dirty="0"/>
           </a:p>
         </p:txBody>
@@ -4002,20 +5774,13 @@
     </p:spTree>
     <p:extLst>
       <p:ext uri="{BB962C8B-B14F-4D97-AF65-F5344CB8AC3E}">
-        <p14:creationId xmlns:p14="http://schemas.microsoft.com/office/powerpoint/2010/main" val="3953020879"/>
+        <p14:creationId xmlns:p14="http://schemas.microsoft.com/office/powerpoint/2010/main" val="2319732421"/>
       </p:ext>
     </p:extLst>
   </p:cSld>
   <p:clrMapOvr>
     <a:masterClrMapping/>
   </p:clrMapOvr>
-  <p:timing>
-    <p:tnLst>
-      <p:par>
-        <p:cTn xmlns:p14="http://schemas.microsoft.com/office/powerpoint/2010/main" id="1" dur="indefinite" restart="never" nodeType="tmRoot"/>
-      </p:par>
-    </p:tnLst>
-  </p:timing>
 </p:sld>
 </file>
 
@@ -4053,7 +5818,7 @@
           <a:p>
             <a:r>
               <a:rPr lang="en-US" dirty="0" smtClean="0"/>
-              <a:t>Closing Remarks</a:t>
+              <a:t>Design GUI</a:t>
             </a:r>
             <a:endParaRPr lang="en-US" dirty="0"/>
           </a:p>
@@ -4061,7 +5826,7 @@
       </p:sp>
       <p:sp>
         <p:nvSpPr>
-          <p:cNvPr id="3" name="Content Placeholder 2"/>
+          <p:cNvPr id="6" name="Content Placeholder 5"/>
           <p:cNvSpPr>
             <a:spLocks noGrp="1"/>
           </p:cNvSpPr>
@@ -4069,11 +5834,1002 @@
             <p:ph idx="1"/>
           </p:nvPr>
         </p:nvSpPr>
-        <p:spPr/>
+        <p:spPr>
+          <a:solidFill>
+            <a:srgbClr val="FFFFFF"/>
+          </a:solidFill>
+        </p:spPr>
         <p:txBody>
           <a:bodyPr/>
           <a:lstStyle/>
           <a:p>
+            <a:pPr marL="36576" indent="0">
+              <a:buNone/>
+            </a:pPr>
+            <a:r>
+              <a:rPr lang="en-US" dirty="0"/>
+              <a:t>Speed (mph)</a:t>
+            </a:r>
+            <a:r>
+              <a:rPr lang="en-US" dirty="0"/>
+              <a:t> </a:t>
+            </a:r>
+            <a:r>
+              <a:rPr lang="en-US" dirty="0"/>
+              <a:t>Fuel (%)</a:t>
+            </a:r>
+            <a:r>
+              <a:rPr lang="en-US" dirty="0"/>
+              <a:t> </a:t>
+            </a:r>
+            <a:r>
+              <a:rPr lang="en-US" dirty="0"/>
+              <a:t>State (Drive/Park)</a:t>
+            </a:r>
+            <a:r>
+              <a:rPr lang="en-US" dirty="0"/>
+              <a:t> </a:t>
+            </a:r>
+            <a:r>
+              <a:rPr lang="en-US" dirty="0"/>
+              <a:t>Odometer (miles)</a:t>
+            </a:r>
+            <a:r>
+              <a:rPr lang="en-US" dirty="0"/>
+              <a:t> </a:t>
+            </a:r>
+            <a:r>
+              <a:rPr lang="en-US" dirty="0"/>
+              <a:t>Radio</a:t>
+            </a:r>
+            <a:r>
+              <a:rPr lang="en-US" dirty="0"/>
+              <a:t> </a:t>
+            </a:r>
+            <a:r>
+              <a:rPr lang="en-US" dirty="0"/>
+              <a:t>Main Panel</a:t>
+            </a:r>
+            <a:br>
+              <a:rPr lang="en-US" dirty="0"/>
+            </a:br>
+            <a:r>
+              <a:rPr lang="en-US" dirty="0"/>
+              <a:t>(Info Displayed is </a:t>
+            </a:r>
+            <a:br>
+              <a:rPr lang="en-US" dirty="0"/>
+            </a:br>
+            <a:r>
+              <a:rPr lang="en-US" dirty="0"/>
+              <a:t>based on context menu)</a:t>
+            </a:r>
+            <a:r>
+              <a:rPr lang="en-US" dirty="0"/>
+              <a:t> </a:t>
+            </a:r>
+            <a:r>
+              <a:rPr lang="en-US" dirty="0"/>
+              <a:t>User Manual</a:t>
+            </a:r>
+            <a:r>
+              <a:rPr lang="en-US" dirty="0"/>
+              <a:t> </a:t>
+            </a:r>
+            <a:r>
+              <a:rPr lang="en-US" dirty="0"/>
+              <a:t>Phone</a:t>
+            </a:r>
+            <a:r>
+              <a:rPr lang="en-US" dirty="0"/>
+              <a:t> </a:t>
+            </a:r>
+            <a:r>
+              <a:rPr lang="en-US" dirty="0"/>
+              <a:t>Map</a:t>
+            </a:r>
+            <a:r>
+              <a:rPr lang="en-US" dirty="0"/>
+              <a:t> </a:t>
+            </a:r>
+            <a:r>
+              <a:rPr lang="en-US" b="1" dirty="0"/>
+              <a:t>STOP</a:t>
+            </a:r>
+            <a:r>
+              <a:rPr lang="en-US" dirty="0"/>
+              <a:t> </a:t>
+            </a:r>
+            <a:r>
+              <a:rPr lang="en-US" dirty="0"/>
+              <a:t>Control Panel (Speed &amp; Acceleration)</a:t>
+            </a:r>
+            <a:r>
+              <a:rPr lang="en-US" dirty="0"/>
+              <a:t> </a:t>
+            </a:r>
+          </a:p>
+        </p:txBody>
+      </p:sp>
+      <p:graphicFrame>
+        <p:nvGraphicFramePr>
+          <p:cNvPr id="7" name="Table 6"/>
+          <p:cNvGraphicFramePr>
+            <a:graphicFrameLocks noGrp="1"/>
+          </p:cNvGraphicFramePr>
+          <p:nvPr>
+            <p:extLst>
+              <p:ext uri="{D42A27DB-BD31-4B8C-83A1-F6EECF244321}">
+                <p14:modId xmlns:p14="http://schemas.microsoft.com/office/powerpoint/2010/main" val="623128807"/>
+              </p:ext>
+            </p:extLst>
+          </p:nvPr>
+        </p:nvGraphicFramePr>
+        <p:xfrm>
+          <a:off x="457199" y="1600200"/>
+          <a:ext cx="7467602" cy="4525962"/>
+        </p:xfrm>
+        <a:graphic>
+          <a:graphicData uri="http://schemas.openxmlformats.org/drawingml/2006/table">
+            <a:tbl>
+              <a:tblPr/>
+              <a:tblGrid>
+                <a:gridCol w="1408480"/>
+                <a:gridCol w="1408480"/>
+                <a:gridCol w="1833682"/>
+                <a:gridCol w="1408480"/>
+                <a:gridCol w="1408480"/>
+              </a:tblGrid>
+              <a:tr h="1336406">
+                <a:tc>
+                  <a:txBody>
+                    <a:bodyPr/>
+                    <a:lstStyle/>
+                    <a:p>
+                      <a:pPr algn="ctr" fontAlgn="ctr"/>
+                      <a:r>
+                        <a:rPr lang="en-US" sz="1100" b="0" i="0" u="none" strike="noStrike">
+                          <a:solidFill>
+                            <a:srgbClr val="000000"/>
+                          </a:solidFill>
+                          <a:effectLst/>
+                          <a:latin typeface="Calibri"/>
+                        </a:rPr>
+                        <a:t>Speed (mph)</a:t>
+                      </a:r>
+                    </a:p>
+                  </a:txBody>
+                  <a:tcPr marL="12700" marR="12700" marT="12700" marB="0" anchor="ctr">
+                    <a:lnL w="19050" cap="flat" cmpd="sng" algn="ctr">
+                      <a:solidFill>
+                        <a:srgbClr val="000000"/>
+                      </a:solidFill>
+                      <a:prstDash val="solid"/>
+                      <a:round/>
+                      <a:headEnd type="none" w="med" len="med"/>
+                      <a:tailEnd type="none" w="med" len="med"/>
+                    </a:lnL>
+                    <a:lnR w="19050" cap="flat" cmpd="sng" algn="ctr">
+                      <a:solidFill>
+                        <a:srgbClr val="000000"/>
+                      </a:solidFill>
+                      <a:prstDash val="solid"/>
+                      <a:round/>
+                      <a:headEnd type="none" w="med" len="med"/>
+                      <a:tailEnd type="none" w="med" len="med"/>
+                    </a:lnR>
+                    <a:lnT w="19050" cap="flat" cmpd="sng" algn="ctr">
+                      <a:solidFill>
+                        <a:srgbClr val="000000"/>
+                      </a:solidFill>
+                      <a:prstDash val="solid"/>
+                      <a:round/>
+                      <a:headEnd type="none" w="med" len="med"/>
+                      <a:tailEnd type="none" w="med" len="med"/>
+                    </a:lnT>
+                    <a:lnB w="19050" cap="flat" cmpd="sng" algn="ctr">
+                      <a:solidFill>
+                        <a:srgbClr val="000000"/>
+                      </a:solidFill>
+                      <a:prstDash val="solid"/>
+                      <a:round/>
+                      <a:headEnd type="none" w="med" len="med"/>
+                      <a:tailEnd type="none" w="med" len="med"/>
+                    </a:lnB>
+                  </a:tcPr>
+                </a:tc>
+                <a:tc>
+                  <a:txBody>
+                    <a:bodyPr/>
+                    <a:lstStyle/>
+                    <a:p>
+                      <a:pPr algn="ctr" fontAlgn="ctr"/>
+                      <a:r>
+                        <a:rPr lang="es-ES_tradnl" sz="1100" b="0" i="0" u="none" strike="noStrike">
+                          <a:solidFill>
+                            <a:srgbClr val="000000"/>
+                          </a:solidFill>
+                          <a:effectLst/>
+                          <a:latin typeface="Calibri"/>
+                        </a:rPr>
+                        <a:t>Fuel (%)</a:t>
+                      </a:r>
+                    </a:p>
+                  </a:txBody>
+                  <a:tcPr marL="12700" marR="12700" marT="12700" marB="0" anchor="ctr">
+                    <a:lnL w="19050" cap="flat" cmpd="sng" algn="ctr">
+                      <a:solidFill>
+                        <a:srgbClr val="000000"/>
+                      </a:solidFill>
+                      <a:prstDash val="solid"/>
+                      <a:round/>
+                      <a:headEnd type="none" w="med" len="med"/>
+                      <a:tailEnd type="none" w="med" len="med"/>
+                    </a:lnL>
+                    <a:lnR w="19050" cap="flat" cmpd="sng" algn="ctr">
+                      <a:solidFill>
+                        <a:srgbClr val="000000"/>
+                      </a:solidFill>
+                      <a:prstDash val="solid"/>
+                      <a:round/>
+                      <a:headEnd type="none" w="med" len="med"/>
+                      <a:tailEnd type="none" w="med" len="med"/>
+                    </a:lnR>
+                    <a:lnT w="19050" cap="flat" cmpd="sng" algn="ctr">
+                      <a:solidFill>
+                        <a:srgbClr val="000000"/>
+                      </a:solidFill>
+                      <a:prstDash val="solid"/>
+                      <a:round/>
+                      <a:headEnd type="none" w="med" len="med"/>
+                      <a:tailEnd type="none" w="med" len="med"/>
+                    </a:lnT>
+                    <a:lnB w="19050" cap="flat" cmpd="sng" algn="ctr">
+                      <a:solidFill>
+                        <a:srgbClr val="000000"/>
+                      </a:solidFill>
+                      <a:prstDash val="solid"/>
+                      <a:round/>
+                      <a:headEnd type="none" w="med" len="med"/>
+                      <a:tailEnd type="none" w="med" len="med"/>
+                    </a:lnB>
+                  </a:tcPr>
+                </a:tc>
+                <a:tc>
+                  <a:txBody>
+                    <a:bodyPr/>
+                    <a:lstStyle/>
+                    <a:p>
+                      <a:pPr algn="ctr" fontAlgn="ctr"/>
+                      <a:r>
+                        <a:rPr lang="en-US" sz="1100" b="0" i="0" u="none" strike="noStrike">
+                          <a:solidFill>
+                            <a:srgbClr val="000000"/>
+                          </a:solidFill>
+                          <a:effectLst/>
+                          <a:latin typeface="Calibri"/>
+                        </a:rPr>
+                        <a:t>State (Drive/Park)</a:t>
+                      </a:r>
+                    </a:p>
+                  </a:txBody>
+                  <a:tcPr marL="12700" marR="12700" marT="12700" marB="0" anchor="ctr">
+                    <a:lnL w="19050" cap="flat" cmpd="sng" algn="ctr">
+                      <a:solidFill>
+                        <a:srgbClr val="000000"/>
+                      </a:solidFill>
+                      <a:prstDash val="solid"/>
+                      <a:round/>
+                      <a:headEnd type="none" w="med" len="med"/>
+                      <a:tailEnd type="none" w="med" len="med"/>
+                    </a:lnL>
+                    <a:lnR w="19050" cap="flat" cmpd="sng" algn="ctr">
+                      <a:solidFill>
+                        <a:srgbClr val="000000"/>
+                      </a:solidFill>
+                      <a:prstDash val="solid"/>
+                      <a:round/>
+                      <a:headEnd type="none" w="med" len="med"/>
+                      <a:tailEnd type="none" w="med" len="med"/>
+                    </a:lnR>
+                    <a:lnT w="19050" cap="flat" cmpd="sng" algn="ctr">
+                      <a:solidFill>
+                        <a:srgbClr val="000000"/>
+                      </a:solidFill>
+                      <a:prstDash val="solid"/>
+                      <a:round/>
+                      <a:headEnd type="none" w="med" len="med"/>
+                      <a:tailEnd type="none" w="med" len="med"/>
+                    </a:lnT>
+                    <a:lnB w="19050" cap="flat" cmpd="sng" algn="ctr">
+                      <a:solidFill>
+                        <a:srgbClr val="000000"/>
+                      </a:solidFill>
+                      <a:prstDash val="solid"/>
+                      <a:round/>
+                      <a:headEnd type="none" w="med" len="med"/>
+                      <a:tailEnd type="none" w="med" len="med"/>
+                    </a:lnB>
+                  </a:tcPr>
+                </a:tc>
+                <a:tc gridSpan="2">
+                  <a:txBody>
+                    <a:bodyPr/>
+                    <a:lstStyle/>
+                    <a:p>
+                      <a:pPr algn="ctr" fontAlgn="ctr"/>
+                      <a:r>
+                        <a:rPr lang="en-US" sz="1100" b="0" i="0" u="none" strike="noStrike">
+                          <a:solidFill>
+                            <a:srgbClr val="000000"/>
+                          </a:solidFill>
+                          <a:effectLst/>
+                          <a:latin typeface="Calibri"/>
+                        </a:rPr>
+                        <a:t>Odometer (miles)</a:t>
+                      </a:r>
+                    </a:p>
+                  </a:txBody>
+                  <a:tcPr marL="12700" marR="12700" marT="12700" marB="0" anchor="ctr">
+                    <a:lnL w="19050" cap="flat" cmpd="sng" algn="ctr">
+                      <a:solidFill>
+                        <a:srgbClr val="000000"/>
+                      </a:solidFill>
+                      <a:prstDash val="solid"/>
+                      <a:round/>
+                      <a:headEnd type="none" w="med" len="med"/>
+                      <a:tailEnd type="none" w="med" len="med"/>
+                    </a:lnL>
+                    <a:lnR w="19050" cap="flat" cmpd="sng" algn="ctr">
+                      <a:solidFill>
+                        <a:srgbClr val="000000"/>
+                      </a:solidFill>
+                      <a:prstDash val="solid"/>
+                      <a:round/>
+                      <a:headEnd type="none" w="med" len="med"/>
+                      <a:tailEnd type="none" w="med" len="med"/>
+                    </a:lnR>
+                    <a:lnT w="19050" cap="flat" cmpd="sng" algn="ctr">
+                      <a:solidFill>
+                        <a:srgbClr val="000000"/>
+                      </a:solidFill>
+                      <a:prstDash val="solid"/>
+                      <a:round/>
+                      <a:headEnd type="none" w="med" len="med"/>
+                      <a:tailEnd type="none" w="med" len="med"/>
+                    </a:lnT>
+                    <a:lnB w="19050" cap="flat" cmpd="sng" algn="ctr">
+                      <a:solidFill>
+                        <a:srgbClr val="000000"/>
+                      </a:solidFill>
+                      <a:prstDash val="solid"/>
+                      <a:round/>
+                      <a:headEnd type="none" w="med" len="med"/>
+                      <a:tailEnd type="none" w="med" len="med"/>
+                    </a:lnB>
+                  </a:tcPr>
+                </a:tc>
+                <a:tc hMerge="1">
+                  <a:txBody>
+                    <a:bodyPr/>
+                    <a:lstStyle/>
+                    <a:p>
+                      <a:endParaRPr lang="en-US"/>
+                    </a:p>
+                  </a:txBody>
+                  <a:tcPr/>
+                </a:tc>
+              </a:tr>
+              <a:tr h="1220584">
+                <a:tc>
+                  <a:txBody>
+                    <a:bodyPr/>
+                    <a:lstStyle/>
+                    <a:p>
+                      <a:pPr algn="ctr" fontAlgn="ctr"/>
+                      <a:r>
+                        <a:rPr lang="en-US" sz="1100" b="0" i="0" u="none" strike="noStrike">
+                          <a:solidFill>
+                            <a:srgbClr val="000000"/>
+                          </a:solidFill>
+                          <a:effectLst/>
+                          <a:latin typeface="Calibri"/>
+                        </a:rPr>
+                        <a:t>Radio</a:t>
+                      </a:r>
+                    </a:p>
+                  </a:txBody>
+                  <a:tcPr marL="12700" marR="12700" marT="12700" marB="0" anchor="ctr">
+                    <a:lnL w="19050" cap="flat" cmpd="sng" algn="ctr">
+                      <a:solidFill>
+                        <a:srgbClr val="000000"/>
+                      </a:solidFill>
+                      <a:prstDash val="solid"/>
+                      <a:round/>
+                      <a:headEnd type="none" w="med" len="med"/>
+                      <a:tailEnd type="none" w="med" len="med"/>
+                    </a:lnL>
+                    <a:lnR w="19050" cap="flat" cmpd="sng" algn="ctr">
+                      <a:solidFill>
+                        <a:srgbClr val="000000"/>
+                      </a:solidFill>
+                      <a:prstDash val="solid"/>
+                      <a:round/>
+                      <a:headEnd type="none" w="med" len="med"/>
+                      <a:tailEnd type="none" w="med" len="med"/>
+                    </a:lnR>
+                    <a:lnT w="19050" cap="flat" cmpd="sng" algn="ctr">
+                      <a:solidFill>
+                        <a:srgbClr val="000000"/>
+                      </a:solidFill>
+                      <a:prstDash val="solid"/>
+                      <a:round/>
+                      <a:headEnd type="none" w="med" len="med"/>
+                      <a:tailEnd type="none" w="med" len="med"/>
+                    </a:lnT>
+                    <a:lnB w="19050" cap="flat" cmpd="sng" algn="ctr">
+                      <a:solidFill>
+                        <a:srgbClr val="000000"/>
+                      </a:solidFill>
+                      <a:prstDash val="solid"/>
+                      <a:round/>
+                      <a:headEnd type="none" w="med" len="med"/>
+                      <a:tailEnd type="none" w="med" len="med"/>
+                    </a:lnB>
+                    <a:solidFill>
+                      <a:srgbClr val="FFC000"/>
+                    </a:solidFill>
+                  </a:tcPr>
+                </a:tc>
+                <a:tc rowSpan="2" gridSpan="3">
+                  <a:txBody>
+                    <a:bodyPr/>
+                    <a:lstStyle/>
+                    <a:p>
+                      <a:pPr algn="ctr" fontAlgn="ctr"/>
+                      <a:r>
+                        <a:rPr lang="en-US" sz="1100" b="0" i="0" u="none" strike="noStrike">
+                          <a:solidFill>
+                            <a:srgbClr val="000000"/>
+                          </a:solidFill>
+                          <a:effectLst/>
+                          <a:latin typeface="Calibri"/>
+                        </a:rPr>
+                        <a:t>Main Panel</a:t>
+                      </a:r>
+                      <a:br>
+                        <a:rPr lang="en-US" sz="1100" b="0" i="0" u="none" strike="noStrike">
+                          <a:solidFill>
+                            <a:srgbClr val="000000"/>
+                          </a:solidFill>
+                          <a:effectLst/>
+                          <a:latin typeface="Calibri"/>
+                        </a:rPr>
+                      </a:br>
+                      <a:r>
+                        <a:rPr lang="en-US" sz="1100" b="0" i="0" u="none" strike="noStrike">
+                          <a:solidFill>
+                            <a:srgbClr val="000000"/>
+                          </a:solidFill>
+                          <a:effectLst/>
+                          <a:latin typeface="Calibri"/>
+                        </a:rPr>
+                        <a:t>(Info Displayed is </a:t>
+                      </a:r>
+                      <a:br>
+                        <a:rPr lang="en-US" sz="1100" b="0" i="0" u="none" strike="noStrike">
+                          <a:solidFill>
+                            <a:srgbClr val="000000"/>
+                          </a:solidFill>
+                          <a:effectLst/>
+                          <a:latin typeface="Calibri"/>
+                        </a:rPr>
+                      </a:br>
+                      <a:r>
+                        <a:rPr lang="en-US" sz="1100" b="0" i="0" u="none" strike="noStrike">
+                          <a:solidFill>
+                            <a:srgbClr val="000000"/>
+                          </a:solidFill>
+                          <a:effectLst/>
+                          <a:latin typeface="Calibri"/>
+                        </a:rPr>
+                        <a:t>based on context menu)</a:t>
+                      </a:r>
+                    </a:p>
+                  </a:txBody>
+                  <a:tcPr marL="12700" marR="12700" marT="12700" marB="0" anchor="ctr">
+                    <a:lnL w="19050" cap="flat" cmpd="sng" algn="ctr">
+                      <a:solidFill>
+                        <a:srgbClr val="000000"/>
+                      </a:solidFill>
+                      <a:prstDash val="solid"/>
+                      <a:round/>
+                      <a:headEnd type="none" w="med" len="med"/>
+                      <a:tailEnd type="none" w="med" len="med"/>
+                    </a:lnL>
+                    <a:lnR w="19050" cap="flat" cmpd="sng" algn="ctr">
+                      <a:solidFill>
+                        <a:srgbClr val="000000"/>
+                      </a:solidFill>
+                      <a:prstDash val="solid"/>
+                      <a:round/>
+                      <a:headEnd type="none" w="med" len="med"/>
+                      <a:tailEnd type="none" w="med" len="med"/>
+                    </a:lnR>
+                    <a:lnT w="19050" cap="flat" cmpd="sng" algn="ctr">
+                      <a:solidFill>
+                        <a:srgbClr val="000000"/>
+                      </a:solidFill>
+                      <a:prstDash val="solid"/>
+                      <a:round/>
+                      <a:headEnd type="none" w="med" len="med"/>
+                      <a:tailEnd type="none" w="med" len="med"/>
+                    </a:lnT>
+                    <a:lnB w="19050" cap="flat" cmpd="sng" algn="ctr">
+                      <a:solidFill>
+                        <a:srgbClr val="000000"/>
+                      </a:solidFill>
+                      <a:prstDash val="solid"/>
+                      <a:round/>
+                      <a:headEnd type="none" w="med" len="med"/>
+                      <a:tailEnd type="none" w="med" len="med"/>
+                    </a:lnB>
+                  </a:tcPr>
+                </a:tc>
+                <a:tc rowSpan="2" hMerge="1">
+                  <a:txBody>
+                    <a:bodyPr/>
+                    <a:lstStyle/>
+                    <a:p>
+                      <a:endParaRPr lang="en-US"/>
+                    </a:p>
+                  </a:txBody>
+                  <a:tcPr/>
+                </a:tc>
+                <a:tc rowSpan="2" hMerge="1">
+                  <a:txBody>
+                    <a:bodyPr/>
+                    <a:lstStyle/>
+                    <a:p>
+                      <a:endParaRPr lang="en-US"/>
+                    </a:p>
+                  </a:txBody>
+                  <a:tcPr/>
+                </a:tc>
+                <a:tc>
+                  <a:txBody>
+                    <a:bodyPr/>
+                    <a:lstStyle/>
+                    <a:p>
+                      <a:pPr algn="ctr" fontAlgn="ctr"/>
+                      <a:r>
+                        <a:rPr lang="en-US" sz="1100" b="0" i="0" u="none" strike="noStrike">
+                          <a:solidFill>
+                            <a:srgbClr val="000000"/>
+                          </a:solidFill>
+                          <a:effectLst/>
+                          <a:latin typeface="Calibri"/>
+                        </a:rPr>
+                        <a:t>User Manual</a:t>
+                      </a:r>
+                    </a:p>
+                  </a:txBody>
+                  <a:tcPr marL="12700" marR="12700" marT="12700" marB="0" anchor="ctr">
+                    <a:lnL w="19050" cap="flat" cmpd="sng" algn="ctr">
+                      <a:solidFill>
+                        <a:srgbClr val="000000"/>
+                      </a:solidFill>
+                      <a:prstDash val="solid"/>
+                      <a:round/>
+                      <a:headEnd type="none" w="med" len="med"/>
+                      <a:tailEnd type="none" w="med" len="med"/>
+                    </a:lnL>
+                    <a:lnR w="19050" cap="flat" cmpd="sng" algn="ctr">
+                      <a:solidFill>
+                        <a:srgbClr val="000000"/>
+                      </a:solidFill>
+                      <a:prstDash val="solid"/>
+                      <a:round/>
+                      <a:headEnd type="none" w="med" len="med"/>
+                      <a:tailEnd type="none" w="med" len="med"/>
+                    </a:lnR>
+                    <a:lnT w="19050" cap="flat" cmpd="sng" algn="ctr">
+                      <a:solidFill>
+                        <a:srgbClr val="000000"/>
+                      </a:solidFill>
+                      <a:prstDash val="solid"/>
+                      <a:round/>
+                      <a:headEnd type="none" w="med" len="med"/>
+                      <a:tailEnd type="none" w="med" len="med"/>
+                    </a:lnT>
+                    <a:lnB w="19050" cap="flat" cmpd="sng" algn="ctr">
+                      <a:solidFill>
+                        <a:srgbClr val="000000"/>
+                      </a:solidFill>
+                      <a:prstDash val="solid"/>
+                      <a:round/>
+                      <a:headEnd type="none" w="med" len="med"/>
+                      <a:tailEnd type="none" w="med" len="med"/>
+                    </a:lnB>
+                    <a:solidFill>
+                      <a:srgbClr val="E7E6E6"/>
+                    </a:solidFill>
+                  </a:tcPr>
+                </a:tc>
+              </a:tr>
+              <a:tr h="632566">
+                <a:tc>
+                  <a:txBody>
+                    <a:bodyPr/>
+                    <a:lstStyle/>
+                    <a:p>
+                      <a:pPr algn="ctr" fontAlgn="ctr"/>
+                      <a:r>
+                        <a:rPr lang="en-US" sz="1100" b="0" i="0" u="none" strike="noStrike">
+                          <a:solidFill>
+                            <a:srgbClr val="000000"/>
+                          </a:solidFill>
+                          <a:effectLst/>
+                          <a:latin typeface="Calibri"/>
+                        </a:rPr>
+                        <a:t>Phone</a:t>
+                      </a:r>
+                    </a:p>
+                  </a:txBody>
+                  <a:tcPr marL="12700" marR="12700" marT="12700" marB="0" anchor="ctr">
+                    <a:lnL w="19050" cap="flat" cmpd="sng" algn="ctr">
+                      <a:solidFill>
+                        <a:srgbClr val="000000"/>
+                      </a:solidFill>
+                      <a:prstDash val="solid"/>
+                      <a:round/>
+                      <a:headEnd type="none" w="med" len="med"/>
+                      <a:tailEnd type="none" w="med" len="med"/>
+                    </a:lnL>
+                    <a:lnR w="19050" cap="flat" cmpd="sng" algn="ctr">
+                      <a:solidFill>
+                        <a:srgbClr val="000000"/>
+                      </a:solidFill>
+                      <a:prstDash val="solid"/>
+                      <a:round/>
+                      <a:headEnd type="none" w="med" len="med"/>
+                      <a:tailEnd type="none" w="med" len="med"/>
+                    </a:lnR>
+                    <a:lnT w="19050" cap="flat" cmpd="sng" algn="ctr">
+                      <a:solidFill>
+                        <a:srgbClr val="000000"/>
+                      </a:solidFill>
+                      <a:prstDash val="solid"/>
+                      <a:round/>
+                      <a:headEnd type="none" w="med" len="med"/>
+                      <a:tailEnd type="none" w="med" len="med"/>
+                    </a:lnT>
+                    <a:lnB w="19050" cap="flat" cmpd="sng" algn="ctr">
+                      <a:solidFill>
+                        <a:srgbClr val="000000"/>
+                      </a:solidFill>
+                      <a:prstDash val="solid"/>
+                      <a:round/>
+                      <a:headEnd type="none" w="med" len="med"/>
+                      <a:tailEnd type="none" w="med" len="med"/>
+                    </a:lnB>
+                    <a:solidFill>
+                      <a:srgbClr val="00B0F0"/>
+                    </a:solidFill>
+                  </a:tcPr>
+                </a:tc>
+                <a:tc gridSpan="3" vMerge="1">
+                  <a:txBody>
+                    <a:bodyPr/>
+                    <a:lstStyle/>
+                    <a:p>
+                      <a:endParaRPr lang="en-US"/>
+                    </a:p>
+                  </a:txBody>
+                  <a:tcPr/>
+                </a:tc>
+                <a:tc hMerge="1" vMerge="1">
+                  <a:txBody>
+                    <a:bodyPr/>
+                    <a:lstStyle/>
+                    <a:p>
+                      <a:endParaRPr lang="en-US"/>
+                    </a:p>
+                  </a:txBody>
+                  <a:tcPr/>
+                </a:tc>
+                <a:tc hMerge="1" vMerge="1">
+                  <a:txBody>
+                    <a:bodyPr/>
+                    <a:lstStyle/>
+                    <a:p>
+                      <a:endParaRPr lang="en-US"/>
+                    </a:p>
+                  </a:txBody>
+                  <a:tcPr/>
+                </a:tc>
+                <a:tc>
+                  <a:txBody>
+                    <a:bodyPr/>
+                    <a:lstStyle/>
+                    <a:p>
+                      <a:pPr algn="ctr" fontAlgn="ctr"/>
+                      <a:r>
+                        <a:rPr lang="en-US" sz="1100" b="0" i="0" u="none" strike="noStrike">
+                          <a:solidFill>
+                            <a:srgbClr val="000000"/>
+                          </a:solidFill>
+                          <a:effectLst/>
+                          <a:latin typeface="Calibri"/>
+                        </a:rPr>
+                        <a:t>Map</a:t>
+                      </a:r>
+                    </a:p>
+                  </a:txBody>
+                  <a:tcPr marL="12700" marR="12700" marT="12700" marB="0" anchor="ctr">
+                    <a:lnL w="19050" cap="flat" cmpd="sng" algn="ctr">
+                      <a:solidFill>
+                        <a:srgbClr val="000000"/>
+                      </a:solidFill>
+                      <a:prstDash val="solid"/>
+                      <a:round/>
+                      <a:headEnd type="none" w="med" len="med"/>
+                      <a:tailEnd type="none" w="med" len="med"/>
+                    </a:lnL>
+                    <a:lnR w="19050" cap="flat" cmpd="sng" algn="ctr">
+                      <a:solidFill>
+                        <a:srgbClr val="000000"/>
+                      </a:solidFill>
+                      <a:prstDash val="solid"/>
+                      <a:round/>
+                      <a:headEnd type="none" w="med" len="med"/>
+                      <a:tailEnd type="none" w="med" len="med"/>
+                    </a:lnR>
+                    <a:lnT w="19050" cap="flat" cmpd="sng" algn="ctr">
+                      <a:solidFill>
+                        <a:srgbClr val="000000"/>
+                      </a:solidFill>
+                      <a:prstDash val="solid"/>
+                      <a:round/>
+                      <a:headEnd type="none" w="med" len="med"/>
+                      <a:tailEnd type="none" w="med" len="med"/>
+                    </a:lnT>
+                    <a:lnB w="19050" cap="flat" cmpd="sng" algn="ctr">
+                      <a:solidFill>
+                        <a:srgbClr val="000000"/>
+                      </a:solidFill>
+                      <a:prstDash val="solid"/>
+                      <a:round/>
+                      <a:headEnd type="none" w="med" len="med"/>
+                      <a:tailEnd type="none" w="med" len="med"/>
+                    </a:lnB>
+                    <a:solidFill>
+                      <a:srgbClr val="FFFF00"/>
+                    </a:solidFill>
+                  </a:tcPr>
+                </a:tc>
+              </a:tr>
+              <a:tr h="1336406">
+                <a:tc>
+                  <a:txBody>
+                    <a:bodyPr/>
+                    <a:lstStyle/>
+                    <a:p>
+                      <a:pPr algn="ctr" fontAlgn="ctr"/>
+                      <a:r>
+                        <a:rPr lang="en-US" sz="1100" b="1" i="0" u="none" strike="noStrike">
+                          <a:solidFill>
+                            <a:srgbClr val="000000"/>
+                          </a:solidFill>
+                          <a:effectLst/>
+                          <a:latin typeface="Calibri"/>
+                        </a:rPr>
+                        <a:t>STOP</a:t>
+                      </a:r>
+                    </a:p>
+                  </a:txBody>
+                  <a:tcPr marL="12700" marR="12700" marT="12700" marB="0" anchor="ctr">
+                    <a:lnL w="19050" cap="flat" cmpd="sng" algn="ctr">
+                      <a:solidFill>
+                        <a:srgbClr val="000000"/>
+                      </a:solidFill>
+                      <a:prstDash val="solid"/>
+                      <a:round/>
+                      <a:headEnd type="none" w="med" len="med"/>
+                      <a:tailEnd type="none" w="med" len="med"/>
+                    </a:lnL>
+                    <a:lnR w="19050" cap="flat" cmpd="sng" algn="ctr">
+                      <a:solidFill>
+                        <a:srgbClr val="000000"/>
+                      </a:solidFill>
+                      <a:prstDash val="solid"/>
+                      <a:round/>
+                      <a:headEnd type="none" w="med" len="med"/>
+                      <a:tailEnd type="none" w="med" len="med"/>
+                    </a:lnR>
+                    <a:lnT w="19050" cap="flat" cmpd="sng" algn="ctr">
+                      <a:solidFill>
+                        <a:srgbClr val="000000"/>
+                      </a:solidFill>
+                      <a:prstDash val="solid"/>
+                      <a:round/>
+                      <a:headEnd type="none" w="med" len="med"/>
+                      <a:tailEnd type="none" w="med" len="med"/>
+                    </a:lnT>
+                    <a:lnB w="19050" cap="flat" cmpd="sng" algn="ctr">
+                      <a:solidFill>
+                        <a:srgbClr val="000000"/>
+                      </a:solidFill>
+                      <a:prstDash val="solid"/>
+                      <a:round/>
+                      <a:headEnd type="none" w="med" len="med"/>
+                      <a:tailEnd type="none" w="med" len="med"/>
+                    </a:lnB>
+                    <a:solidFill>
+                      <a:srgbClr val="FF0000"/>
+                    </a:solidFill>
+                  </a:tcPr>
+                </a:tc>
+                <a:tc gridSpan="4">
+                  <a:txBody>
+                    <a:bodyPr/>
+                    <a:lstStyle/>
+                    <a:p>
+                      <a:pPr algn="ctr" fontAlgn="ctr"/>
+                      <a:r>
+                        <a:rPr lang="en-US" sz="1100" b="0" i="0" u="none" strike="noStrike" dirty="0">
+                          <a:solidFill>
+                            <a:srgbClr val="000000"/>
+                          </a:solidFill>
+                          <a:effectLst/>
+                          <a:latin typeface="Calibri"/>
+                        </a:rPr>
+                        <a:t>Control Panel (Speed &amp; Acceleration)</a:t>
+                      </a:r>
+                    </a:p>
+                  </a:txBody>
+                  <a:tcPr marL="12700" marR="12700" marT="12700" marB="0" anchor="ctr">
+                    <a:lnL w="19050" cap="flat" cmpd="sng" algn="ctr">
+                      <a:solidFill>
+                        <a:srgbClr val="000000"/>
+                      </a:solidFill>
+                      <a:prstDash val="solid"/>
+                      <a:round/>
+                      <a:headEnd type="none" w="med" len="med"/>
+                      <a:tailEnd type="none" w="med" len="med"/>
+                    </a:lnL>
+                    <a:lnR w="19050" cap="flat" cmpd="sng" algn="ctr">
+                      <a:solidFill>
+                        <a:srgbClr val="000000"/>
+                      </a:solidFill>
+                      <a:prstDash val="solid"/>
+                      <a:round/>
+                      <a:headEnd type="none" w="med" len="med"/>
+                      <a:tailEnd type="none" w="med" len="med"/>
+                    </a:lnR>
+                    <a:lnT w="19050" cap="flat" cmpd="sng" algn="ctr">
+                      <a:solidFill>
+                        <a:srgbClr val="000000"/>
+                      </a:solidFill>
+                      <a:prstDash val="solid"/>
+                      <a:round/>
+                      <a:headEnd type="none" w="med" len="med"/>
+                      <a:tailEnd type="none" w="med" len="med"/>
+                    </a:lnT>
+                    <a:lnB w="19050" cap="flat" cmpd="sng" algn="ctr">
+                      <a:solidFill>
+                        <a:srgbClr val="000000"/>
+                      </a:solidFill>
+                      <a:prstDash val="solid"/>
+                      <a:round/>
+                      <a:headEnd type="none" w="med" len="med"/>
+                      <a:tailEnd type="none" w="med" len="med"/>
+                    </a:lnB>
+                  </a:tcPr>
+                </a:tc>
+                <a:tc hMerge="1">
+                  <a:txBody>
+                    <a:bodyPr/>
+                    <a:lstStyle/>
+                    <a:p>
+                      <a:endParaRPr lang="en-US"/>
+                    </a:p>
+                  </a:txBody>
+                  <a:tcPr/>
+                </a:tc>
+                <a:tc hMerge="1">
+                  <a:txBody>
+                    <a:bodyPr/>
+                    <a:lstStyle/>
+                    <a:p>
+                      <a:endParaRPr lang="en-US"/>
+                    </a:p>
+                  </a:txBody>
+                  <a:tcPr/>
+                </a:tc>
+                <a:tc hMerge="1">
+                  <a:txBody>
+                    <a:bodyPr/>
+                    <a:lstStyle/>
+                    <a:p>
+                      <a:endParaRPr lang="en-US"/>
+                    </a:p>
+                  </a:txBody>
+                  <a:tcPr/>
+                </a:tc>
+              </a:tr>
+            </a:tbl>
+          </a:graphicData>
+        </a:graphic>
+      </p:graphicFrame>
+    </p:spTree>
+    <p:extLst>
+      <p:ext uri="{BB962C8B-B14F-4D97-AF65-F5344CB8AC3E}">
+        <p14:creationId xmlns:p14="http://schemas.microsoft.com/office/powerpoint/2010/main" val="1367009394"/>
+      </p:ext>
+    </p:extLst>
+  </p:cSld>
+  <p:clrMapOvr>
+    <a:masterClrMapping/>
+  </p:clrMapOvr>
+</p:sld>
+</file>
+
+<file path=ppt/slides/slide14.xml><?xml version="1.0" encoding="utf-8"?>
+<p:sld xmlns:a="http://schemas.openxmlformats.org/drawingml/2006/main" xmlns:r="http://schemas.openxmlformats.org/officeDocument/2006/relationships" xmlns:p="http://schemas.openxmlformats.org/presentationml/2006/main">
+  <p:cSld>
+    <p:spTree>
+      <p:nvGrpSpPr>
+        <p:cNvPr id="1" name=""/>
+        <p:cNvGrpSpPr/>
+        <p:nvPr/>
+      </p:nvGrpSpPr>
+      <p:grpSpPr>
+        <a:xfrm>
+          <a:off x="0" y="0"/>
+          <a:ext cx="0" cy="0"/>
+          <a:chOff x="0" y="0"/>
+          <a:chExt cx="0" cy="0"/>
+        </a:xfrm>
+      </p:grpSpPr>
+      <p:sp>
+        <p:nvSpPr>
+          <p:cNvPr id="2" name="Title 1"/>
+          <p:cNvSpPr>
+            <a:spLocks noGrp="1"/>
+          </p:cNvSpPr>
+          <p:nvPr>
+            <p:ph type="title"/>
+          </p:nvPr>
+        </p:nvSpPr>
+        <p:spPr/>
+        <p:txBody>
+          <a:bodyPr/>
+          <a:lstStyle/>
+          <a:p>
+            <a:r>
+              <a:rPr lang="en-US" dirty="0" smtClean="0"/>
+              <a:t>Closing Remarks</a:t>
+            </a:r>
+            <a:endParaRPr lang="en-US" dirty="0"/>
+          </a:p>
+        </p:txBody>
+      </p:sp>
+      <p:sp>
+        <p:nvSpPr>
+          <p:cNvPr id="3" name="Content Placeholder 2"/>
+          <p:cNvSpPr>
+            <a:spLocks noGrp="1"/>
+          </p:cNvSpPr>
+          <p:nvPr>
+            <p:ph idx="1"/>
+          </p:nvPr>
+        </p:nvSpPr>
+        <p:spPr/>
+        <p:txBody>
+          <a:bodyPr/>
+          <a:lstStyle/>
+          <a:p>
             <a:r>
               <a:rPr lang="en-US" dirty="0" smtClean="0"/>
               <a:t>Questions?</a:t>
@@ -4089,6 +6845,12 @@
             <a:r>
               <a:rPr lang="en-US" dirty="0" smtClean="0"/>
               <a:t>Moral conundrums?</a:t>
+            </a:r>
+          </a:p>
+          <a:p>
+            <a:r>
+              <a:rPr lang="en-US" dirty="0" smtClean="0"/>
+              <a:t>Philosophical Inquiries?</a:t>
             </a:r>
             <a:endParaRPr lang="en-US" dirty="0"/>
           </a:p>
@@ -4111,6 +6873,78 @@
       </p:par>
     </p:tnLst>
   </p:timing>
+</p:sld>
+</file>
+
+<file path=ppt/slides/slide15.xml><?xml version="1.0" encoding="utf-8"?>
+<p:sld xmlns:a="http://schemas.openxmlformats.org/drawingml/2006/main" xmlns:r="http://schemas.openxmlformats.org/officeDocument/2006/relationships" xmlns:p="http://schemas.openxmlformats.org/presentationml/2006/main">
+  <p:cSld>
+    <p:spTree>
+      <p:nvGrpSpPr>
+        <p:cNvPr id="1" name=""/>
+        <p:cNvGrpSpPr/>
+        <p:nvPr/>
+      </p:nvGrpSpPr>
+      <p:grpSpPr>
+        <a:xfrm>
+          <a:off x="0" y="0"/>
+          <a:ext cx="0" cy="0"/>
+          <a:chOff x="0" y="0"/>
+          <a:chExt cx="0" cy="0"/>
+        </a:xfrm>
+      </p:grpSpPr>
+      <p:sp>
+        <p:nvSpPr>
+          <p:cNvPr id="2" name="Title 1"/>
+          <p:cNvSpPr>
+            <a:spLocks noGrp="1"/>
+          </p:cNvSpPr>
+          <p:nvPr>
+            <p:ph type="title"/>
+          </p:nvPr>
+        </p:nvSpPr>
+        <p:spPr/>
+        <p:txBody>
+          <a:bodyPr/>
+          <a:lstStyle/>
+          <a:p>
+            <a:r>
+              <a:rPr lang="en-US" dirty="0" smtClean="0"/>
+              <a:t>Questions?</a:t>
+            </a:r>
+            <a:endParaRPr lang="en-US" dirty="0"/>
+          </a:p>
+        </p:txBody>
+      </p:sp>
+      <p:sp>
+        <p:nvSpPr>
+          <p:cNvPr id="3" name="Content Placeholder 2"/>
+          <p:cNvSpPr>
+            <a:spLocks noGrp="1"/>
+          </p:cNvSpPr>
+          <p:nvPr>
+            <p:ph idx="1"/>
+          </p:nvPr>
+        </p:nvSpPr>
+        <p:spPr/>
+        <p:txBody>
+          <a:bodyPr/>
+          <a:lstStyle/>
+          <a:p>
+            <a:endParaRPr lang="en-US"/>
+          </a:p>
+        </p:txBody>
+      </p:sp>
+    </p:spTree>
+    <p:extLst>
+      <p:ext uri="{BB962C8B-B14F-4D97-AF65-F5344CB8AC3E}">
+        <p14:creationId xmlns:p14="http://schemas.microsoft.com/office/powerpoint/2010/main" val="4275534962"/>
+      </p:ext>
+    </p:extLst>
+  </p:cSld>
+  <p:clrMapOvr>
+    <a:masterClrMapping/>
+  </p:clrMapOvr>
 </p:sld>
 </file>
 
@@ -4264,36 +7098,56 @@
         </p:nvSpPr>
         <p:spPr/>
         <p:txBody>
+          <a:bodyPr>
+            <a:normAutofit/>
+          </a:bodyPr>
+          <a:lstStyle/>
+          <a:p>
+            <a:pPr algn="ctr"/>
+            <a:r>
+              <a:rPr lang="en-US" dirty="0" smtClean="0"/>
+              <a:t>Process Model</a:t>
+            </a:r>
+            <a:endParaRPr lang="en-US" dirty="0"/>
+          </a:p>
+        </p:txBody>
+      </p:sp>
+      <p:sp>
+        <p:nvSpPr>
+          <p:cNvPr id="3" name="Content Placeholder 2"/>
+          <p:cNvSpPr>
+            <a:spLocks noGrp="1"/>
+          </p:cNvSpPr>
+          <p:nvPr>
+            <p:ph idx="1"/>
+          </p:nvPr>
+        </p:nvSpPr>
+        <p:spPr/>
+        <p:txBody>
           <a:bodyPr/>
           <a:lstStyle/>
           <a:p>
             <a:r>
               <a:rPr lang="en-US" dirty="0" smtClean="0"/>
-              <a:t>Problem Overview</a:t>
-            </a:r>
-            <a:endParaRPr lang="en-US" dirty="0"/>
-          </a:p>
-        </p:txBody>
-      </p:sp>
-      <p:sp>
-        <p:nvSpPr>
-          <p:cNvPr id="3" name="Content Placeholder 2"/>
-          <p:cNvSpPr>
-            <a:spLocks noGrp="1"/>
-          </p:cNvSpPr>
-          <p:nvPr>
-            <p:ph idx="1"/>
-          </p:nvPr>
-        </p:nvSpPr>
-        <p:spPr/>
-        <p:txBody>
-          <a:bodyPr/>
-          <a:lstStyle/>
-          <a:p>
+              <a:t>Iterative and Incremental</a:t>
+            </a:r>
+          </a:p>
+          <a:p>
+            <a:pPr lvl="1"/>
             <a:r>
               <a:rPr lang="en-US" dirty="0" smtClean="0"/>
-              <a:t>Ahmed, you got this</a:t>
-            </a:r>
+              <a:t>Functional products after short time</a:t>
+            </a:r>
+          </a:p>
+          <a:p>
+            <a:pPr lvl="1"/>
+            <a:r>
+              <a:rPr lang="en-US" dirty="0" smtClean="0"/>
+              <a:t>Room for low-cost maintenance</a:t>
+            </a:r>
+          </a:p>
+          <a:p>
+            <a:pPr lvl="1"/>
             <a:endParaRPr lang="en-US" dirty="0"/>
           </a:p>
         </p:txBody>
@@ -4301,7 +7155,7 @@
     </p:spTree>
     <p:extLst>
       <p:ext uri="{BB962C8B-B14F-4D97-AF65-F5344CB8AC3E}">
-        <p14:creationId xmlns:p14="http://schemas.microsoft.com/office/powerpoint/2010/main" val="1326059528"/>
+        <p14:creationId xmlns:p14="http://schemas.microsoft.com/office/powerpoint/2010/main" val="2084027435"/>
       </p:ext>
     </p:extLst>
   </p:cSld>
@@ -4355,7 +7209,7 @@
             <a:pPr algn="ctr"/>
             <a:r>
               <a:rPr lang="en-US" dirty="0" smtClean="0"/>
-              <a:t>Process Model</a:t>
+              <a:t>Gantt Chart 1: Past</a:t>
             </a:r>
             <a:endParaRPr lang="en-US" dirty="0"/>
           </a:p>
@@ -4378,25 +7232,8 @@
           <a:p>
             <a:r>
               <a:rPr lang="en-US" dirty="0" smtClean="0"/>
-              <a:t>Iterative and Incremental</a:t>
-            </a:r>
-          </a:p>
-          <a:p>
-            <a:pPr lvl="1"/>
-            <a:r>
-              <a:rPr lang="en-US" dirty="0" smtClean="0"/>
-              <a:t>Functional products after short time</a:t>
-            </a:r>
-          </a:p>
-          <a:p>
-            <a:pPr lvl="1"/>
-            <a:r>
-              <a:rPr lang="en-US" dirty="0" smtClean="0"/>
-              <a:t>Room for low-cost maintenance</a:t>
-            </a:r>
-          </a:p>
-          <a:p>
-            <a:pPr lvl="1"/>
+              <a:t>Gantt Chart goes here</a:t>
+            </a:r>
             <a:endParaRPr lang="en-US" dirty="0"/>
           </a:p>
         </p:txBody>
@@ -4404,7 +7241,7 @@
     </p:spTree>
     <p:extLst>
       <p:ext uri="{BB962C8B-B14F-4D97-AF65-F5344CB8AC3E}">
-        <p14:creationId xmlns:p14="http://schemas.microsoft.com/office/powerpoint/2010/main" val="2084027435"/>
+        <p14:creationId xmlns:p14="http://schemas.microsoft.com/office/powerpoint/2010/main" val="1790221816"/>
       </p:ext>
     </p:extLst>
   </p:cSld>
@@ -4453,10 +7290,9 @@
           <a:bodyPr/>
           <a:lstStyle/>
           <a:p>
-            <a:pPr algn="ctr"/>
             <a:r>
               <a:rPr lang="en-US" dirty="0" smtClean="0"/>
-              <a:t>Planning</a:t>
+              <a:t>Gantt Chart 2: Future</a:t>
             </a:r>
             <a:endParaRPr lang="en-US" dirty="0"/>
           </a:p>
@@ -4477,18 +7313,14 @@
           <a:bodyPr/>
           <a:lstStyle/>
           <a:p>
-            <a:r>
-              <a:rPr lang="en-US" dirty="0" smtClean="0"/>
-              <a:t>Gantt Chart goes here</a:t>
-            </a:r>
-            <a:endParaRPr lang="en-US" dirty="0"/>
+            <a:endParaRPr lang="en-US"/>
           </a:p>
         </p:txBody>
       </p:sp>
     </p:spTree>
     <p:extLst>
       <p:ext uri="{BB962C8B-B14F-4D97-AF65-F5344CB8AC3E}">
-        <p14:creationId xmlns:p14="http://schemas.microsoft.com/office/powerpoint/2010/main" val="1790221816"/>
+        <p14:creationId xmlns:p14="http://schemas.microsoft.com/office/powerpoint/2010/main" val="2253057097"/>
       </p:ext>
     </p:extLst>
   </p:cSld>
@@ -7334,6 +10166,10 @@
             <a:pPr marL="36576" indent="0">
               <a:buNone/>
             </a:pPr>
+            <a:r>
+              <a:rPr lang="en-US" dirty="0" smtClean="0"/>
+              <a:t>Add the must haves for the main project</a:t>
+            </a:r>
             <a:endParaRPr lang="en-US" dirty="0"/>
           </a:p>
         </p:txBody>
@@ -7418,6 +10254,10 @@
             <a:pPr marL="36576" indent="0">
               <a:buNone/>
             </a:pPr>
+            <a:r>
+              <a:rPr lang="en-US" dirty="0" smtClean="0"/>
+              <a:t>Must haves and should haves</a:t>
+            </a:r>
             <a:endParaRPr lang="en-US" dirty="0"/>
           </a:p>
         </p:txBody>
@@ -7521,7 +10361,7 @@
           <p:nvPr/>
         </p:nvPicPr>
         <p:blipFill>
-          <a:blip r:embed="rId2"/>
+          <a:blip r:embed="rId3"/>
           <a:stretch>
             <a:fillRect/>
           </a:stretch>
@@ -7925,4 +10765,324 @@
   </a:objectDefaults>
   <a:extraClrSchemeLst/>
 </a:theme>
+</file>
+
+<file path=ppt/theme/theme2.xml><?xml version="1.0" encoding="utf-8"?>
+<a:theme xmlns:a="http://schemas.openxmlformats.org/drawingml/2006/main" name="Office Theme">
+  <a:themeElements>
+    <a:clrScheme name="Office">
+      <a:dk1>
+        <a:sysClr val="windowText" lastClr="000000"/>
+      </a:dk1>
+      <a:lt1>
+        <a:sysClr val="window" lastClr="FFFFFF"/>
+      </a:lt1>
+      <a:dk2>
+        <a:srgbClr val="1F497D"/>
+      </a:dk2>
+      <a:lt2>
+        <a:srgbClr val="EEECE1"/>
+      </a:lt2>
+      <a:accent1>
+        <a:srgbClr val="4F81BD"/>
+      </a:accent1>
+      <a:accent2>
+        <a:srgbClr val="C0504D"/>
+      </a:accent2>
+      <a:accent3>
+        <a:srgbClr val="9BBB59"/>
+      </a:accent3>
+      <a:accent4>
+        <a:srgbClr val="8064A2"/>
+      </a:accent4>
+      <a:accent5>
+        <a:srgbClr val="4BACC6"/>
+      </a:accent5>
+      <a:accent6>
+        <a:srgbClr val="F79646"/>
+      </a:accent6>
+      <a:hlink>
+        <a:srgbClr val="0000FF"/>
+      </a:hlink>
+      <a:folHlink>
+        <a:srgbClr val="800080"/>
+      </a:folHlink>
+    </a:clrScheme>
+    <a:fontScheme name="Office">
+      <a:majorFont>
+        <a:latin typeface="Calibri"/>
+        <a:ea typeface=""/>
+        <a:cs typeface=""/>
+        <a:font script="Jpan" typeface="ＭＳ Ｐゴシック"/>
+        <a:font script="Hang" typeface="맑은 고딕"/>
+        <a:font script="Hans" typeface="宋体"/>
+        <a:font script="Hant" typeface="新細明體"/>
+        <a:font script="Arab" typeface="Times New Roman"/>
+        <a:font script="Hebr" typeface="Times New Roman"/>
+        <a:font script="Thai" typeface="Angsana New"/>
+        <a:font script="Ethi" typeface="Nyala"/>
+        <a:font script="Beng" typeface="Vrinda"/>
+        <a:font script="Gujr" typeface="Shruti"/>
+        <a:font script="Khmr" typeface="MoolBoran"/>
+        <a:font script="Knda" typeface="Tunga"/>
+        <a:font script="Guru" typeface="Raavi"/>
+        <a:font script="Cans" typeface="Euphemia"/>
+        <a:font script="Cher" typeface="Plantagenet Cherokee"/>
+        <a:font script="Yiii" typeface="Microsoft Yi Baiti"/>
+        <a:font script="Tibt" typeface="Microsoft Himalaya"/>
+        <a:font script="Thaa" typeface="MV Boli"/>
+        <a:font script="Deva" typeface="Mangal"/>
+        <a:font script="Telu" typeface="Gautami"/>
+        <a:font script="Taml" typeface="Latha"/>
+        <a:font script="Syrc" typeface="Estrangelo Edessa"/>
+        <a:font script="Orya" typeface="Kalinga"/>
+        <a:font script="Mlym" typeface="Kartika"/>
+        <a:font script="Laoo" typeface="DokChampa"/>
+        <a:font script="Sinh" typeface="Iskoola Pota"/>
+        <a:font script="Mong" typeface="Mongolian Baiti"/>
+        <a:font script="Viet" typeface="Times New Roman"/>
+        <a:font script="Uigh" typeface="Microsoft Uighur"/>
+        <a:font script="Geor" typeface="Sylfaen"/>
+      </a:majorFont>
+      <a:minorFont>
+        <a:latin typeface="Calibri"/>
+        <a:ea typeface=""/>
+        <a:cs typeface=""/>
+        <a:font script="Jpan" typeface="ＭＳ Ｐゴシック"/>
+        <a:font script="Hang" typeface="맑은 고딕"/>
+        <a:font script="Hans" typeface="宋体"/>
+        <a:font script="Hant" typeface="新細明體"/>
+        <a:font script="Arab" typeface="Arial"/>
+        <a:font script="Hebr" typeface="Arial"/>
+        <a:font script="Thai" typeface="Cordia New"/>
+        <a:font script="Ethi" typeface="Nyala"/>
+        <a:font script="Beng" typeface="Vrinda"/>
+        <a:font script="Gujr" typeface="Shruti"/>
+        <a:font script="Khmr" typeface="DaunPenh"/>
+        <a:font script="Knda" typeface="Tunga"/>
+        <a:font script="Guru" typeface="Raavi"/>
+        <a:font script="Cans" typeface="Euphemia"/>
+        <a:font script="Cher" typeface="Plantagenet Cherokee"/>
+        <a:font script="Yiii" typeface="Microsoft Yi Baiti"/>
+        <a:font script="Tibt" typeface="Microsoft Himalaya"/>
+        <a:font script="Thaa" typeface="MV Boli"/>
+        <a:font script="Deva" typeface="Mangal"/>
+        <a:font script="Telu" typeface="Gautami"/>
+        <a:font script="Taml" typeface="Latha"/>
+        <a:font script="Syrc" typeface="Estrangelo Edessa"/>
+        <a:font script="Orya" typeface="Kalinga"/>
+        <a:font script="Mlym" typeface="Kartika"/>
+        <a:font script="Laoo" typeface="DokChampa"/>
+        <a:font script="Sinh" typeface="Iskoola Pota"/>
+        <a:font script="Mong" typeface="Mongolian Baiti"/>
+        <a:font script="Viet" typeface="Arial"/>
+        <a:font script="Uigh" typeface="Microsoft Uighur"/>
+        <a:font script="Geor" typeface="Sylfaen"/>
+      </a:minorFont>
+    </a:fontScheme>
+    <a:fmtScheme name="Office">
+      <a:fillStyleLst>
+        <a:solidFill>
+          <a:schemeClr val="phClr"/>
+        </a:solidFill>
+        <a:gradFill rotWithShape="1">
+          <a:gsLst>
+            <a:gs pos="0">
+              <a:schemeClr val="phClr">
+                <a:tint val="50000"/>
+                <a:satMod val="300000"/>
+              </a:schemeClr>
+            </a:gs>
+            <a:gs pos="35000">
+              <a:schemeClr val="phClr">
+                <a:tint val="37000"/>
+                <a:satMod val="300000"/>
+              </a:schemeClr>
+            </a:gs>
+            <a:gs pos="100000">
+              <a:schemeClr val="phClr">
+                <a:tint val="15000"/>
+                <a:satMod val="350000"/>
+              </a:schemeClr>
+            </a:gs>
+          </a:gsLst>
+          <a:lin ang="16200000" scaled="1"/>
+        </a:gradFill>
+        <a:gradFill rotWithShape="1">
+          <a:gsLst>
+            <a:gs pos="0">
+              <a:schemeClr val="phClr">
+                <a:tint val="100000"/>
+                <a:shade val="100000"/>
+                <a:satMod val="130000"/>
+              </a:schemeClr>
+            </a:gs>
+            <a:gs pos="100000">
+              <a:schemeClr val="phClr">
+                <a:tint val="50000"/>
+                <a:shade val="100000"/>
+                <a:satMod val="350000"/>
+              </a:schemeClr>
+            </a:gs>
+          </a:gsLst>
+          <a:lin ang="16200000" scaled="0"/>
+        </a:gradFill>
+      </a:fillStyleLst>
+      <a:lnStyleLst>
+        <a:ln w="9525" cap="flat" cmpd="sng" algn="ctr">
+          <a:solidFill>
+            <a:schemeClr val="phClr">
+              <a:shade val="95000"/>
+              <a:satMod val="105000"/>
+            </a:schemeClr>
+          </a:solidFill>
+          <a:prstDash val="solid"/>
+        </a:ln>
+        <a:ln w="25400" cap="flat" cmpd="sng" algn="ctr">
+          <a:solidFill>
+            <a:schemeClr val="phClr"/>
+          </a:solidFill>
+          <a:prstDash val="solid"/>
+        </a:ln>
+        <a:ln w="38100" cap="flat" cmpd="sng" algn="ctr">
+          <a:solidFill>
+            <a:schemeClr val="phClr"/>
+          </a:solidFill>
+          <a:prstDash val="solid"/>
+        </a:ln>
+      </a:lnStyleLst>
+      <a:effectStyleLst>
+        <a:effectStyle>
+          <a:effectLst>
+            <a:outerShdw blurRad="40000" dist="20000" dir="5400000" rotWithShape="0">
+              <a:srgbClr val="000000">
+                <a:alpha val="38000"/>
+              </a:srgbClr>
+            </a:outerShdw>
+          </a:effectLst>
+        </a:effectStyle>
+        <a:effectStyle>
+          <a:effectLst>
+            <a:outerShdw blurRad="40000" dist="23000" dir="5400000" rotWithShape="0">
+              <a:srgbClr val="000000">
+                <a:alpha val="35000"/>
+              </a:srgbClr>
+            </a:outerShdw>
+          </a:effectLst>
+        </a:effectStyle>
+        <a:effectStyle>
+          <a:effectLst>
+            <a:outerShdw blurRad="40000" dist="23000" dir="5400000" rotWithShape="0">
+              <a:srgbClr val="000000">
+                <a:alpha val="35000"/>
+              </a:srgbClr>
+            </a:outerShdw>
+          </a:effectLst>
+          <a:scene3d>
+            <a:camera prst="orthographicFront">
+              <a:rot lat="0" lon="0" rev="0"/>
+            </a:camera>
+            <a:lightRig rig="threePt" dir="t">
+              <a:rot lat="0" lon="0" rev="1200000"/>
+            </a:lightRig>
+          </a:scene3d>
+          <a:sp3d>
+            <a:bevelT w="63500" h="25400"/>
+          </a:sp3d>
+        </a:effectStyle>
+      </a:effectStyleLst>
+      <a:bgFillStyleLst>
+        <a:solidFill>
+          <a:schemeClr val="phClr"/>
+        </a:solidFill>
+        <a:gradFill rotWithShape="1">
+          <a:gsLst>
+            <a:gs pos="0">
+              <a:schemeClr val="phClr">
+                <a:tint val="40000"/>
+                <a:satMod val="350000"/>
+              </a:schemeClr>
+            </a:gs>
+            <a:gs pos="40000">
+              <a:schemeClr val="phClr">
+                <a:tint val="45000"/>
+                <a:shade val="99000"/>
+                <a:satMod val="350000"/>
+              </a:schemeClr>
+            </a:gs>
+            <a:gs pos="100000">
+              <a:schemeClr val="phClr">
+                <a:shade val="20000"/>
+                <a:satMod val="255000"/>
+              </a:schemeClr>
+            </a:gs>
+          </a:gsLst>
+          <a:path path="circle">
+            <a:fillToRect l="50000" t="-80000" r="50000" b="180000"/>
+          </a:path>
+        </a:gradFill>
+        <a:gradFill rotWithShape="1">
+          <a:gsLst>
+            <a:gs pos="0">
+              <a:schemeClr val="phClr">
+                <a:tint val="80000"/>
+                <a:satMod val="300000"/>
+              </a:schemeClr>
+            </a:gs>
+            <a:gs pos="100000">
+              <a:schemeClr val="phClr">
+                <a:shade val="30000"/>
+                <a:satMod val="200000"/>
+              </a:schemeClr>
+            </a:gs>
+          </a:gsLst>
+          <a:path path="circle">
+            <a:fillToRect l="50000" t="50000" r="50000" b="50000"/>
+          </a:path>
+        </a:gradFill>
+      </a:bgFillStyleLst>
+    </a:fmtScheme>
+  </a:themeElements>
+  <a:objectDefaults>
+    <a:spDef>
+      <a:spPr/>
+      <a:bodyPr/>
+      <a:lstStyle/>
+      <a:style>
+        <a:lnRef idx="1">
+          <a:schemeClr val="accent1"/>
+        </a:lnRef>
+        <a:fillRef idx="3">
+          <a:schemeClr val="accent1"/>
+        </a:fillRef>
+        <a:effectRef idx="2">
+          <a:schemeClr val="accent1"/>
+        </a:effectRef>
+        <a:fontRef idx="minor">
+          <a:schemeClr val="lt1"/>
+        </a:fontRef>
+      </a:style>
+    </a:spDef>
+    <a:lnDef>
+      <a:spPr/>
+      <a:bodyPr/>
+      <a:lstStyle/>
+      <a:style>
+        <a:lnRef idx="2">
+          <a:schemeClr val="accent1"/>
+        </a:lnRef>
+        <a:fillRef idx="0">
+          <a:schemeClr val="accent1"/>
+        </a:fillRef>
+        <a:effectRef idx="1">
+          <a:schemeClr val="accent1"/>
+        </a:effectRef>
+        <a:fontRef idx="minor">
+          <a:schemeClr val="tx1"/>
+        </a:fontRef>
+      </a:style>
+    </a:lnDef>
+  </a:objectDefaults>
+  <a:extraClrSchemeLst/>
+</a:theme>
 </file>
--- a/Presentation/Presentation.pptx
+++ b/Presentation/Presentation.pptx
@@ -17,9 +17,9 @@
     <p:sldId id="260" r:id="rId8"/>
     <p:sldId id="261" r:id="rId9"/>
     <p:sldId id="264" r:id="rId10"/>
-    <p:sldId id="265" r:id="rId11"/>
-    <p:sldId id="266" r:id="rId12"/>
-    <p:sldId id="277" r:id="rId13"/>
+    <p:sldId id="266" r:id="rId11"/>
+    <p:sldId id="277" r:id="rId12"/>
+    <p:sldId id="265" r:id="rId13"/>
     <p:sldId id="275" r:id="rId14"/>
     <p:sldId id="271" r:id="rId15"/>
     <p:sldId id="276" r:id="rId16"/>
@@ -607,8 +607,8 @@
           <a:lstStyle/>
           <a:p>
             <a:r>
-              <a:rPr lang="en-US" dirty="0" smtClean="0"/>
-              <a:t>Lloyd</a:t>
+              <a:rPr lang="en-US" dirty="0" err="1" smtClean="0"/>
+              <a:t>Coakley</a:t>
             </a:r>
             <a:endParaRPr lang="en-US" dirty="0"/>
           </a:p>
@@ -640,7 +640,7 @@
     </p:spTree>
     <p:extLst>
       <p:ext uri="{BB962C8B-B14F-4D97-AF65-F5344CB8AC3E}">
-        <p14:creationId xmlns:p14="http://schemas.microsoft.com/office/powerpoint/2010/main" val="2744818457"/>
+        <p14:creationId xmlns:p14="http://schemas.microsoft.com/office/powerpoint/2010/main" val="289625784"/>
       </p:ext>
     </p:extLst>
   </p:cSld>
@@ -728,7 +728,7 @@
     </p:spTree>
     <p:extLst>
       <p:ext uri="{BB962C8B-B14F-4D97-AF65-F5344CB8AC3E}">
-        <p14:creationId xmlns:p14="http://schemas.microsoft.com/office/powerpoint/2010/main" val="289625784"/>
+        <p14:creationId xmlns:p14="http://schemas.microsoft.com/office/powerpoint/2010/main" val="1794718581"/>
       </p:ext>
     </p:extLst>
   </p:cSld>
@@ -783,8 +783,8 @@
           <a:lstStyle/>
           <a:p>
             <a:r>
-              <a:rPr lang="en-US" dirty="0" err="1" smtClean="0"/>
-              <a:t>Coakley</a:t>
+              <a:rPr lang="en-US" dirty="0" smtClean="0"/>
+              <a:t>Lloyd</a:t>
             </a:r>
             <a:endParaRPr lang="en-US" dirty="0"/>
           </a:p>
@@ -816,7 +816,7 @@
     </p:spTree>
     <p:extLst>
       <p:ext uri="{BB962C8B-B14F-4D97-AF65-F5344CB8AC3E}">
-        <p14:creationId xmlns:p14="http://schemas.microsoft.com/office/powerpoint/2010/main" val="1794718581"/>
+        <p14:creationId xmlns:p14="http://schemas.microsoft.com/office/powerpoint/2010/main" val="2744818457"/>
       </p:ext>
     </p:extLst>
   </p:cSld>
@@ -905,6 +905,125 @@
     <p:extLst>
       <p:ext uri="{BB962C8B-B14F-4D97-AF65-F5344CB8AC3E}">
         <p14:creationId xmlns:p14="http://schemas.microsoft.com/office/powerpoint/2010/main" val="1536673169"/>
+      </p:ext>
+    </p:extLst>
+  </p:cSld>
+  <p:clrMapOvr>
+    <a:masterClrMapping/>
+  </p:clrMapOvr>
+</p:notes>
+</file>
+
+<file path=ppt/notesSlides/notesSlide14.xml><?xml version="1.0" encoding="utf-8"?>
+<p:notes xmlns:a="http://schemas.openxmlformats.org/drawingml/2006/main" xmlns:r="http://schemas.openxmlformats.org/officeDocument/2006/relationships" xmlns:p="http://schemas.openxmlformats.org/presentationml/2006/main">
+  <p:cSld>
+    <p:spTree>
+      <p:nvGrpSpPr>
+        <p:cNvPr id="1" name=""/>
+        <p:cNvGrpSpPr/>
+        <p:nvPr/>
+      </p:nvGrpSpPr>
+      <p:grpSpPr>
+        <a:xfrm>
+          <a:off x="0" y="0"/>
+          <a:ext cx="0" cy="0"/>
+          <a:chOff x="0" y="0"/>
+          <a:chExt cx="0" cy="0"/>
+        </a:xfrm>
+      </p:grpSpPr>
+      <p:sp>
+        <p:nvSpPr>
+          <p:cNvPr id="2" name="Slide Image Placeholder 1"/>
+          <p:cNvSpPr>
+            <a:spLocks noGrp="1" noRot="1" noChangeAspect="1"/>
+          </p:cNvSpPr>
+          <p:nvPr>
+            <p:ph type="sldImg"/>
+          </p:nvPr>
+        </p:nvSpPr>
+        <p:spPr/>
+      </p:sp>
+      <p:sp>
+        <p:nvSpPr>
+          <p:cNvPr id="3" name="Notes Placeholder 2"/>
+          <p:cNvSpPr>
+            <a:spLocks noGrp="1"/>
+          </p:cNvSpPr>
+          <p:nvPr>
+            <p:ph type="body" idx="1"/>
+          </p:nvPr>
+        </p:nvSpPr>
+        <p:spPr/>
+        <p:txBody>
+          <a:bodyPr/>
+          <a:lstStyle/>
+          <a:p>
+            <a:r>
+              <a:rPr lang="en-US" dirty="0" smtClean="0"/>
+              <a:t>Current State of the project</a:t>
+            </a:r>
+          </a:p>
+          <a:p>
+            <a:r>
+              <a:rPr lang="en-US" dirty="0" smtClean="0"/>
+              <a:t>(iterating</a:t>
+            </a:r>
+            <a:r>
+              <a:rPr lang="en-US" baseline="0" dirty="0" smtClean="0"/>
+              <a:t> through our first increment)</a:t>
+            </a:r>
+            <a:endParaRPr lang="en-US" dirty="0" smtClean="0"/>
+          </a:p>
+          <a:p>
+            <a:r>
+              <a:rPr lang="en-US" dirty="0" smtClean="0"/>
+              <a:t>What we plan for the future</a:t>
+            </a:r>
+          </a:p>
+          <a:p>
+            <a:r>
+              <a:rPr lang="en-US" dirty="0" smtClean="0"/>
+              <a:t>(Continue </a:t>
+            </a:r>
+            <a:r>
+              <a:rPr lang="en-US" dirty="0" err="1" smtClean="0"/>
+              <a:t>incremements</a:t>
+            </a:r>
+            <a:r>
+              <a:rPr lang="en-US" dirty="0" smtClean="0"/>
+              <a:t>)</a:t>
+            </a:r>
+            <a:endParaRPr lang="en-US" dirty="0"/>
+          </a:p>
+        </p:txBody>
+      </p:sp>
+      <p:sp>
+        <p:nvSpPr>
+          <p:cNvPr id="4" name="Slide Number Placeholder 3"/>
+          <p:cNvSpPr>
+            <a:spLocks noGrp="1"/>
+          </p:cNvSpPr>
+          <p:nvPr>
+            <p:ph type="sldNum" sz="quarter" idx="10"/>
+          </p:nvPr>
+        </p:nvSpPr>
+        <p:spPr/>
+        <p:txBody>
+          <a:bodyPr/>
+          <a:lstStyle/>
+          <a:p>
+            <a:fld id="{0189621E-F917-C743-B017-A0FB825FE7E5}" type="slidenum">
+              <a:rPr lang="en-US" smtClean="0"/>
+              <a:t>14</a:t>
+            </a:fld>
+            <a:endParaRPr lang="en-US"/>
+          </a:p>
+        </p:txBody>
+      </p:sp>
+    </p:spTree>
+    <p:extLst>
+      <p:ext uri="{BB962C8B-B14F-4D97-AF65-F5344CB8AC3E}">
+        <p14:creationId xmlns:p14="http://schemas.microsoft.com/office/powerpoint/2010/main" val="625927964"/>
       </p:ext>
     </p:extLst>
   </p:cSld>
@@ -5282,6 +5401,390 @@
           <a:lstStyle/>
           <a:p>
             <a:r>
+              <a:rPr lang="en-US" dirty="0"/>
+              <a:t>Use </a:t>
+            </a:r>
+            <a:r>
+              <a:rPr lang="en-US" dirty="0" smtClean="0"/>
+              <a:t>Case: </a:t>
+            </a:r>
+            <a:r>
+              <a:rPr lang="en-US" dirty="0"/>
+              <a:t>Turning Car Off</a:t>
+            </a:r>
+            <a:endParaRPr lang="en-US" dirty="0"/>
+          </a:p>
+        </p:txBody>
+      </p:sp>
+      <p:sp>
+        <p:nvSpPr>
+          <p:cNvPr id="3" name="Content Placeholder 2"/>
+          <p:cNvSpPr>
+            <a:spLocks noGrp="1"/>
+          </p:cNvSpPr>
+          <p:nvPr>
+            <p:ph idx="1"/>
+          </p:nvPr>
+        </p:nvSpPr>
+        <p:spPr/>
+        <p:txBody>
+          <a:bodyPr>
+            <a:normAutofit fontScale="62500" lnSpcReduction="20000"/>
+          </a:bodyPr>
+          <a:lstStyle/>
+          <a:p>
+            <a:r>
+              <a:rPr lang="en-US" dirty="0"/>
+              <a:t>Use Cases: Turning Car Off</a:t>
+            </a:r>
+          </a:p>
+          <a:p>
+            <a:r>
+              <a:rPr lang="en-US" dirty="0"/>
+              <a:t>Goal in Context: To turn off the car</a:t>
+            </a:r>
+          </a:p>
+          <a:p>
+            <a:r>
+              <a:rPr lang="en-US" dirty="0" err="1"/>
+              <a:t>Preconditons</a:t>
+            </a:r>
+            <a:r>
+              <a:rPr lang="en-US" dirty="0"/>
+              <a:t>: The car is on and has a speed value of zero</a:t>
+            </a:r>
+          </a:p>
+          <a:p>
+            <a:r>
+              <a:rPr lang="en-US" dirty="0"/>
+              <a:t>Trigger: The user wants to turn off the car</a:t>
+            </a:r>
+          </a:p>
+          <a:p>
+            <a:r>
+              <a:rPr lang="en-US" dirty="0"/>
+              <a:t>Scenario:</a:t>
+            </a:r>
+          </a:p>
+          <a:p>
+            <a:pPr lvl="0"/>
+            <a:r>
+              <a:rPr lang="en-US" dirty="0"/>
+              <a:t>The user presses the off button. The car turns off.</a:t>
+            </a:r>
+          </a:p>
+          <a:p>
+            <a:r>
+              <a:rPr lang="en-US" dirty="0"/>
+              <a:t>Exceptions: None</a:t>
+            </a:r>
+          </a:p>
+          <a:p>
+            <a:r>
+              <a:rPr lang="en-US" dirty="0"/>
+              <a:t>Priorities: Essential must be implemented</a:t>
+            </a:r>
+          </a:p>
+          <a:p>
+            <a:r>
+              <a:rPr lang="en-US" dirty="0"/>
+              <a:t>When Available: First iteration</a:t>
+            </a:r>
+          </a:p>
+          <a:p>
+            <a:r>
+              <a:rPr lang="en-US" dirty="0"/>
+              <a:t>Frequency of Use: Once during a session</a:t>
+            </a:r>
+          </a:p>
+          <a:p>
+            <a:r>
+              <a:rPr lang="en-US" dirty="0"/>
+              <a:t>Channel to actor: Through GUI</a:t>
+            </a:r>
+          </a:p>
+          <a:p>
+            <a:r>
+              <a:rPr lang="en-US" dirty="0"/>
+              <a:t>Secondary Actors: None</a:t>
+            </a:r>
+          </a:p>
+          <a:p>
+            <a:r>
+              <a:rPr lang="en-US" dirty="0"/>
+              <a:t>Channels to secondary actors: None</a:t>
+            </a:r>
+          </a:p>
+          <a:p>
+            <a:r>
+              <a:rPr lang="en-US" dirty="0"/>
+              <a:t>Open Issue: None</a:t>
+            </a:r>
+          </a:p>
+        </p:txBody>
+      </p:sp>
+    </p:spTree>
+    <p:extLst>
+      <p:ext uri="{BB962C8B-B14F-4D97-AF65-F5344CB8AC3E}">
+        <p14:creationId xmlns:p14="http://schemas.microsoft.com/office/powerpoint/2010/main" val="3726645878"/>
+      </p:ext>
+    </p:extLst>
+  </p:cSld>
+  <p:clrMapOvr>
+    <a:masterClrMapping/>
+  </p:clrMapOvr>
+  <p:timing>
+    <p:tnLst>
+      <p:par>
+        <p:cTn xmlns:p14="http://schemas.microsoft.com/office/powerpoint/2010/main" id="1" dur="indefinite" restart="never" nodeType="tmRoot"/>
+      </p:par>
+    </p:tnLst>
+  </p:timing>
+</p:sld>
+</file>
+
+<file path=ppt/slides/slide11.xml><?xml version="1.0" encoding="utf-8"?>
+<p:sld xmlns:a="http://schemas.openxmlformats.org/drawingml/2006/main" xmlns:r="http://schemas.openxmlformats.org/officeDocument/2006/relationships" xmlns:p="http://schemas.openxmlformats.org/presentationml/2006/main">
+  <p:cSld>
+    <p:spTree>
+      <p:nvGrpSpPr>
+        <p:cNvPr id="1" name=""/>
+        <p:cNvGrpSpPr/>
+        <p:nvPr/>
+      </p:nvGrpSpPr>
+      <p:grpSpPr>
+        <a:xfrm>
+          <a:off x="0" y="0"/>
+          <a:ext cx="0" cy="0"/>
+          <a:chOff x="0" y="0"/>
+          <a:chExt cx="0" cy="0"/>
+        </a:xfrm>
+      </p:grpSpPr>
+      <p:sp>
+        <p:nvSpPr>
+          <p:cNvPr id="2" name="Title 1"/>
+          <p:cNvSpPr>
+            <a:spLocks noGrp="1"/>
+          </p:cNvSpPr>
+          <p:nvPr>
+            <p:ph type="title"/>
+          </p:nvPr>
+        </p:nvSpPr>
+        <p:spPr/>
+        <p:txBody>
+          <a:bodyPr>
+            <a:normAutofit/>
+          </a:bodyPr>
+          <a:lstStyle/>
+          <a:p>
+            <a:r>
+              <a:rPr lang="en-US" dirty="0"/>
+              <a:t>Use </a:t>
+            </a:r>
+            <a:r>
+              <a:rPr lang="en-US" dirty="0" smtClean="0"/>
+              <a:t>Case: Accelerate</a:t>
+            </a:r>
+            <a:endParaRPr lang="en-US" dirty="0"/>
+          </a:p>
+        </p:txBody>
+      </p:sp>
+      <p:sp>
+        <p:nvSpPr>
+          <p:cNvPr id="3" name="Content Placeholder 2"/>
+          <p:cNvSpPr>
+            <a:spLocks noGrp="1"/>
+          </p:cNvSpPr>
+          <p:nvPr>
+            <p:ph idx="1"/>
+          </p:nvPr>
+        </p:nvSpPr>
+        <p:spPr>
+          <a:xfrm>
+            <a:off x="457200" y="1600200"/>
+            <a:ext cx="7467600" cy="4980017"/>
+          </a:xfrm>
+        </p:spPr>
+        <p:txBody>
+          <a:bodyPr>
+            <a:normAutofit fontScale="47500" lnSpcReduction="20000"/>
+          </a:bodyPr>
+          <a:lstStyle/>
+          <a:p>
+            <a:r>
+              <a:rPr lang="en-US" dirty="0" smtClean="0"/>
+              <a:t>Primary </a:t>
+            </a:r>
+            <a:r>
+              <a:rPr lang="en-US" dirty="0"/>
+              <a:t>Actor: User</a:t>
+            </a:r>
+          </a:p>
+          <a:p>
+            <a:r>
+              <a:rPr lang="en-US" dirty="0"/>
+              <a:t>Goal in Context: To make the car go faster.</a:t>
+            </a:r>
+          </a:p>
+          <a:p>
+            <a:r>
+              <a:rPr lang="en-US" dirty="0"/>
+              <a:t>Preconditions: The car must be on</a:t>
+            </a:r>
+          </a:p>
+          <a:p>
+            <a:r>
+              <a:rPr lang="en-US" dirty="0"/>
+              <a:t>Trigger: The user wants the car to accelerate.</a:t>
+            </a:r>
+          </a:p>
+          <a:p>
+            <a:r>
+              <a:rPr lang="en-US" dirty="0"/>
+              <a:t>Scenario:</a:t>
+            </a:r>
+          </a:p>
+          <a:p>
+            <a:pPr lvl="0"/>
+            <a:r>
+              <a:rPr lang="en-US" dirty="0"/>
+              <a:t>The users selects a speed at which the car accelerates until the maximum speed is reached. The car’s current acceleration and speed will be displayed.</a:t>
+            </a:r>
+          </a:p>
+          <a:p>
+            <a:pPr lvl="0"/>
+            <a:r>
+              <a:rPr lang="en-US" dirty="0"/>
+              <a:t>The user selects a speed that he/she wants the car to reach the car will accelerate at a rate until that speed is reached. The car’s current acceleration and speed will be displayed.</a:t>
+            </a:r>
+          </a:p>
+          <a:p>
+            <a:pPr lvl="0"/>
+            <a:r>
+              <a:rPr lang="en-US" dirty="0"/>
+              <a:t>The rate of fuel consumption is directly related to the acceleration of the vehicle.</a:t>
+            </a:r>
+          </a:p>
+          <a:p>
+            <a:r>
+              <a:rPr lang="en-US" dirty="0"/>
+              <a:t>Exceptions:</a:t>
+            </a:r>
+          </a:p>
+          <a:p>
+            <a:pPr lvl="0"/>
+            <a:r>
+              <a:rPr lang="en-US" dirty="0"/>
+              <a:t>If the desired speed is reached the car will not accelerate anymore keeping the speed at that value.</a:t>
+            </a:r>
+          </a:p>
+          <a:p>
+            <a:pPr lvl="0"/>
+            <a:r>
+              <a:rPr lang="en-US" dirty="0"/>
+              <a:t>If the max speed is reached the car will not accelerate anymore keeping the speed at that value.</a:t>
+            </a:r>
+          </a:p>
+          <a:p>
+            <a:r>
+              <a:rPr lang="en-US" dirty="0"/>
+              <a:t>Priority: Essential must be implemented</a:t>
+            </a:r>
+          </a:p>
+          <a:p>
+            <a:r>
+              <a:rPr lang="en-US" dirty="0"/>
+              <a:t>Frequency of Use: Whenever the user wants to go faster.</a:t>
+            </a:r>
+          </a:p>
+          <a:p>
+            <a:r>
+              <a:rPr lang="en-US" dirty="0"/>
+              <a:t>When Available: First Iteration</a:t>
+            </a:r>
+          </a:p>
+          <a:p>
+            <a:r>
+              <a:rPr lang="en-US" dirty="0"/>
+              <a:t>Channel to actor: Through GUI</a:t>
+            </a:r>
+          </a:p>
+          <a:p>
+            <a:r>
+              <a:rPr lang="en-US" dirty="0"/>
+              <a:t>Secondary Actors: None</a:t>
+            </a:r>
+          </a:p>
+          <a:p>
+            <a:r>
+              <a:rPr lang="en-US" dirty="0"/>
+              <a:t>Channels to secondary actors: None</a:t>
+            </a:r>
+          </a:p>
+          <a:p>
+            <a:r>
+              <a:rPr lang="en-US" dirty="0"/>
+              <a:t>Open Issue: None</a:t>
+            </a:r>
+          </a:p>
+          <a:p>
+            <a:endParaRPr lang="en-US" dirty="0"/>
+          </a:p>
+        </p:txBody>
+      </p:sp>
+    </p:spTree>
+    <p:extLst>
+      <p:ext uri="{BB962C8B-B14F-4D97-AF65-F5344CB8AC3E}">
+        <p14:creationId xmlns:p14="http://schemas.microsoft.com/office/powerpoint/2010/main" val="2319732421"/>
+      </p:ext>
+    </p:extLst>
+  </p:cSld>
+  <p:clrMapOvr>
+    <a:masterClrMapping/>
+  </p:clrMapOvr>
+  <p:timing>
+    <p:tnLst>
+      <p:par>
+        <p:cTn xmlns:p14="http://schemas.microsoft.com/office/powerpoint/2010/main" id="1" dur="indefinite" restart="never" nodeType="tmRoot"/>
+      </p:par>
+    </p:tnLst>
+  </p:timing>
+</p:sld>
+</file>
+
+<file path=ppt/slides/slide12.xml><?xml version="1.0" encoding="utf-8"?>
+<p:sld xmlns:a="http://schemas.openxmlformats.org/drawingml/2006/main" xmlns:r="http://schemas.openxmlformats.org/officeDocument/2006/relationships" xmlns:p="http://schemas.openxmlformats.org/presentationml/2006/main">
+  <p:cSld>
+    <p:spTree>
+      <p:nvGrpSpPr>
+        <p:cNvPr id="1" name=""/>
+        <p:cNvGrpSpPr/>
+        <p:nvPr/>
+      </p:nvGrpSpPr>
+      <p:grpSpPr>
+        <a:xfrm>
+          <a:off x="0" y="0"/>
+          <a:ext cx="0" cy="0"/>
+          <a:chOff x="0" y="0"/>
+          <a:chExt cx="0" cy="0"/>
+        </a:xfrm>
+      </p:grpSpPr>
+      <p:sp>
+        <p:nvSpPr>
+          <p:cNvPr id="2" name="Title 1"/>
+          <p:cNvSpPr>
+            <a:spLocks noGrp="1"/>
+          </p:cNvSpPr>
+          <p:nvPr>
+            <p:ph type="title"/>
+          </p:nvPr>
+        </p:nvSpPr>
+        <p:spPr/>
+        <p:txBody>
+          <a:bodyPr/>
+          <a:lstStyle/>
+          <a:p>
+            <a:r>
               <a:rPr lang="en-US" dirty="0" smtClean="0"/>
               <a:t>State Machine</a:t>
             </a:r>
@@ -5407,383 +5910,6 @@
 </p:sld>
 </file>
 
-<file path=ppt/slides/slide11.xml><?xml version="1.0" encoding="utf-8"?>
-<p:sld xmlns:a="http://schemas.openxmlformats.org/drawingml/2006/main" xmlns:r="http://schemas.openxmlformats.org/officeDocument/2006/relationships" xmlns:p="http://schemas.openxmlformats.org/presentationml/2006/main">
-  <p:cSld>
-    <p:spTree>
-      <p:nvGrpSpPr>
-        <p:cNvPr id="1" name=""/>
-        <p:cNvGrpSpPr/>
-        <p:nvPr/>
-      </p:nvGrpSpPr>
-      <p:grpSpPr>
-        <a:xfrm>
-          <a:off x="0" y="0"/>
-          <a:ext cx="0" cy="0"/>
-          <a:chOff x="0" y="0"/>
-          <a:chExt cx="0" cy="0"/>
-        </a:xfrm>
-      </p:grpSpPr>
-      <p:sp>
-        <p:nvSpPr>
-          <p:cNvPr id="2" name="Title 1"/>
-          <p:cNvSpPr>
-            <a:spLocks noGrp="1"/>
-          </p:cNvSpPr>
-          <p:nvPr>
-            <p:ph type="title"/>
-          </p:nvPr>
-        </p:nvSpPr>
-        <p:spPr/>
-        <p:txBody>
-          <a:bodyPr/>
-          <a:lstStyle/>
-          <a:p>
-            <a:r>
-              <a:rPr lang="en-US" dirty="0"/>
-              <a:t>Use </a:t>
-            </a:r>
-            <a:r>
-              <a:rPr lang="en-US" dirty="0" smtClean="0"/>
-              <a:t>Case: </a:t>
-            </a:r>
-            <a:r>
-              <a:rPr lang="en-US" dirty="0"/>
-              <a:t>Turning Car Off</a:t>
-            </a:r>
-            <a:endParaRPr lang="en-US" dirty="0"/>
-          </a:p>
-        </p:txBody>
-      </p:sp>
-      <p:sp>
-        <p:nvSpPr>
-          <p:cNvPr id="3" name="Content Placeholder 2"/>
-          <p:cNvSpPr>
-            <a:spLocks noGrp="1"/>
-          </p:cNvSpPr>
-          <p:nvPr>
-            <p:ph idx="1"/>
-          </p:nvPr>
-        </p:nvSpPr>
-        <p:spPr/>
-        <p:txBody>
-          <a:bodyPr>
-            <a:normAutofit fontScale="62500" lnSpcReduction="20000"/>
-          </a:bodyPr>
-          <a:lstStyle/>
-          <a:p>
-            <a:r>
-              <a:rPr lang="en-US" dirty="0"/>
-              <a:t>Use Cases: Turning Car Off</a:t>
-            </a:r>
-          </a:p>
-          <a:p>
-            <a:r>
-              <a:rPr lang="en-US" dirty="0"/>
-              <a:t>Goal in Context: To turn off the car</a:t>
-            </a:r>
-          </a:p>
-          <a:p>
-            <a:r>
-              <a:rPr lang="en-US" dirty="0" err="1"/>
-              <a:t>Preconditons</a:t>
-            </a:r>
-            <a:r>
-              <a:rPr lang="en-US" dirty="0"/>
-              <a:t>: The car is on and has a speed value of zero</a:t>
-            </a:r>
-          </a:p>
-          <a:p>
-            <a:r>
-              <a:rPr lang="en-US" dirty="0"/>
-              <a:t>Trigger: The user wants to turn off the car</a:t>
-            </a:r>
-          </a:p>
-          <a:p>
-            <a:r>
-              <a:rPr lang="en-US" dirty="0"/>
-              <a:t>Scenario:</a:t>
-            </a:r>
-          </a:p>
-          <a:p>
-            <a:pPr lvl="0"/>
-            <a:r>
-              <a:rPr lang="en-US" dirty="0"/>
-              <a:t>The user presses the off button. The car turns off.</a:t>
-            </a:r>
-          </a:p>
-          <a:p>
-            <a:r>
-              <a:rPr lang="en-US" dirty="0"/>
-              <a:t>Exceptions: None</a:t>
-            </a:r>
-          </a:p>
-          <a:p>
-            <a:r>
-              <a:rPr lang="en-US" dirty="0"/>
-              <a:t>Priorities: Essential must be implemented</a:t>
-            </a:r>
-          </a:p>
-          <a:p>
-            <a:r>
-              <a:rPr lang="en-US" dirty="0"/>
-              <a:t>When Available: First iteration</a:t>
-            </a:r>
-          </a:p>
-          <a:p>
-            <a:r>
-              <a:rPr lang="en-US" dirty="0"/>
-              <a:t>Frequency of Use: Once during a session</a:t>
-            </a:r>
-          </a:p>
-          <a:p>
-            <a:r>
-              <a:rPr lang="en-US" dirty="0"/>
-              <a:t>Channel to actor: Through GUI</a:t>
-            </a:r>
-          </a:p>
-          <a:p>
-            <a:r>
-              <a:rPr lang="en-US" dirty="0"/>
-              <a:t>Secondary Actors: None</a:t>
-            </a:r>
-          </a:p>
-          <a:p>
-            <a:r>
-              <a:rPr lang="en-US" dirty="0"/>
-              <a:t>Channels to secondary actors: None</a:t>
-            </a:r>
-          </a:p>
-          <a:p>
-            <a:r>
-              <a:rPr lang="en-US" dirty="0"/>
-              <a:t>Open Issue: None</a:t>
-            </a:r>
-          </a:p>
-        </p:txBody>
-      </p:sp>
-    </p:spTree>
-    <p:extLst>
-      <p:ext uri="{BB962C8B-B14F-4D97-AF65-F5344CB8AC3E}">
-        <p14:creationId xmlns:p14="http://schemas.microsoft.com/office/powerpoint/2010/main" val="3726645878"/>
-      </p:ext>
-    </p:extLst>
-  </p:cSld>
-  <p:clrMapOvr>
-    <a:masterClrMapping/>
-  </p:clrMapOvr>
-  <p:timing>
-    <p:tnLst>
-      <p:par>
-        <p:cTn xmlns:p14="http://schemas.microsoft.com/office/powerpoint/2010/main" id="1" dur="indefinite" restart="never" nodeType="tmRoot"/>
-      </p:par>
-    </p:tnLst>
-  </p:timing>
-</p:sld>
-</file>
-
-<file path=ppt/slides/slide12.xml><?xml version="1.0" encoding="utf-8"?>
-<p:sld xmlns:a="http://schemas.openxmlformats.org/drawingml/2006/main" xmlns:r="http://schemas.openxmlformats.org/officeDocument/2006/relationships" xmlns:p="http://schemas.openxmlformats.org/presentationml/2006/main">
-  <p:cSld>
-    <p:spTree>
-      <p:nvGrpSpPr>
-        <p:cNvPr id="1" name=""/>
-        <p:cNvGrpSpPr/>
-        <p:nvPr/>
-      </p:nvGrpSpPr>
-      <p:grpSpPr>
-        <a:xfrm>
-          <a:off x="0" y="0"/>
-          <a:ext cx="0" cy="0"/>
-          <a:chOff x="0" y="0"/>
-          <a:chExt cx="0" cy="0"/>
-        </a:xfrm>
-      </p:grpSpPr>
-      <p:sp>
-        <p:nvSpPr>
-          <p:cNvPr id="2" name="Title 1"/>
-          <p:cNvSpPr>
-            <a:spLocks noGrp="1"/>
-          </p:cNvSpPr>
-          <p:nvPr>
-            <p:ph type="title"/>
-          </p:nvPr>
-        </p:nvSpPr>
-        <p:spPr/>
-        <p:txBody>
-          <a:bodyPr>
-            <a:normAutofit/>
-          </a:bodyPr>
-          <a:lstStyle/>
-          <a:p>
-            <a:r>
-              <a:rPr lang="en-US" dirty="0"/>
-              <a:t>Use </a:t>
-            </a:r>
-            <a:r>
-              <a:rPr lang="en-US" dirty="0" smtClean="0"/>
-              <a:t>Case: Accelerate</a:t>
-            </a:r>
-            <a:endParaRPr lang="en-US" dirty="0"/>
-          </a:p>
-        </p:txBody>
-      </p:sp>
-      <p:sp>
-        <p:nvSpPr>
-          <p:cNvPr id="3" name="Content Placeholder 2"/>
-          <p:cNvSpPr>
-            <a:spLocks noGrp="1"/>
-          </p:cNvSpPr>
-          <p:nvPr>
-            <p:ph idx="1"/>
-          </p:nvPr>
-        </p:nvSpPr>
-        <p:spPr>
-          <a:xfrm>
-            <a:off x="457200" y="1600200"/>
-            <a:ext cx="7467600" cy="4980017"/>
-          </a:xfrm>
-        </p:spPr>
-        <p:txBody>
-          <a:bodyPr>
-            <a:normAutofit fontScale="47500" lnSpcReduction="20000"/>
-          </a:bodyPr>
-          <a:lstStyle/>
-          <a:p>
-            <a:r>
-              <a:rPr lang="en-US" dirty="0" smtClean="0"/>
-              <a:t>Primary </a:t>
-            </a:r>
-            <a:r>
-              <a:rPr lang="en-US" dirty="0"/>
-              <a:t>Actor: User</a:t>
-            </a:r>
-          </a:p>
-          <a:p>
-            <a:r>
-              <a:rPr lang="en-US" dirty="0"/>
-              <a:t>Goal in Context: To make the car go faster.</a:t>
-            </a:r>
-          </a:p>
-          <a:p>
-            <a:r>
-              <a:rPr lang="en-US" dirty="0"/>
-              <a:t>Preconditions: The car must be on</a:t>
-            </a:r>
-          </a:p>
-          <a:p>
-            <a:r>
-              <a:rPr lang="en-US" dirty="0"/>
-              <a:t>Trigger: The user wants the car to accelerate.</a:t>
-            </a:r>
-          </a:p>
-          <a:p>
-            <a:r>
-              <a:rPr lang="en-US" dirty="0"/>
-              <a:t>Scenario:</a:t>
-            </a:r>
-          </a:p>
-          <a:p>
-            <a:pPr lvl="0"/>
-            <a:r>
-              <a:rPr lang="en-US" dirty="0"/>
-              <a:t>The users selects a speed at which the car accelerates until the maximum speed is reached. The car’s current acceleration and speed will be displayed.</a:t>
-            </a:r>
-          </a:p>
-          <a:p>
-            <a:pPr lvl="0"/>
-            <a:r>
-              <a:rPr lang="en-US" dirty="0"/>
-              <a:t>The user selects a speed that he/she wants the car to reach the car will accelerate at a rate until that speed is reached. The car’s current acceleration and speed will be displayed.</a:t>
-            </a:r>
-          </a:p>
-          <a:p>
-            <a:pPr lvl="0"/>
-            <a:r>
-              <a:rPr lang="en-US" dirty="0"/>
-              <a:t>The rate of fuel consumption is directly related to the acceleration of the vehicle.</a:t>
-            </a:r>
-          </a:p>
-          <a:p>
-            <a:r>
-              <a:rPr lang="en-US" dirty="0"/>
-              <a:t>Exceptions:</a:t>
-            </a:r>
-          </a:p>
-          <a:p>
-            <a:pPr lvl="0"/>
-            <a:r>
-              <a:rPr lang="en-US" dirty="0"/>
-              <a:t>If the desired speed is reached the car will not accelerate anymore keeping the speed at that value.</a:t>
-            </a:r>
-          </a:p>
-          <a:p>
-            <a:pPr lvl="0"/>
-            <a:r>
-              <a:rPr lang="en-US" dirty="0"/>
-              <a:t>If the max speed is reached the car will not accelerate anymore keeping the speed at that value.</a:t>
-            </a:r>
-          </a:p>
-          <a:p>
-            <a:r>
-              <a:rPr lang="en-US" dirty="0"/>
-              <a:t>Priority: Essential must be implemented</a:t>
-            </a:r>
-          </a:p>
-          <a:p>
-            <a:r>
-              <a:rPr lang="en-US" dirty="0"/>
-              <a:t>Frequency of Use: Whenever the user wants to go faster.</a:t>
-            </a:r>
-          </a:p>
-          <a:p>
-            <a:r>
-              <a:rPr lang="en-US" dirty="0"/>
-              <a:t>When Available: First Iteration</a:t>
-            </a:r>
-          </a:p>
-          <a:p>
-            <a:r>
-              <a:rPr lang="en-US" dirty="0"/>
-              <a:t>Channel to actor: Through GUI</a:t>
-            </a:r>
-          </a:p>
-          <a:p>
-            <a:r>
-              <a:rPr lang="en-US" dirty="0"/>
-              <a:t>Secondary Actors: None</a:t>
-            </a:r>
-          </a:p>
-          <a:p>
-            <a:r>
-              <a:rPr lang="en-US" dirty="0"/>
-              <a:t>Channels to secondary actors: None</a:t>
-            </a:r>
-          </a:p>
-          <a:p>
-            <a:r>
-              <a:rPr lang="en-US" dirty="0"/>
-              <a:t>Open Issue: None</a:t>
-            </a:r>
-          </a:p>
-          <a:p>
-            <a:endParaRPr lang="en-US" dirty="0"/>
-          </a:p>
-        </p:txBody>
-      </p:sp>
-    </p:spTree>
-    <p:extLst>
-      <p:ext uri="{BB962C8B-B14F-4D97-AF65-F5344CB8AC3E}">
-        <p14:creationId xmlns:p14="http://schemas.microsoft.com/office/powerpoint/2010/main" val="2319732421"/>
-      </p:ext>
-    </p:extLst>
-  </p:cSld>
-  <p:clrMapOvr>
-    <a:masterClrMapping/>
-  </p:clrMapOvr>
-</p:sld>
-</file>
-
 <file path=ppt/slides/slide13.xml><?xml version="1.0" encoding="utf-8"?>
 <p:sld xmlns:a="http://schemas.openxmlformats.org/drawingml/2006/main" xmlns:r="http://schemas.openxmlformats.org/officeDocument/2006/relationships" xmlns:p="http://schemas.openxmlformats.org/presentationml/2006/main">
   <p:cSld>
@@ -6772,6 +6898,13 @@
   <p:clrMapOvr>
     <a:masterClrMapping/>
   </p:clrMapOvr>
+  <p:timing>
+    <p:tnLst>
+      <p:par>
+        <p:cTn xmlns:p14="http://schemas.microsoft.com/office/powerpoint/2010/main" id="1" dur="indefinite" restart="never" nodeType="tmRoot"/>
+      </p:par>
+    </p:tnLst>
+  </p:timing>
 </p:sld>
 </file>
 
@@ -6830,28 +6963,9 @@
           <a:bodyPr/>
           <a:lstStyle/>
           <a:p>
-            <a:r>
-              <a:rPr lang="en-US" dirty="0" smtClean="0"/>
-              <a:t>Questions?</a:t>
-            </a:r>
-          </a:p>
-          <a:p>
-            <a:r>
-              <a:rPr lang="en-US" dirty="0" smtClean="0"/>
-              <a:t>Rotten tomatoes?</a:t>
-            </a:r>
-          </a:p>
-          <a:p>
-            <a:r>
-              <a:rPr lang="en-US" dirty="0" smtClean="0"/>
-              <a:t>Moral conundrums?</a:t>
-            </a:r>
-          </a:p>
-          <a:p>
-            <a:r>
-              <a:rPr lang="en-US" dirty="0" smtClean="0"/>
-              <a:t>Philosophical Inquiries?</a:t>
-            </a:r>
+            <a:pPr marL="36576" indent="0">
+              <a:buNone/>
+            </a:pPr>
             <a:endParaRPr lang="en-US" dirty="0"/>
           </a:p>
         </p:txBody>
@@ -6945,6 +7059,13 @@
   <p:clrMapOvr>
     <a:masterClrMapping/>
   </p:clrMapOvr>
+  <p:timing>
+    <p:tnLst>
+      <p:par>
+        <p:cTn xmlns:p14="http://schemas.microsoft.com/office/powerpoint/2010/main" id="1" dur="indefinite" restart="never" nodeType="tmRoot"/>
+      </p:par>
+    </p:tnLst>
+  </p:timing>
 </p:sld>
 </file>
 
@@ -10248,15 +10369,48 @@
         </p:nvSpPr>
         <p:spPr/>
         <p:txBody>
-          <a:bodyPr/>
+          <a:bodyPr>
+            <a:normAutofit/>
+          </a:bodyPr>
           <a:lstStyle/>
           <a:p>
-            <a:pPr marL="36576" indent="0">
-              <a:buNone/>
-            </a:pPr>
+            <a:r>
+              <a:rPr lang="en-US" dirty="0"/>
+              <a:t>For the first iteration, implementing only the most basic of capabilities in the “Drive” feature:</a:t>
+            </a:r>
+          </a:p>
+          <a:p>
+            <a:pPr lvl="1"/>
             <a:r>
               <a:rPr lang="en-US" dirty="0" smtClean="0"/>
-              <a:t>Must haves and should haves</a:t>
+              <a:t>Car’s speed and acceleration</a:t>
+            </a:r>
+            <a:endParaRPr lang="en-US" dirty="0"/>
+          </a:p>
+          <a:p>
+            <a:pPr lvl="1"/>
+            <a:r>
+              <a:rPr lang="en-US" dirty="0" smtClean="0"/>
+              <a:t>Car’s location </a:t>
+            </a:r>
+          </a:p>
+          <a:p>
+            <a:pPr lvl="1"/>
+            <a:r>
+              <a:rPr lang="en-US" dirty="0" smtClean="0"/>
+              <a:t>Trip duration</a:t>
+            </a:r>
+            <a:endParaRPr lang="en-US" dirty="0"/>
+          </a:p>
+          <a:p>
+            <a:pPr lvl="1"/>
+            <a:r>
+              <a:rPr lang="en-US" dirty="0"/>
+              <a:t>Fuel </a:t>
+            </a:r>
+            <a:r>
+              <a:rPr lang="en-US" dirty="0" smtClean="0"/>
+              <a:t>level and construction</a:t>
             </a:r>
             <a:endParaRPr lang="en-US" dirty="0"/>
           </a:p>

--- a/Presentation/Presentation.pptx
+++ b/Presentation/Presentation.pptx
@@ -983,15 +983,11 @@
           <a:p>
             <a:r>
               <a:rPr lang="en-US" dirty="0" smtClean="0"/>
-              <a:t>(Continue </a:t>
-            </a:r>
-            <a:r>
-              <a:rPr lang="en-US" dirty="0" err="1" smtClean="0"/>
-              <a:t>incremements</a:t>
-            </a:r>
-            <a:r>
-              <a:rPr lang="en-US" dirty="0" smtClean="0"/>
-              <a:t>)</a:t>
+              <a:t>(</a:t>
+            </a:r>
+            <a:r>
+              <a:rPr lang="en-US" smtClean="0"/>
+              <a:t>Continue incremements)</a:t>
             </a:r>
             <a:endParaRPr lang="en-US" dirty="0"/>
           </a:p>
@@ -10484,31 +10480,9 @@
           </a:p>
         </p:txBody>
       </p:sp>
-      <p:sp>
-        <p:nvSpPr>
-          <p:cNvPr id="3" name="Content Placeholder 2"/>
-          <p:cNvSpPr>
-            <a:spLocks noGrp="1"/>
-          </p:cNvSpPr>
-          <p:nvPr>
-            <p:ph idx="1"/>
-          </p:nvPr>
-        </p:nvSpPr>
-        <p:spPr/>
-        <p:txBody>
-          <a:bodyPr/>
-          <a:lstStyle/>
-          <a:p>
-            <a:pPr marL="36576" indent="0">
-              <a:buNone/>
-            </a:pPr>
-            <a:endParaRPr lang="en-US" dirty="0"/>
-          </a:p>
-        </p:txBody>
-      </p:sp>
       <p:pic>
         <p:nvPicPr>
-          <p:cNvPr id="6" name="Picture 5"/>
+          <p:cNvPr id="9" name="Picture 8"/>
           <p:cNvPicPr>
             <a:picLocks noChangeAspect="1"/>
           </p:cNvPicPr>
@@ -10522,8 +10496,8 @@
         </p:blipFill>
         <p:spPr>
           <a:xfrm>
-            <a:off x="1524000" y="787400"/>
-            <a:ext cx="6096000" cy="6070600"/>
+            <a:off x="2459188" y="1270313"/>
+            <a:ext cx="4539968" cy="5008610"/>
           </a:xfrm>
           <a:prstGeom prst="rect">
             <a:avLst/>

--- a/Presentation/Presentation.pptx
+++ b/Presentation/Presentation.pptx
@@ -121,6 +121,22 @@
       </a:defRPr>
     </a:lvl9pPr>
   </p:defaultTextStyle>
+  <p:extLst>
+    <p:ext uri="{EFAFB233-063F-42B5-8137-9DF3F51BA10A}">
+      <p15:sldGuideLst xmlns:p15="http://schemas.microsoft.com/office/powerpoint/2012/main">
+        <p15:guide id="1" orient="horz" pos="2160">
+          <p15:clr>
+            <a:srgbClr val="A4A3A4"/>
+          </p15:clr>
+        </p15:guide>
+        <p15:guide id="2" pos="2880">
+          <p15:clr>
+            <a:srgbClr val="A4A3A4"/>
+          </p15:clr>
+        </p15:guide>
+      </p15:sldGuideLst>
+    </p:ext>
+  </p:extLst>
 </p:presentation>
 </file>
 
@@ -206,7 +222,7 @@
           <a:p>
             <a:fld id="{4D4D18D8-FDC1-6849-B329-71080DB67C2F}" type="datetimeFigureOut">
               <a:rPr lang="en-US" smtClean="0"/>
-              <a:t>10/4/15</a:t>
+              <a:t>10/4/2015</a:t>
             </a:fld>
             <a:endParaRPr lang="en-US"/>
           </a:p>
@@ -607,8 +623,26 @@
           <a:lstStyle/>
           <a:p>
             <a:r>
-              <a:rPr lang="en-US" dirty="0" err="1" smtClean="0"/>
+              <a:rPr lang="en-US" dirty="0" smtClean="0"/>
               <a:t>Coakley</a:t>
+            </a:r>
+          </a:p>
+          <a:p>
+            <a:r>
+              <a:rPr lang="en-US" dirty="0" smtClean="0"/>
+              <a:t>Go through</a:t>
+            </a:r>
+            <a:r>
+              <a:rPr lang="en-US" baseline="0" dirty="0" smtClean="0"/>
+              <a:t> </a:t>
+            </a:r>
+            <a:r>
+              <a:rPr lang="en-US" dirty="0" smtClean="0"/>
+              <a:t>goal in context, scenario, priority, freq.</a:t>
+            </a:r>
+            <a:r>
+              <a:rPr lang="en-US" baseline="0" dirty="0" smtClean="0"/>
+              <a:t> of use</a:t>
             </a:r>
             <a:endParaRPr lang="en-US" dirty="0"/>
           </a:p>
@@ -695,9 +729,55 @@
           <a:lstStyle/>
           <a:p>
             <a:r>
-              <a:rPr lang="en-US" dirty="0" err="1" smtClean="0"/>
+              <a:rPr lang="en-US" dirty="0" smtClean="0"/>
               <a:t>Coakley</a:t>
             </a:r>
+          </a:p>
+          <a:p>
+            <a:pPr marL="0" marR="0" indent="0" algn="l" defTabSz="457200" rtl="0" eaLnBrk="1" fontAlgn="auto" latinLnBrk="0" hangingPunct="1">
+              <a:lnSpc>
+                <a:spcPct val="100000"/>
+              </a:lnSpc>
+              <a:spcBef>
+                <a:spcPts val="0"/>
+              </a:spcBef>
+              <a:spcAft>
+                <a:spcPts val="0"/>
+              </a:spcAft>
+              <a:buClrTx/>
+              <a:buSzTx/>
+              <a:buFontTx/>
+              <a:buNone/>
+              <a:tabLst/>
+              <a:defRPr/>
+            </a:pPr>
+            <a:r>
+              <a:rPr lang="en-US" dirty="0" smtClean="0"/>
+              <a:t>Go through</a:t>
+            </a:r>
+            <a:r>
+              <a:rPr lang="en-US" baseline="0" dirty="0" smtClean="0"/>
+              <a:t> </a:t>
+            </a:r>
+            <a:r>
+              <a:rPr lang="en-US" dirty="0" smtClean="0"/>
+              <a:t>goal in context, scenario</a:t>
+            </a:r>
+            <a:r>
+              <a:rPr lang="en-US" smtClean="0"/>
+              <a:t>, exceptions </a:t>
+            </a:r>
+            <a:r>
+              <a:rPr lang="en-US" dirty="0" smtClean="0"/>
+              <a:t>priority, freq.</a:t>
+            </a:r>
+            <a:r>
+              <a:rPr lang="en-US" baseline="0" dirty="0" smtClean="0"/>
+              <a:t> of use</a:t>
+            </a:r>
+            <a:endParaRPr lang="en-US" dirty="0" smtClean="0"/>
+          </a:p>
+          <a:p>
             <a:endParaRPr lang="en-US" dirty="0"/>
           </a:p>
         </p:txBody>
@@ -1689,10 +1769,103 @@
           <a:bodyPr/>
           <a:lstStyle/>
           <a:p>
-            <a:r>
-              <a:rPr lang="en-US" dirty="0" err="1" smtClean="0"/>
-              <a:t>Coakley</a:t>
-            </a:r>
+            <a:pPr lvl="0"/>
+            <a:r>
+              <a:rPr lang="en-US" dirty="0" smtClean="0"/>
+              <a:t>Coakley </a:t>
+            </a:r>
+          </a:p>
+          <a:p>
+            <a:pPr lvl="0"/>
+            <a:r>
+              <a:rPr lang="en-US" sz="1200" kern="1200" dirty="0" smtClean="0">
+                <a:solidFill>
+                  <a:schemeClr val="tx1"/>
+                </a:solidFill>
+                <a:effectLst/>
+                <a:latin typeface="+mn-lt"/>
+                <a:ea typeface="+mn-ea"/>
+                <a:cs typeface="+mn-cs"/>
+              </a:rPr>
+              <a:t>Go through each of these cases </a:t>
+            </a:r>
+          </a:p>
+          <a:p>
+            <a:pPr lvl="0"/>
+            <a:r>
+              <a:rPr lang="en-US" sz="1200" kern="1200" dirty="0" smtClean="0">
+                <a:solidFill>
+                  <a:schemeClr val="tx1"/>
+                </a:solidFill>
+                <a:effectLst/>
+                <a:latin typeface="+mn-lt"/>
+                <a:ea typeface="+mn-ea"/>
+                <a:cs typeface="+mn-cs"/>
+              </a:rPr>
+              <a:t>Explain</a:t>
+            </a:r>
+            <a:r>
+              <a:rPr lang="en-US" sz="1200" kern="1200" baseline="0" dirty="0" smtClean="0">
+                <a:solidFill>
+                  <a:schemeClr val="tx1"/>
+                </a:solidFill>
+                <a:effectLst/>
+                <a:latin typeface="+mn-lt"/>
+                <a:ea typeface="+mn-ea"/>
+                <a:cs typeface="+mn-cs"/>
+              </a:rPr>
+              <a:t> the</a:t>
+            </a:r>
+            <a:r>
+              <a:rPr lang="en-US" sz="1200" kern="1200" dirty="0" smtClean="0">
+                <a:solidFill>
+                  <a:schemeClr val="tx1"/>
+                </a:solidFill>
+                <a:effectLst/>
+                <a:latin typeface="+mn-lt"/>
+                <a:ea typeface="+mn-ea"/>
+                <a:cs typeface="+mn-cs"/>
+              </a:rPr>
+              <a:t> connections to user, all the user actions for this increment</a:t>
+            </a:r>
+          </a:p>
+          <a:p>
+            <a:pPr lvl="0"/>
+            <a:r>
+              <a:rPr lang="en-US" sz="1200" kern="1200" dirty="0" smtClean="0">
+                <a:solidFill>
+                  <a:schemeClr val="tx1"/>
+                </a:solidFill>
+                <a:effectLst/>
+                <a:latin typeface="+mn-lt"/>
+                <a:ea typeface="+mn-ea"/>
+                <a:cs typeface="+mn-cs"/>
+              </a:rPr>
+              <a:t>The car user is the primary actor for the</a:t>
+            </a:r>
+            <a:r>
+              <a:rPr lang="en-US" sz="1200" kern="1200" baseline="0" dirty="0" smtClean="0">
+                <a:solidFill>
+                  <a:schemeClr val="tx1"/>
+                </a:solidFill>
+                <a:effectLst/>
+                <a:latin typeface="+mn-lt"/>
+                <a:ea typeface="+mn-ea"/>
+                <a:cs typeface="+mn-cs"/>
+              </a:rPr>
+              <a:t> use cases</a:t>
+            </a:r>
+            <a:endParaRPr lang="en-US" sz="1200" kern="1200" dirty="0" smtClean="0">
+              <a:solidFill>
+                <a:schemeClr val="tx1"/>
+              </a:solidFill>
+              <a:effectLst/>
+              <a:latin typeface="+mn-lt"/>
+              <a:ea typeface="+mn-ea"/>
+              <a:cs typeface="+mn-cs"/>
+            </a:endParaRPr>
+          </a:p>
+          <a:p>
             <a:endParaRPr lang="en-US" dirty="0"/>
           </a:p>
         </p:txBody>
@@ -2119,7 +2292,7 @@
             <a:fld id="{E637BB6B-EE1B-48FB-8575-0D55C373DE88}" type="datetimeFigureOut">
               <a:rPr lang="en-US" smtClean="0"/>
               <a:pPr eaLnBrk="1" latinLnBrk="0" hangingPunct="1"/>
-              <a:t>10/3/15</a:t>
+              <a:t>10/4/2015</a:t>
             </a:fld>
             <a:endParaRPr lang="en-US"/>
           </a:p>
@@ -2287,7 +2460,7 @@
             <a:fld id="{E637BB6B-EE1B-48FB-8575-0D55C373DE88}" type="datetimeFigureOut">
               <a:rPr lang="en-US" smtClean="0"/>
               <a:pPr eaLnBrk="1" latinLnBrk="0" hangingPunct="1"/>
-              <a:t>10/3/15</a:t>
+              <a:t>10/4/2015</a:t>
             </a:fld>
             <a:endParaRPr lang="en-US" dirty="0"/>
           </a:p>
@@ -2465,7 +2638,7 @@
             <a:fld id="{E637BB6B-EE1B-48FB-8575-0D55C373DE88}" type="datetimeFigureOut">
               <a:rPr lang="en-US" smtClean="0"/>
               <a:pPr eaLnBrk="1" latinLnBrk="0" hangingPunct="1"/>
-              <a:t>10/3/15</a:t>
+              <a:t>10/4/2015</a:t>
             </a:fld>
             <a:endParaRPr lang="en-US"/>
           </a:p>
@@ -2637,7 +2810,7 @@
             <a:fld id="{E637BB6B-EE1B-48FB-8575-0D55C373DE88}" type="datetimeFigureOut">
               <a:rPr lang="en-US" smtClean="0"/>
               <a:pPr eaLnBrk="1" latinLnBrk="0" hangingPunct="1"/>
-              <a:t>10/3/15</a:t>
+              <a:t>10/4/2015</a:t>
             </a:fld>
             <a:endParaRPr lang="en-US"/>
           </a:p>
@@ -3095,7 +3268,7 @@
             <a:fld id="{E637BB6B-EE1B-48FB-8575-0D55C373DE88}" type="datetimeFigureOut">
               <a:rPr lang="en-US" smtClean="0"/>
               <a:pPr eaLnBrk="1" latinLnBrk="0" hangingPunct="1"/>
-              <a:t>10/3/15</a:t>
+              <a:t>10/4/2015</a:t>
             </a:fld>
             <a:endParaRPr lang="en-US"/>
           </a:p>
@@ -3362,7 +3535,7 @@
             <a:fld id="{E637BB6B-EE1B-48FB-8575-0D55C373DE88}" type="datetimeFigureOut">
               <a:rPr lang="en-US" smtClean="0"/>
               <a:pPr eaLnBrk="1" latinLnBrk="0" hangingPunct="1"/>
-              <a:t>10/3/15</a:t>
+              <a:t>10/4/2015</a:t>
             </a:fld>
             <a:endParaRPr lang="en-US"/>
           </a:p>
@@ -3739,7 +3912,7 @@
             <a:fld id="{E637BB6B-EE1B-48FB-8575-0D55C373DE88}" type="datetimeFigureOut">
               <a:rPr lang="en-US" smtClean="0"/>
               <a:pPr eaLnBrk="1" latinLnBrk="0" hangingPunct="1"/>
-              <a:t>10/3/15</a:t>
+              <a:t>10/4/2015</a:t>
             </a:fld>
             <a:endParaRPr lang="en-US"/>
           </a:p>
@@ -3864,7 +4037,7 @@
             <a:fld id="{E637BB6B-EE1B-48FB-8575-0D55C373DE88}" type="datetimeFigureOut">
               <a:rPr lang="en-US" smtClean="0"/>
               <a:pPr eaLnBrk="1" latinLnBrk="0" hangingPunct="1"/>
-              <a:t>10/3/15</a:t>
+              <a:t>10/4/2015</a:t>
             </a:fld>
             <a:endParaRPr lang="en-US"/>
           </a:p>
@@ -3957,7 +4130,7 @@
             <a:fld id="{E637BB6B-EE1B-48FB-8575-0D55C373DE88}" type="datetimeFigureOut">
               <a:rPr lang="en-US" smtClean="0"/>
               <a:pPr eaLnBrk="1" latinLnBrk="0" hangingPunct="1"/>
-              <a:t>10/3/15</a:t>
+              <a:t>10/4/2015</a:t>
             </a:fld>
             <a:endParaRPr lang="en-US"/>
           </a:p>
@@ -4209,7 +4382,7 @@
             <a:fld id="{E637BB6B-EE1B-48FB-8575-0D55C373DE88}" type="datetimeFigureOut">
               <a:rPr lang="en-US" smtClean="0"/>
               <a:pPr eaLnBrk="1" latinLnBrk="0" hangingPunct="1"/>
-              <a:t>10/3/15</a:t>
+              <a:t>10/4/2015</a:t>
             </a:fld>
             <a:endParaRPr lang="en-US"/>
           </a:p>
@@ -4471,7 +4644,7 @@
             <a:fld id="{E637BB6B-EE1B-48FB-8575-0D55C373DE88}" type="datetimeFigureOut">
               <a:rPr lang="en-US" smtClean="0"/>
               <a:pPr eaLnBrk="1" latinLnBrk="0" hangingPunct="1"/>
-              <a:t>10/3/15</a:t>
+              <a:t>10/4/2015</a:t>
             </a:fld>
             <a:endParaRPr lang="en-US"/>
           </a:p>
@@ -4878,7 +5051,7 @@
             <a:fld id="{E637BB6B-EE1B-48FB-8575-0D55C373DE88}" type="datetimeFigureOut">
               <a:rPr lang="en-US" smtClean="0"/>
               <a:pPr eaLnBrk="1" latinLnBrk="0" hangingPunct="1"/>
-              <a:t>10/3/15</a:t>
+              <a:t>10/4/2015</a:t>
             </a:fld>
             <a:endParaRPr lang="en-US" sz="1000">
               <a:solidFill>
@@ -5357,7 +5530,7 @@
   <p:timing>
     <p:tnLst>
       <p:par>
-        <p:cTn xmlns:p14="http://schemas.microsoft.com/office/powerpoint/2010/main" id="1" dur="indefinite" restart="never" nodeType="tmRoot"/>
+        <p:cTn id="1" dur="indefinite" restart="never" nodeType="tmRoot"/>
       </p:par>
     </p:tnLst>
   </p:timing>
@@ -5408,7 +5581,6 @@
               <a:rPr lang="en-US" dirty="0"/>
               <a:t>Turning Car Off</a:t>
             </a:r>
-            <a:endParaRPr lang="en-US" dirty="0"/>
           </a:p>
         </p:txBody>
       </p:sp>
@@ -5532,7 +5704,7 @@
   <p:timing>
     <p:tnLst>
       <p:par>
-        <p:cTn xmlns:p14="http://schemas.microsoft.com/office/powerpoint/2010/main" id="1" dur="indefinite" restart="never" nodeType="tmRoot"/>
+        <p:cTn id="1" dur="indefinite" restart="never" nodeType="tmRoot"/>
       </p:par>
     </p:tnLst>
   </p:timing>
@@ -5644,14 +5816,30 @@
             <a:pPr lvl="0"/>
             <a:r>
               <a:rPr lang="en-US" dirty="0"/>
-              <a:t>The users selects a speed at which the car accelerates until the maximum speed is reached. The car’s current acceleration and speed will be displayed.</a:t>
+              <a:t>The users selects a speed at which the car accelerates until the maximum speed is reached. The car’s current </a:t>
+            </a:r>
+            <a:r>
+              <a:rPr lang="en-US" dirty="0" smtClean="0"/>
+              <a:t>speed </a:t>
+            </a:r>
+            <a:r>
+              <a:rPr lang="en-US" dirty="0"/>
+              <a:t>will be displayed.</a:t>
             </a:r>
           </a:p>
           <a:p>
             <a:pPr lvl="0"/>
             <a:r>
               <a:rPr lang="en-US" dirty="0"/>
-              <a:t>The user selects a speed that he/she wants the car to reach the car will accelerate at a rate until that speed is reached. The car’s current acceleration and speed will be displayed.</a:t>
+              <a:t>The user selects a speed that he/she wants the car to reach the car will accelerate at a rate until that speed is reached. The car’s current </a:t>
+            </a:r>
+            <a:r>
+              <a:rPr lang="en-US" dirty="0" smtClean="0"/>
+              <a:t>speed </a:t>
+            </a:r>
+            <a:r>
+              <a:rPr lang="en-US" dirty="0"/>
+              <a:t>will be displayed.</a:t>
             </a:r>
           </a:p>
           <a:p>
@@ -5741,7 +5929,7 @@
   <p:timing>
     <p:tnLst>
       <p:par>
-        <p:cTn xmlns:p14="http://schemas.microsoft.com/office/powerpoint/2010/main" id="1" dur="indefinite" restart="never" nodeType="tmRoot"/>
+        <p:cTn id="1" dur="indefinite" restart="never" nodeType="tmRoot"/>
       </p:par>
     </p:tnLst>
   </p:timing>
@@ -5899,7 +6087,7 @@
   <p:timing>
     <p:tnLst>
       <p:par>
-        <p:cTn xmlns:p14="http://schemas.microsoft.com/office/powerpoint/2010/main" id="1" dur="indefinite" restart="never" nodeType="tmRoot"/>
+        <p:cTn id="1" dur="indefinite" restart="never" nodeType="tmRoot"/>
       </p:par>
     </p:tnLst>
   </p:timing>
@@ -5970,47 +6158,7 @@
             </a:pPr>
             <a:r>
               <a:rPr lang="en-US" dirty="0"/>
-              <a:t>Speed (mph)</a:t>
-            </a:r>
-            <a:r>
-              <a:rPr lang="en-US" dirty="0"/>
-              <a:t> </a:t>
-            </a:r>
-            <a:r>
-              <a:rPr lang="en-US" dirty="0"/>
-              <a:t>Fuel (%)</a:t>
-            </a:r>
-            <a:r>
-              <a:rPr lang="en-US" dirty="0"/>
-              <a:t> </a:t>
-            </a:r>
-            <a:r>
-              <a:rPr lang="en-US" dirty="0"/>
-              <a:t>State (Drive/Park)</a:t>
-            </a:r>
-            <a:r>
-              <a:rPr lang="en-US" dirty="0"/>
-              <a:t> </a:t>
-            </a:r>
-            <a:r>
-              <a:rPr lang="en-US" dirty="0"/>
-              <a:t>Odometer (miles)</a:t>
-            </a:r>
-            <a:r>
-              <a:rPr lang="en-US" dirty="0"/>
-              <a:t> </a:t>
-            </a:r>
-            <a:r>
-              <a:rPr lang="en-US" dirty="0"/>
-              <a:t>Radio</a:t>
-            </a:r>
-            <a:r>
-              <a:rPr lang="en-US" dirty="0"/>
-              <a:t> </a:t>
-            </a:r>
-            <a:r>
-              <a:rPr lang="en-US" dirty="0"/>
-              <a:t>Main Panel</a:t>
+              <a:t>Speed (mph) Fuel (%) State (Drive/Park) Odometer (miles) Radio Main Panel</a:t>
             </a:r>
             <a:br>
               <a:rPr lang="en-US" dirty="0"/>
@@ -6024,35 +6172,7 @@
             </a:br>
             <a:r>
               <a:rPr lang="en-US" dirty="0"/>
-              <a:t>based on context menu)</a:t>
-            </a:r>
-            <a:r>
-              <a:rPr lang="en-US" dirty="0"/>
-              <a:t> </a:t>
-            </a:r>
-            <a:r>
-              <a:rPr lang="en-US" dirty="0"/>
-              <a:t>User Manual</a:t>
-            </a:r>
-            <a:r>
-              <a:rPr lang="en-US" dirty="0"/>
-              <a:t> </a:t>
-            </a:r>
-            <a:r>
-              <a:rPr lang="en-US" dirty="0"/>
-              <a:t>Phone</a:t>
-            </a:r>
-            <a:r>
-              <a:rPr lang="en-US" dirty="0"/>
-              <a:t> </a:t>
-            </a:r>
-            <a:r>
-              <a:rPr lang="en-US" dirty="0"/>
-              <a:t>Map</a:t>
-            </a:r>
-            <a:r>
-              <a:rPr lang="en-US" dirty="0"/>
-              <a:t> </a:t>
+              <a:t>based on context menu) User Manual Phone Map </a:t>
             </a:r>
             <a:r>
               <a:rPr lang="en-US" b="1" dirty="0"/>
@@ -6060,15 +6180,7 @@
             </a:r>
             <a:r>
               <a:rPr lang="en-US" dirty="0"/>
-              <a:t> </a:t>
-            </a:r>
-            <a:r>
-              <a:rPr lang="en-US" dirty="0"/>
-              <a:t>Control Panel (Speed &amp; Acceleration)</a:t>
-            </a:r>
-            <a:r>
-              <a:rPr lang="en-US" dirty="0"/>
-              <a:t> </a:t>
+              <a:t> Control Panel (Speed &amp; Acceleration) </a:t>
             </a:r>
           </a:p>
         </p:txBody>
@@ -6897,7 +7009,7 @@
   <p:timing>
     <p:tnLst>
       <p:par>
-        <p:cTn xmlns:p14="http://schemas.microsoft.com/office/powerpoint/2010/main" id="1" dur="indefinite" restart="never" nodeType="tmRoot"/>
+        <p:cTn id="1" dur="indefinite" restart="never" nodeType="tmRoot"/>
       </p:par>
     </p:tnLst>
   </p:timing>
@@ -6979,7 +7091,7 @@
   <p:timing>
     <p:tnLst>
       <p:par>
-        <p:cTn xmlns:p14="http://schemas.microsoft.com/office/powerpoint/2010/main" id="1" dur="indefinite" restart="never" nodeType="tmRoot"/>
+        <p:cTn id="1" dur="indefinite" restart="never" nodeType="tmRoot"/>
       </p:par>
     </p:tnLst>
   </p:timing>
@@ -7058,7 +7170,7 @@
   <p:timing>
     <p:tnLst>
       <p:par>
-        <p:cTn xmlns:p14="http://schemas.microsoft.com/office/powerpoint/2010/main" id="1" dur="indefinite" restart="never" nodeType="tmRoot"/>
+        <p:cTn id="1" dur="indefinite" restart="never" nodeType="tmRoot"/>
       </p:par>
     </p:tnLst>
   </p:timing>
@@ -7179,7 +7291,7 @@
   <p:timing>
     <p:tnLst>
       <p:par>
-        <p:cTn xmlns:p14="http://schemas.microsoft.com/office/powerpoint/2010/main" id="1" dur="indefinite" restart="never" nodeType="tmRoot"/>
+        <p:cTn id="1" dur="indefinite" restart="never" nodeType="tmRoot"/>
       </p:par>
     </p:tnLst>
   </p:timing>
@@ -7282,7 +7394,7 @@
   <p:timing>
     <p:tnLst>
       <p:par>
-        <p:cTn xmlns:p14="http://schemas.microsoft.com/office/powerpoint/2010/main" id="1" dur="indefinite" restart="never" nodeType="tmRoot"/>
+        <p:cTn id="1" dur="indefinite" restart="never" nodeType="tmRoot"/>
       </p:par>
     </p:tnLst>
   </p:timing>
@@ -7368,7 +7480,7 @@
   <p:timing>
     <p:tnLst>
       <p:par>
-        <p:cTn xmlns:p14="http://schemas.microsoft.com/office/powerpoint/2010/main" id="1" dur="indefinite" restart="never" nodeType="tmRoot"/>
+        <p:cTn id="1" dur="indefinite" restart="never" nodeType="tmRoot"/>
       </p:par>
     </p:tnLst>
   </p:timing>
@@ -7447,7 +7559,7 @@
   <p:timing>
     <p:tnLst>
       <p:par>
-        <p:cTn xmlns:p14="http://schemas.microsoft.com/office/powerpoint/2010/main" id="1" dur="indefinite" restart="never" nodeType="tmRoot"/>
+        <p:cTn id="1" dur="indefinite" restart="never" nodeType="tmRoot"/>
       </p:par>
     </p:tnLst>
   </p:timing>
@@ -10216,7 +10328,7 @@
   <p:timing>
     <p:tnLst>
       <p:par>
-        <p:cTn xmlns:p14="http://schemas.microsoft.com/office/powerpoint/2010/main" id="1" dur="indefinite" restart="never" nodeType="tmRoot"/>
+        <p:cTn id="1" dur="indefinite" restart="never" nodeType="tmRoot"/>
       </p:par>
     </p:tnLst>
   </p:timing>
@@ -10304,7 +10416,7 @@
   <p:timing>
     <p:tnLst>
       <p:par>
-        <p:cTn xmlns:p14="http://schemas.microsoft.com/office/powerpoint/2010/main" id="1" dur="indefinite" restart="never" nodeType="tmRoot"/>
+        <p:cTn id="1" dur="indefinite" restart="never" nodeType="tmRoot"/>
       </p:par>
     </p:tnLst>
   </p:timing>
@@ -10425,7 +10537,7 @@
   <p:timing>
     <p:tnLst>
       <p:par>
-        <p:cTn xmlns:p14="http://schemas.microsoft.com/office/powerpoint/2010/main" id="1" dur="indefinite" restart="never" nodeType="tmRoot"/>
+        <p:cTn id="1" dur="indefinite" restart="never" nodeType="tmRoot"/>
       </p:par>
     </p:tnLst>
   </p:timing>
@@ -10517,7 +10629,7 @@
   <p:timing>
     <p:tnLst>
       <p:par>
-        <p:cTn xmlns:p14="http://schemas.microsoft.com/office/powerpoint/2010/main" id="1" dur="indefinite" restart="never" nodeType="tmRoot"/>
+        <p:cTn id="1" dur="indefinite" restart="never" nodeType="tmRoot"/>
       </p:par>
     </p:tnLst>
   </p:timing>
